--- a/slides/認識 Nemo.pptx
+++ b/slides/認識 Nemo.pptx
@@ -1,25 +1,25 @@
 
 <file path=ppt/presentation.xml><?xml version="1.0" encoding="utf-8"?>
-<p:presentation xmlns:a="http://schemas.openxmlformats.org/drawingml/2006/main" xmlns:r="http://schemas.openxmlformats.org/officeDocument/2006/relationships" xmlns:mc="http://schemas.openxmlformats.org/markup-compatibility/2006" xmlns:mv="urn:schemas-microsoft-com:mac:vml" xmlns:p="http://schemas.openxmlformats.org/presentationml/2006/main" xmlns:c="http://schemas.openxmlformats.org/drawingml/2006/chart" xmlns:dgm="http://schemas.openxmlformats.org/drawingml/2006/diagram" xmlns:o="urn:schemas-microsoft-com:office:office" xmlns:v="urn:schemas-microsoft-com:vml" xmlns:pvml="urn:schemas-microsoft-com:office:powerpoint" xmlns:com="http://schemas.openxmlformats.org/drawingml/2006/compatibility" xmlns:p14="http://schemas.microsoft.com/office/powerpoint/2010/main" xmlns:p15="http://schemas.microsoft.com/office/powerpoint/2012/main" xmlns:ahyp="http://schemas.microsoft.com/office/drawing/2018/hyperlinkcolor" autoCompressPictures="0" strictFirstAndLastChars="0" saveSubsetFonts="1">
+<p:presentation xmlns:a="http://schemas.openxmlformats.org/drawingml/2006/main" xmlns:r="http://schemas.openxmlformats.org/officeDocument/2006/relationships" xmlns:p="http://schemas.openxmlformats.org/presentationml/2006/main" strictFirstAndLastChars="0" saveSubsetFonts="1" autoCompressPictures="0">
   <p:sldMasterIdLst>
-    <p:sldMasterId id="2147483659" r:id="rId4"/>
+    <p:sldMasterId id="2147483659" r:id="rId1"/>
   </p:sldMasterIdLst>
   <p:notesMasterIdLst>
-    <p:notesMasterId r:id="rId5"/>
+    <p:notesMasterId r:id="rId9"/>
   </p:notesMasterIdLst>
   <p:sldIdLst>
-    <p:sldId id="256" r:id="rId6"/>
-    <p:sldId id="257" r:id="rId7"/>
-    <p:sldId id="258" r:id="rId8"/>
-    <p:sldId id="259" r:id="rId9"/>
-    <p:sldId id="260" r:id="rId10"/>
-    <p:sldId id="261" r:id="rId11"/>
-    <p:sldId id="262" r:id="rId12"/>
+    <p:sldId id="256" r:id="rId2"/>
+    <p:sldId id="257" r:id="rId3"/>
+    <p:sldId id="258" r:id="rId4"/>
+    <p:sldId id="259" r:id="rId5"/>
+    <p:sldId id="260" r:id="rId6"/>
+    <p:sldId id="261" r:id="rId7"/>
+    <p:sldId id="262" r:id="rId8"/>
   </p:sldIdLst>
-  <p:sldSz cy="5143500" cx="9144000"/>
+  <p:sldSz cx="9144000" cy="5143500" type="screen16x9"/>
   <p:notesSz cx="6858000" cy="9144000"/>
   <p:defaultTextStyle>
-    <a:defPPr lvl="0" marR="0" rtl="0" algn="l">
+    <a:defPPr marR="0" lvl="0" algn="l" rtl="0">
       <a:lnSpc>
         <a:spcPct val="100000"/>
       </a:lnSpc>
@@ -30,7 +30,7 @@
         <a:spcPts val="0"/>
       </a:spcAft>
     </a:defPPr>
-    <a:lvl1pPr lvl="0" marR="0" rtl="0" algn="l">
+    <a:lvl1pPr marR="0" lvl="0" algn="l" rtl="0">
       <a:lnSpc>
         <a:spcPct val="100000"/>
       </a:lnSpc>
@@ -44,7 +44,7 @@
         <a:srgbClr val="000000"/>
       </a:buClr>
       <a:buFont typeface="Arial"/>
-      <a:defRPr b="0" i="0" sz="1400" u="none" cap="none" strike="noStrike">
+      <a:defRPr sz="1400" b="0" i="0" u="none" strike="noStrike" cap="none">
         <a:solidFill>
           <a:srgbClr val="000000"/>
         </a:solidFill>
@@ -54,7 +54,7 @@
         <a:sym typeface="Arial"/>
       </a:defRPr>
     </a:lvl1pPr>
-    <a:lvl2pPr lvl="1" marR="0" rtl="0" algn="l">
+    <a:lvl2pPr marR="0" lvl="1" algn="l" rtl="0">
       <a:lnSpc>
         <a:spcPct val="100000"/>
       </a:lnSpc>
@@ -68,7 +68,7 @@
         <a:srgbClr val="000000"/>
       </a:buClr>
       <a:buFont typeface="Arial"/>
-      <a:defRPr b="0" i="0" sz="1400" u="none" cap="none" strike="noStrike">
+      <a:defRPr sz="1400" b="0" i="0" u="none" strike="noStrike" cap="none">
         <a:solidFill>
           <a:srgbClr val="000000"/>
         </a:solidFill>
@@ -78,7 +78,7 @@
         <a:sym typeface="Arial"/>
       </a:defRPr>
     </a:lvl2pPr>
-    <a:lvl3pPr lvl="2" marR="0" rtl="0" algn="l">
+    <a:lvl3pPr marR="0" lvl="2" algn="l" rtl="0">
       <a:lnSpc>
         <a:spcPct val="100000"/>
       </a:lnSpc>
@@ -92,7 +92,7 @@
         <a:srgbClr val="000000"/>
       </a:buClr>
       <a:buFont typeface="Arial"/>
-      <a:defRPr b="0" i="0" sz="1400" u="none" cap="none" strike="noStrike">
+      <a:defRPr sz="1400" b="0" i="0" u="none" strike="noStrike" cap="none">
         <a:solidFill>
           <a:srgbClr val="000000"/>
         </a:solidFill>
@@ -102,7 +102,7 @@
         <a:sym typeface="Arial"/>
       </a:defRPr>
     </a:lvl3pPr>
-    <a:lvl4pPr lvl="3" marR="0" rtl="0" algn="l">
+    <a:lvl4pPr marR="0" lvl="3" algn="l" rtl="0">
       <a:lnSpc>
         <a:spcPct val="100000"/>
       </a:lnSpc>
@@ -116,7 +116,7 @@
         <a:srgbClr val="000000"/>
       </a:buClr>
       <a:buFont typeface="Arial"/>
-      <a:defRPr b="0" i="0" sz="1400" u="none" cap="none" strike="noStrike">
+      <a:defRPr sz="1400" b="0" i="0" u="none" strike="noStrike" cap="none">
         <a:solidFill>
           <a:srgbClr val="000000"/>
         </a:solidFill>
@@ -126,7 +126,7 @@
         <a:sym typeface="Arial"/>
       </a:defRPr>
     </a:lvl4pPr>
-    <a:lvl5pPr lvl="4" marR="0" rtl="0" algn="l">
+    <a:lvl5pPr marR="0" lvl="4" algn="l" rtl="0">
       <a:lnSpc>
         <a:spcPct val="100000"/>
       </a:lnSpc>
@@ -140,7 +140,7 @@
         <a:srgbClr val="000000"/>
       </a:buClr>
       <a:buFont typeface="Arial"/>
-      <a:defRPr b="0" i="0" sz="1400" u="none" cap="none" strike="noStrike">
+      <a:defRPr sz="1400" b="0" i="0" u="none" strike="noStrike" cap="none">
         <a:solidFill>
           <a:srgbClr val="000000"/>
         </a:solidFill>
@@ -150,7 +150,7 @@
         <a:sym typeface="Arial"/>
       </a:defRPr>
     </a:lvl5pPr>
-    <a:lvl6pPr lvl="5" marR="0" rtl="0" algn="l">
+    <a:lvl6pPr marR="0" lvl="5" algn="l" rtl="0">
       <a:lnSpc>
         <a:spcPct val="100000"/>
       </a:lnSpc>
@@ -164,7 +164,7 @@
         <a:srgbClr val="000000"/>
       </a:buClr>
       <a:buFont typeface="Arial"/>
-      <a:defRPr b="0" i="0" sz="1400" u="none" cap="none" strike="noStrike">
+      <a:defRPr sz="1400" b="0" i="0" u="none" strike="noStrike" cap="none">
         <a:solidFill>
           <a:srgbClr val="000000"/>
         </a:solidFill>
@@ -174,7 +174,7 @@
         <a:sym typeface="Arial"/>
       </a:defRPr>
     </a:lvl6pPr>
-    <a:lvl7pPr lvl="6" marR="0" rtl="0" algn="l">
+    <a:lvl7pPr marR="0" lvl="6" algn="l" rtl="0">
       <a:lnSpc>
         <a:spcPct val="100000"/>
       </a:lnSpc>
@@ -188,7 +188,7 @@
         <a:srgbClr val="000000"/>
       </a:buClr>
       <a:buFont typeface="Arial"/>
-      <a:defRPr b="0" i="0" sz="1400" u="none" cap="none" strike="noStrike">
+      <a:defRPr sz="1400" b="0" i="0" u="none" strike="noStrike" cap="none">
         <a:solidFill>
           <a:srgbClr val="000000"/>
         </a:solidFill>
@@ -198,7 +198,7 @@
         <a:sym typeface="Arial"/>
       </a:defRPr>
     </a:lvl7pPr>
-    <a:lvl8pPr lvl="7" marR="0" rtl="0" algn="l">
+    <a:lvl8pPr marR="0" lvl="7" algn="l" rtl="0">
       <a:lnSpc>
         <a:spcPct val="100000"/>
       </a:lnSpc>
@@ -212,7 +212,7 @@
         <a:srgbClr val="000000"/>
       </a:buClr>
       <a:buFont typeface="Arial"/>
-      <a:defRPr b="0" i="0" sz="1400" u="none" cap="none" strike="noStrike">
+      <a:defRPr sz="1400" b="0" i="0" u="none" strike="noStrike" cap="none">
         <a:solidFill>
           <a:srgbClr val="000000"/>
         </a:solidFill>
@@ -222,7 +222,7 @@
         <a:sym typeface="Arial"/>
       </a:defRPr>
     </a:lvl8pPr>
-    <a:lvl9pPr lvl="8" marR="0" rtl="0" algn="l">
+    <a:lvl9pPr marR="0" lvl="8" algn="l" rtl="0">
       <a:lnSpc>
         <a:spcPct val="100000"/>
       </a:lnSpc>
@@ -236,7 +236,7 @@
         <a:srgbClr val="000000"/>
       </a:buClr>
       <a:buFont typeface="Arial"/>
-      <a:defRPr b="0" i="0" sz="1400" u="none" cap="none" strike="noStrike">
+      <a:defRPr sz="1400" b="0" i="0" u="none" strike="noStrike" cap="none">
         <a:solidFill>
           <a:srgbClr val="000000"/>
         </a:solidFill>
@@ -249,7 +249,7 @@
   </p:defaultTextStyle>
   <p:extLst>
     <p:ext uri="{EFAFB233-063F-42B5-8137-9DF3F51BA10A}">
-      <p15:sldGuideLst>
+      <p15:sldGuideLst xmlns:p15="http://schemas.microsoft.com/office/powerpoint/2012/main">
         <p15:guide id="1" orient="horz" pos="1620">
           <p15:clr>
             <a:srgbClr val="A4A3A4"/>
@@ -267,11 +267,16 @@
 </file>
 
 <file path=ppt/notesMasters/notesMaster1.xml><?xml version="1.0" encoding="utf-8"?>
-<p:notesMaster xmlns:a="http://schemas.openxmlformats.org/drawingml/2006/main" xmlns:r="http://schemas.openxmlformats.org/officeDocument/2006/relationships" xmlns:mc="http://schemas.openxmlformats.org/markup-compatibility/2006" xmlns:mv="urn:schemas-microsoft-com:mac:vml" xmlns:p="http://schemas.openxmlformats.org/presentationml/2006/main" xmlns:c="http://schemas.openxmlformats.org/drawingml/2006/chart" xmlns:dgm="http://schemas.openxmlformats.org/drawingml/2006/diagram" xmlns:o="urn:schemas-microsoft-com:office:office" xmlns:v="urn:schemas-microsoft-com:vml" xmlns:pvml="urn:schemas-microsoft-com:office:powerpoint" xmlns:com="http://schemas.openxmlformats.org/drawingml/2006/compatibility" xmlns:p14="http://schemas.microsoft.com/office/powerpoint/2010/main" xmlns:p15="http://schemas.microsoft.com/office/powerpoint/2012/main" xmlns:ahyp="http://schemas.microsoft.com/office/drawing/2018/hyperlinkcolor">
+<p:notesMaster xmlns:a="http://schemas.openxmlformats.org/drawingml/2006/main" xmlns:r="http://schemas.openxmlformats.org/officeDocument/2006/relationships" xmlns:p="http://schemas.openxmlformats.org/presentationml/2006/main">
   <p:cSld>
+    <p:bg>
+      <p:bgRef idx="1001">
+        <a:schemeClr val="bg1"/>
+      </p:bgRef>
+    </p:bg>
     <p:spTree>
       <p:nvGrpSpPr>
-        <p:cNvPr id="2" name="Shape 2"/>
+        <p:cNvPr id="1" name="Shape 2"/>
         <p:cNvGrpSpPr/>
         <p:nvPr/>
       </p:nvGrpSpPr>
@@ -286,9 +291,11 @@
       <p:sp>
         <p:nvSpPr>
           <p:cNvPr id="3" name="Google Shape;3;n"/>
-          <p:cNvSpPr/>
+          <p:cNvSpPr>
+            <a:spLocks noGrp="1" noRot="1" noChangeAspect="1"/>
+          </p:cNvSpPr>
           <p:nvPr>
-            <p:ph idx="2" type="sldImg"/>
+            <p:ph type="sldImg" idx="2"/>
           </p:nvPr>
         </p:nvSpPr>
         <p:spPr>
@@ -297,9 +304,13 @@
             <a:ext cx="6096075" cy="3429000"/>
           </a:xfrm>
           <a:custGeom>
-            <a:rect b="b" l="l" r="r" t="t"/>
+            <a:avLst/>
+            <a:gdLst/>
+            <a:ahLst/>
+            <a:cxnLst/>
+            <a:rect l="l" t="t" r="r" b="b"/>
             <a:pathLst>
-              <a:path extrusionOk="0" h="120000" w="120000">
+              <a:path w="120000" h="120000" extrusionOk="0">
                 <a:moveTo>
                   <a:pt x="0" y="0"/>
                 </a:moveTo>
@@ -317,23 +328,25 @@
             </a:pathLst>
           </a:custGeom>
           <a:noFill/>
-          <a:ln cap="flat" cmpd="sng" w="9525">
+          <a:ln w="9525" cap="flat" cmpd="sng">
             <a:solidFill>
               <a:srgbClr val="000000"/>
             </a:solidFill>
             <a:prstDash val="solid"/>
             <a:round/>
-            <a:headEnd len="sm" w="sm" type="none"/>
-            <a:tailEnd len="sm" w="sm" type="none"/>
+            <a:headEnd type="none" w="sm" len="sm"/>
+            <a:tailEnd type="none" w="sm" len="sm"/>
           </a:ln>
         </p:spPr>
       </p:sp>
       <p:sp>
         <p:nvSpPr>
           <p:cNvPr id="4" name="Google Shape;4;n"/>
-          <p:cNvSpPr txBox="1"/>
+          <p:cNvSpPr txBox="1">
+            <a:spLocks noGrp="1"/>
+          </p:cNvSpPr>
           <p:nvPr>
-            <p:ph idx="1" type="body"/>
+            <p:ph type="body" idx="1"/>
           </p:nvPr>
         </p:nvSpPr>
         <p:spPr>
@@ -350,11 +363,11 @@
           </a:ln>
         </p:spPr>
         <p:txBody>
-          <a:bodyPr anchorCtr="0" anchor="t" bIns="91425" lIns="91425" spcFirstLastPara="1" rIns="91425" wrap="square" tIns="91425">
+          <a:bodyPr spcFirstLastPara="1" wrap="square" lIns="91425" tIns="91425" rIns="91425" bIns="91425" anchor="t" anchorCtr="0">
             <a:noAutofit/>
           </a:bodyPr>
           <a:lstStyle>
-            <a:lvl1pPr indent="-298450" lvl="0" marL="457200">
+            <a:lvl1pPr marL="457200" lvl="0" indent="-298450">
               <a:spcBef>
                 <a:spcPts val="0"/>
               </a:spcBef>
@@ -365,7 +378,7 @@
               <a:buChar char="●"/>
               <a:defRPr sz="1100"/>
             </a:lvl1pPr>
-            <a:lvl2pPr indent="-298450" lvl="1" marL="914400">
+            <a:lvl2pPr marL="914400" lvl="1" indent="-298450">
               <a:spcBef>
                 <a:spcPts val="0"/>
               </a:spcBef>
@@ -376,7 +389,7 @@
               <a:buChar char="○"/>
               <a:defRPr sz="1100"/>
             </a:lvl2pPr>
-            <a:lvl3pPr indent="-298450" lvl="2" marL="1371600">
+            <a:lvl3pPr marL="1371600" lvl="2" indent="-298450">
               <a:spcBef>
                 <a:spcPts val="0"/>
               </a:spcBef>
@@ -387,7 +400,7 @@
               <a:buChar char="■"/>
               <a:defRPr sz="1100"/>
             </a:lvl3pPr>
-            <a:lvl4pPr indent="-298450" lvl="3" marL="1828800">
+            <a:lvl4pPr marL="1828800" lvl="3" indent="-298450">
               <a:spcBef>
                 <a:spcPts val="0"/>
               </a:spcBef>
@@ -398,7 +411,7 @@
               <a:buChar char="●"/>
               <a:defRPr sz="1100"/>
             </a:lvl4pPr>
-            <a:lvl5pPr indent="-298450" lvl="4" marL="2286000">
+            <a:lvl5pPr marL="2286000" lvl="4" indent="-298450">
               <a:spcBef>
                 <a:spcPts val="0"/>
               </a:spcBef>
@@ -409,7 +422,7 @@
               <a:buChar char="○"/>
               <a:defRPr sz="1100"/>
             </a:lvl5pPr>
-            <a:lvl6pPr indent="-298450" lvl="5" marL="2743200">
+            <a:lvl6pPr marL="2743200" lvl="5" indent="-298450">
               <a:spcBef>
                 <a:spcPts val="0"/>
               </a:spcBef>
@@ -420,7 +433,7 @@
               <a:buChar char="■"/>
               <a:defRPr sz="1100"/>
             </a:lvl6pPr>
-            <a:lvl7pPr indent="-298450" lvl="6" marL="3200400">
+            <a:lvl7pPr marL="3200400" lvl="6" indent="-298450">
               <a:spcBef>
                 <a:spcPts val="0"/>
               </a:spcBef>
@@ -431,7 +444,7 @@
               <a:buChar char="●"/>
               <a:defRPr sz="1100"/>
             </a:lvl7pPr>
-            <a:lvl8pPr indent="-298450" lvl="7" marL="3657600">
+            <a:lvl8pPr marL="3657600" lvl="7" indent="-298450">
               <a:spcBef>
                 <a:spcPts val="0"/>
               </a:spcBef>
@@ -442,7 +455,7 @@
               <a:buChar char="○"/>
               <a:defRPr sz="1100"/>
             </a:lvl8pPr>
-            <a:lvl9pPr indent="-298450" lvl="8" marL="4114800">
+            <a:lvl9pPr marL="4114800" lvl="8" indent="-298450">
               <a:spcBef>
                 <a:spcPts val="0"/>
               </a:spcBef>
@@ -454,14 +467,16 @@
               <a:defRPr sz="1100"/>
             </a:lvl9pPr>
           </a:lstStyle>
-          <a:p/>
+          <a:p>
+            <a:endParaRPr/>
+          </a:p>
         </p:txBody>
       </p:sp>
     </p:spTree>
   </p:cSld>
-  <p:clrMap accent1="accent1" accent2="accent2" accent3="accent3" accent4="accent4" accent5="accent5" accent6="accent6" bg1="lt1" bg2="dk2" tx1="dk1" tx2="lt2" folHlink="folHlink" hlink="hlink"/>
+  <p:clrMap bg1="lt1" tx1="dk1" bg2="dk2" tx2="lt2" accent1="accent1" accent2="accent2" accent3="accent3" accent4="accent4" accent5="accent5" accent6="accent6" hlink="hlink" folHlink="folHlink"/>
   <p:notesStyle>
-    <a:defPPr lvl="0" marR="0" rtl="0" algn="l">
+    <a:defPPr marR="0" lvl="0" algn="l" rtl="0">
       <a:lnSpc>
         <a:spcPct val="100000"/>
       </a:lnSpc>
@@ -472,7 +487,7 @@
         <a:spcPts val="0"/>
       </a:spcAft>
     </a:defPPr>
-    <a:lvl1pPr lvl="0" marR="0" rtl="0" algn="l">
+    <a:lvl1pPr marR="0" lvl="0" algn="l" rtl="0">
       <a:lnSpc>
         <a:spcPct val="100000"/>
       </a:lnSpc>
@@ -486,7 +501,7 @@
         <a:srgbClr val="000000"/>
       </a:buClr>
       <a:buFont typeface="Arial"/>
-      <a:defRPr b="0" i="0" sz="1400" u="none" cap="none" strike="noStrike">
+      <a:defRPr sz="1400" b="0" i="0" u="none" strike="noStrike" cap="none">
         <a:solidFill>
           <a:srgbClr val="000000"/>
         </a:solidFill>
@@ -496,7 +511,7 @@
         <a:sym typeface="Arial"/>
       </a:defRPr>
     </a:lvl1pPr>
-    <a:lvl2pPr lvl="1" marR="0" rtl="0" algn="l">
+    <a:lvl2pPr marR="0" lvl="1" algn="l" rtl="0">
       <a:lnSpc>
         <a:spcPct val="100000"/>
       </a:lnSpc>
@@ -510,7 +525,7 @@
         <a:srgbClr val="000000"/>
       </a:buClr>
       <a:buFont typeface="Arial"/>
-      <a:defRPr b="0" i="0" sz="1400" u="none" cap="none" strike="noStrike">
+      <a:defRPr sz="1400" b="0" i="0" u="none" strike="noStrike" cap="none">
         <a:solidFill>
           <a:srgbClr val="000000"/>
         </a:solidFill>
@@ -520,7 +535,7 @@
         <a:sym typeface="Arial"/>
       </a:defRPr>
     </a:lvl2pPr>
-    <a:lvl3pPr lvl="2" marR="0" rtl="0" algn="l">
+    <a:lvl3pPr marR="0" lvl="2" algn="l" rtl="0">
       <a:lnSpc>
         <a:spcPct val="100000"/>
       </a:lnSpc>
@@ -534,7 +549,7 @@
         <a:srgbClr val="000000"/>
       </a:buClr>
       <a:buFont typeface="Arial"/>
-      <a:defRPr b="0" i="0" sz="1400" u="none" cap="none" strike="noStrike">
+      <a:defRPr sz="1400" b="0" i="0" u="none" strike="noStrike" cap="none">
         <a:solidFill>
           <a:srgbClr val="000000"/>
         </a:solidFill>
@@ -544,7 +559,7 @@
         <a:sym typeface="Arial"/>
       </a:defRPr>
     </a:lvl3pPr>
-    <a:lvl4pPr lvl="3" marR="0" rtl="0" algn="l">
+    <a:lvl4pPr marR="0" lvl="3" algn="l" rtl="0">
       <a:lnSpc>
         <a:spcPct val="100000"/>
       </a:lnSpc>
@@ -558,7 +573,7 @@
         <a:srgbClr val="000000"/>
       </a:buClr>
       <a:buFont typeface="Arial"/>
-      <a:defRPr b="0" i="0" sz="1400" u="none" cap="none" strike="noStrike">
+      <a:defRPr sz="1400" b="0" i="0" u="none" strike="noStrike" cap="none">
         <a:solidFill>
           <a:srgbClr val="000000"/>
         </a:solidFill>
@@ -568,7 +583,7 @@
         <a:sym typeface="Arial"/>
       </a:defRPr>
     </a:lvl4pPr>
-    <a:lvl5pPr lvl="4" marR="0" rtl="0" algn="l">
+    <a:lvl5pPr marR="0" lvl="4" algn="l" rtl="0">
       <a:lnSpc>
         <a:spcPct val="100000"/>
       </a:lnSpc>
@@ -582,7 +597,7 @@
         <a:srgbClr val="000000"/>
       </a:buClr>
       <a:buFont typeface="Arial"/>
-      <a:defRPr b="0" i="0" sz="1400" u="none" cap="none" strike="noStrike">
+      <a:defRPr sz="1400" b="0" i="0" u="none" strike="noStrike" cap="none">
         <a:solidFill>
           <a:srgbClr val="000000"/>
         </a:solidFill>
@@ -592,7 +607,7 @@
         <a:sym typeface="Arial"/>
       </a:defRPr>
     </a:lvl5pPr>
-    <a:lvl6pPr lvl="5" marR="0" rtl="0" algn="l">
+    <a:lvl6pPr marR="0" lvl="5" algn="l" rtl="0">
       <a:lnSpc>
         <a:spcPct val="100000"/>
       </a:lnSpc>
@@ -606,7 +621,7 @@
         <a:srgbClr val="000000"/>
       </a:buClr>
       <a:buFont typeface="Arial"/>
-      <a:defRPr b="0" i="0" sz="1400" u="none" cap="none" strike="noStrike">
+      <a:defRPr sz="1400" b="0" i="0" u="none" strike="noStrike" cap="none">
         <a:solidFill>
           <a:srgbClr val="000000"/>
         </a:solidFill>
@@ -616,7 +631,7 @@
         <a:sym typeface="Arial"/>
       </a:defRPr>
     </a:lvl6pPr>
-    <a:lvl7pPr lvl="6" marR="0" rtl="0" algn="l">
+    <a:lvl7pPr marR="0" lvl="6" algn="l" rtl="0">
       <a:lnSpc>
         <a:spcPct val="100000"/>
       </a:lnSpc>
@@ -630,7 +645,7 @@
         <a:srgbClr val="000000"/>
       </a:buClr>
       <a:buFont typeface="Arial"/>
-      <a:defRPr b="0" i="0" sz="1400" u="none" cap="none" strike="noStrike">
+      <a:defRPr sz="1400" b="0" i="0" u="none" strike="noStrike" cap="none">
         <a:solidFill>
           <a:srgbClr val="000000"/>
         </a:solidFill>
@@ -640,7 +655,7 @@
         <a:sym typeface="Arial"/>
       </a:defRPr>
     </a:lvl7pPr>
-    <a:lvl8pPr lvl="7" marR="0" rtl="0" algn="l">
+    <a:lvl8pPr marR="0" lvl="7" algn="l" rtl="0">
       <a:lnSpc>
         <a:spcPct val="100000"/>
       </a:lnSpc>
@@ -654,7 +669,7 @@
         <a:srgbClr val="000000"/>
       </a:buClr>
       <a:buFont typeface="Arial"/>
-      <a:defRPr b="0" i="0" sz="1400" u="none" cap="none" strike="noStrike">
+      <a:defRPr sz="1400" b="0" i="0" u="none" strike="noStrike" cap="none">
         <a:solidFill>
           <a:srgbClr val="000000"/>
         </a:solidFill>
@@ -664,7 +679,7 @@
         <a:sym typeface="Arial"/>
       </a:defRPr>
     </a:lvl8pPr>
-    <a:lvl9pPr lvl="8" marR="0" rtl="0" algn="l">
+    <a:lvl9pPr marR="0" lvl="8" algn="l" rtl="0">
       <a:lnSpc>
         <a:spcPct val="100000"/>
       </a:lnSpc>
@@ -678,7 +693,7 @@
         <a:srgbClr val="000000"/>
       </a:buClr>
       <a:buFont typeface="Arial"/>
-      <a:defRPr b="0" i="0" sz="1400" u="none" cap="none" strike="noStrike">
+      <a:defRPr sz="1400" b="0" i="0" u="none" strike="noStrike" cap="none">
         <a:solidFill>
           <a:srgbClr val="000000"/>
         </a:solidFill>
@@ -693,11 +708,11 @@
 </file>
 
 <file path=ppt/notesSlides/notesSlide1.xml><?xml version="1.0" encoding="utf-8"?>
-<p:notes xmlns:a="http://schemas.openxmlformats.org/drawingml/2006/main" xmlns:r="http://schemas.openxmlformats.org/officeDocument/2006/relationships" xmlns:mc="http://schemas.openxmlformats.org/markup-compatibility/2006" xmlns:mv="urn:schemas-microsoft-com:mac:vml" xmlns:p="http://schemas.openxmlformats.org/presentationml/2006/main" xmlns:c="http://schemas.openxmlformats.org/drawingml/2006/chart" xmlns:dgm="http://schemas.openxmlformats.org/drawingml/2006/diagram" xmlns:o="urn:schemas-microsoft-com:office:office" xmlns:v="urn:schemas-microsoft-com:vml" xmlns:pvml="urn:schemas-microsoft-com:office:powerpoint" xmlns:com="http://schemas.openxmlformats.org/drawingml/2006/compatibility" xmlns:p14="http://schemas.microsoft.com/office/powerpoint/2010/main" xmlns:p15="http://schemas.microsoft.com/office/powerpoint/2012/main" xmlns:ahyp="http://schemas.microsoft.com/office/drawing/2018/hyperlinkcolor" showMasterPhAnim="0" showMasterSp="0">
+<p:notes xmlns:a="http://schemas.openxmlformats.org/drawingml/2006/main" xmlns:r="http://schemas.openxmlformats.org/officeDocument/2006/relationships" xmlns:p="http://schemas.openxmlformats.org/presentationml/2006/main" showMasterSp="0" showMasterPhAnim="0">
   <p:cSld>
     <p:spTree>
       <p:nvGrpSpPr>
-        <p:cNvPr id="50" name="Shape 50"/>
+        <p:cNvPr id="1" name="Shape 50"/>
         <p:cNvGrpSpPr/>
         <p:nvPr/>
       </p:nvGrpSpPr>
@@ -712,20 +727,26 @@
       <p:sp>
         <p:nvSpPr>
           <p:cNvPr id="51" name="Google Shape;51;p:notes"/>
-          <p:cNvSpPr/>
+          <p:cNvSpPr>
+            <a:spLocks noGrp="1" noRot="1" noChangeAspect="1"/>
+          </p:cNvSpPr>
           <p:nvPr>
-            <p:ph idx="2" type="sldImg"/>
+            <p:ph type="sldImg" idx="2"/>
           </p:nvPr>
         </p:nvSpPr>
         <p:spPr>
           <a:xfrm>
-            <a:off x="381300" y="685800"/>
-            <a:ext cx="6096075" cy="3429000"/>
+            <a:off x="381000" y="685800"/>
+            <a:ext cx="6096000" cy="3429000"/>
           </a:xfrm>
           <a:custGeom>
-            <a:rect b="b" l="l" r="r" t="t"/>
+            <a:avLst/>
+            <a:gdLst/>
+            <a:ahLst/>
+            <a:cxnLst/>
+            <a:rect l="l" t="t" r="r" b="b"/>
             <a:pathLst>
-              <a:path extrusionOk="0" h="120000" w="120000">
+              <a:path w="120000" h="120000" extrusionOk="0">
                 <a:moveTo>
                   <a:pt x="0" y="0"/>
                 </a:moveTo>
@@ -747,9 +768,11 @@
       <p:sp>
         <p:nvSpPr>
           <p:cNvPr id="52" name="Google Shape;52;p:notes"/>
-          <p:cNvSpPr txBox="1"/>
+          <p:cNvSpPr txBox="1">
+            <a:spLocks noGrp="1"/>
+          </p:cNvSpPr>
           <p:nvPr>
-            <p:ph idx="1" type="body"/>
+            <p:ph type="body" idx="1"/>
           </p:nvPr>
         </p:nvSpPr>
         <p:spPr>
@@ -762,12 +785,12 @@
           </a:prstGeom>
         </p:spPr>
         <p:txBody>
-          <a:bodyPr anchorCtr="0" anchor="t" bIns="91425" lIns="91425" spcFirstLastPara="1" rIns="91425" wrap="square" tIns="91425">
+          <a:bodyPr spcFirstLastPara="1" wrap="square" lIns="91425" tIns="91425" rIns="91425" bIns="91425" anchor="t" anchorCtr="0">
             <a:noAutofit/>
           </a:bodyPr>
           <a:lstStyle/>
           <a:p>
-            <a:pPr indent="0" lvl="0" marL="0" rtl="0" algn="l">
+            <a:pPr marL="0" lvl="0" indent="0" algn="l" rtl="0">
               <a:spcBef>
                 <a:spcPts val="0"/>
               </a:spcBef>
@@ -776,9 +799,6 @@
               </a:spcAft>
               <a:buNone/>
             </a:pPr>
-            <a:r>
-              <a:t/>
-            </a:r>
             <a:endParaRPr/>
           </a:p>
         </p:txBody>
@@ -792,11 +812,11 @@
 </file>
 
 <file path=ppt/notesSlides/notesSlide2.xml><?xml version="1.0" encoding="utf-8"?>
-<p:notes xmlns:a="http://schemas.openxmlformats.org/drawingml/2006/main" xmlns:r="http://schemas.openxmlformats.org/officeDocument/2006/relationships" xmlns:mc="http://schemas.openxmlformats.org/markup-compatibility/2006" xmlns:mv="urn:schemas-microsoft-com:mac:vml" xmlns:p="http://schemas.openxmlformats.org/presentationml/2006/main" xmlns:c="http://schemas.openxmlformats.org/drawingml/2006/chart" xmlns:dgm="http://schemas.openxmlformats.org/drawingml/2006/diagram" xmlns:o="urn:schemas-microsoft-com:office:office" xmlns:v="urn:schemas-microsoft-com:vml" xmlns:pvml="urn:schemas-microsoft-com:office:powerpoint" xmlns:com="http://schemas.openxmlformats.org/drawingml/2006/compatibility" xmlns:p14="http://schemas.microsoft.com/office/powerpoint/2010/main" xmlns:p15="http://schemas.microsoft.com/office/powerpoint/2012/main" xmlns:ahyp="http://schemas.microsoft.com/office/drawing/2018/hyperlinkcolor" showMasterPhAnim="0" showMasterSp="0">
+<p:notes xmlns:a="http://schemas.openxmlformats.org/drawingml/2006/main" xmlns:r="http://schemas.openxmlformats.org/officeDocument/2006/relationships" xmlns:p="http://schemas.openxmlformats.org/presentationml/2006/main" showMasterSp="0" showMasterPhAnim="0">
   <p:cSld>
     <p:spTree>
       <p:nvGrpSpPr>
-        <p:cNvPr id="55" name="Shape 55"/>
+        <p:cNvPr id="1" name="Shape 55"/>
         <p:cNvGrpSpPr/>
         <p:nvPr/>
       </p:nvGrpSpPr>
@@ -811,20 +831,26 @@
       <p:sp>
         <p:nvSpPr>
           <p:cNvPr id="56" name="Google Shape;56;g1c1014ab4e7_0_50:notes"/>
-          <p:cNvSpPr/>
+          <p:cNvSpPr>
+            <a:spLocks noGrp="1" noRot="1" noChangeAspect="1"/>
+          </p:cNvSpPr>
           <p:nvPr>
-            <p:ph idx="2" type="sldImg"/>
+            <p:ph type="sldImg" idx="2"/>
           </p:nvPr>
         </p:nvSpPr>
         <p:spPr>
           <a:xfrm>
-            <a:off x="381300" y="685800"/>
+            <a:off x="381000" y="685800"/>
             <a:ext cx="6096000" cy="3429000"/>
           </a:xfrm>
           <a:custGeom>
-            <a:rect b="b" l="l" r="r" t="t"/>
+            <a:avLst/>
+            <a:gdLst/>
+            <a:ahLst/>
+            <a:cxnLst/>
+            <a:rect l="l" t="t" r="r" b="b"/>
             <a:pathLst>
-              <a:path extrusionOk="0" h="120000" w="120000">
+              <a:path w="120000" h="120000" extrusionOk="0">
                 <a:moveTo>
                   <a:pt x="0" y="0"/>
                 </a:moveTo>
@@ -846,9 +872,11 @@
       <p:sp>
         <p:nvSpPr>
           <p:cNvPr id="57" name="Google Shape;57;g1c1014ab4e7_0_50:notes"/>
-          <p:cNvSpPr txBox="1"/>
+          <p:cNvSpPr txBox="1">
+            <a:spLocks noGrp="1"/>
+          </p:cNvSpPr>
           <p:nvPr>
-            <p:ph idx="1" type="body"/>
+            <p:ph type="body" idx="1"/>
           </p:nvPr>
         </p:nvSpPr>
         <p:spPr>
@@ -861,12 +889,12 @@
           </a:prstGeom>
         </p:spPr>
         <p:txBody>
-          <a:bodyPr anchorCtr="0" anchor="t" bIns="91425" lIns="91425" spcFirstLastPara="1" rIns="91425" wrap="square" tIns="91425">
+          <a:bodyPr spcFirstLastPara="1" wrap="square" lIns="91425" tIns="91425" rIns="91425" bIns="91425" anchor="t" anchorCtr="0">
             <a:noAutofit/>
           </a:bodyPr>
           <a:lstStyle/>
           <a:p>
-            <a:pPr indent="0" lvl="0" marL="0" rtl="0" algn="l">
+            <a:pPr marL="0" lvl="0" indent="0" algn="l" rtl="0">
               <a:spcBef>
                 <a:spcPts val="0"/>
               </a:spcBef>
@@ -875,9 +903,6 @@
               </a:spcAft>
               <a:buNone/>
             </a:pPr>
-            <a:r>
-              <a:t/>
-            </a:r>
             <a:endParaRPr/>
           </a:p>
         </p:txBody>
@@ -891,11 +916,11 @@
 </file>
 
 <file path=ppt/notesSlides/notesSlide3.xml><?xml version="1.0" encoding="utf-8"?>
-<p:notes xmlns:a="http://schemas.openxmlformats.org/drawingml/2006/main" xmlns:r="http://schemas.openxmlformats.org/officeDocument/2006/relationships" xmlns:mc="http://schemas.openxmlformats.org/markup-compatibility/2006" xmlns:mv="urn:schemas-microsoft-com:mac:vml" xmlns:p="http://schemas.openxmlformats.org/presentationml/2006/main" xmlns:c="http://schemas.openxmlformats.org/drawingml/2006/chart" xmlns:dgm="http://schemas.openxmlformats.org/drawingml/2006/diagram" xmlns:o="urn:schemas-microsoft-com:office:office" xmlns:v="urn:schemas-microsoft-com:vml" xmlns:pvml="urn:schemas-microsoft-com:office:powerpoint" xmlns:com="http://schemas.openxmlformats.org/drawingml/2006/compatibility" xmlns:p14="http://schemas.microsoft.com/office/powerpoint/2010/main" xmlns:p15="http://schemas.microsoft.com/office/powerpoint/2012/main" xmlns:ahyp="http://schemas.microsoft.com/office/drawing/2018/hyperlinkcolor" showMasterPhAnim="0" showMasterSp="0">
+<p:notes xmlns:a="http://schemas.openxmlformats.org/drawingml/2006/main" xmlns:r="http://schemas.openxmlformats.org/officeDocument/2006/relationships" xmlns:p="http://schemas.openxmlformats.org/presentationml/2006/main" showMasterSp="0" showMasterPhAnim="0">
   <p:cSld>
     <p:spTree>
       <p:nvGrpSpPr>
-        <p:cNvPr id="61" name="Shape 61"/>
+        <p:cNvPr id="1" name="Shape 61"/>
         <p:cNvGrpSpPr/>
         <p:nvPr/>
       </p:nvGrpSpPr>
@@ -910,20 +935,26 @@
       <p:sp>
         <p:nvSpPr>
           <p:cNvPr id="62" name="Google Shape;62;g1c1014ab4e7_0_45:notes"/>
-          <p:cNvSpPr/>
+          <p:cNvSpPr>
+            <a:spLocks noGrp="1" noRot="1" noChangeAspect="1"/>
+          </p:cNvSpPr>
           <p:nvPr>
-            <p:ph idx="2" type="sldImg"/>
+            <p:ph type="sldImg" idx="2"/>
           </p:nvPr>
         </p:nvSpPr>
         <p:spPr>
           <a:xfrm>
-            <a:off x="381300" y="685800"/>
+            <a:off x="381000" y="685800"/>
             <a:ext cx="6096000" cy="3429000"/>
           </a:xfrm>
           <a:custGeom>
-            <a:rect b="b" l="l" r="r" t="t"/>
+            <a:avLst/>
+            <a:gdLst/>
+            <a:ahLst/>
+            <a:cxnLst/>
+            <a:rect l="l" t="t" r="r" b="b"/>
             <a:pathLst>
-              <a:path extrusionOk="0" h="120000" w="120000">
+              <a:path w="120000" h="120000" extrusionOk="0">
                 <a:moveTo>
                   <a:pt x="0" y="0"/>
                 </a:moveTo>
@@ -945,9 +976,11 @@
       <p:sp>
         <p:nvSpPr>
           <p:cNvPr id="63" name="Google Shape;63;g1c1014ab4e7_0_45:notes"/>
-          <p:cNvSpPr txBox="1"/>
+          <p:cNvSpPr txBox="1">
+            <a:spLocks noGrp="1"/>
+          </p:cNvSpPr>
           <p:nvPr>
-            <p:ph idx="1" type="body"/>
+            <p:ph type="body" idx="1"/>
           </p:nvPr>
         </p:nvSpPr>
         <p:spPr>
@@ -960,12 +993,12 @@
           </a:prstGeom>
         </p:spPr>
         <p:txBody>
-          <a:bodyPr anchorCtr="0" anchor="t" bIns="91425" lIns="91425" spcFirstLastPara="1" rIns="91425" wrap="square" tIns="91425">
+          <a:bodyPr spcFirstLastPara="1" wrap="square" lIns="91425" tIns="91425" rIns="91425" bIns="91425" anchor="t" anchorCtr="0">
             <a:noAutofit/>
           </a:bodyPr>
           <a:lstStyle/>
           <a:p>
-            <a:pPr indent="0" lvl="0" marL="0" rtl="0" algn="l">
+            <a:pPr marL="0" lvl="0" indent="0" algn="l" rtl="0">
               <a:spcBef>
                 <a:spcPts val="0"/>
               </a:spcBef>
@@ -974,9 +1007,6 @@
               </a:spcAft>
               <a:buNone/>
             </a:pPr>
-            <a:r>
-              <a:t/>
-            </a:r>
             <a:endParaRPr/>
           </a:p>
         </p:txBody>
@@ -990,11 +1020,11 @@
 </file>
 
 <file path=ppt/notesSlides/notesSlide4.xml><?xml version="1.0" encoding="utf-8"?>
-<p:notes xmlns:a="http://schemas.openxmlformats.org/drawingml/2006/main" xmlns:r="http://schemas.openxmlformats.org/officeDocument/2006/relationships" xmlns:mc="http://schemas.openxmlformats.org/markup-compatibility/2006" xmlns:mv="urn:schemas-microsoft-com:mac:vml" xmlns:p="http://schemas.openxmlformats.org/presentationml/2006/main" xmlns:c="http://schemas.openxmlformats.org/drawingml/2006/chart" xmlns:dgm="http://schemas.openxmlformats.org/drawingml/2006/diagram" xmlns:o="urn:schemas-microsoft-com:office:office" xmlns:v="urn:schemas-microsoft-com:vml" xmlns:pvml="urn:schemas-microsoft-com:office:powerpoint" xmlns:com="http://schemas.openxmlformats.org/drawingml/2006/compatibility" xmlns:p14="http://schemas.microsoft.com/office/powerpoint/2010/main" xmlns:p15="http://schemas.microsoft.com/office/powerpoint/2012/main" xmlns:ahyp="http://schemas.microsoft.com/office/drawing/2018/hyperlinkcolor" showMasterPhAnim="0" showMasterSp="0">
+<p:notes xmlns:a="http://schemas.openxmlformats.org/drawingml/2006/main" xmlns:r="http://schemas.openxmlformats.org/officeDocument/2006/relationships" xmlns:p="http://schemas.openxmlformats.org/presentationml/2006/main" showMasterSp="0" showMasterPhAnim="0">
   <p:cSld>
     <p:spTree>
       <p:nvGrpSpPr>
-        <p:cNvPr id="76" name="Shape 76"/>
+        <p:cNvPr id="1" name="Shape 76"/>
         <p:cNvGrpSpPr/>
         <p:nvPr/>
       </p:nvGrpSpPr>
@@ -1009,20 +1039,26 @@
       <p:sp>
         <p:nvSpPr>
           <p:cNvPr id="77" name="Google Shape;77;g1c1014ab4e7_0_75:notes"/>
-          <p:cNvSpPr/>
+          <p:cNvSpPr>
+            <a:spLocks noGrp="1" noRot="1" noChangeAspect="1"/>
+          </p:cNvSpPr>
           <p:nvPr>
-            <p:ph idx="2" type="sldImg"/>
+            <p:ph type="sldImg" idx="2"/>
           </p:nvPr>
         </p:nvSpPr>
         <p:spPr>
           <a:xfrm>
-            <a:off x="381300" y="685800"/>
+            <a:off x="381000" y="685800"/>
             <a:ext cx="6096000" cy="3429000"/>
           </a:xfrm>
           <a:custGeom>
-            <a:rect b="b" l="l" r="r" t="t"/>
+            <a:avLst/>
+            <a:gdLst/>
+            <a:ahLst/>
+            <a:cxnLst/>
+            <a:rect l="l" t="t" r="r" b="b"/>
             <a:pathLst>
-              <a:path extrusionOk="0" h="120000" w="120000">
+              <a:path w="120000" h="120000" extrusionOk="0">
                 <a:moveTo>
                   <a:pt x="0" y="0"/>
                 </a:moveTo>
@@ -1044,9 +1080,11 @@
       <p:sp>
         <p:nvSpPr>
           <p:cNvPr id="78" name="Google Shape;78;g1c1014ab4e7_0_75:notes"/>
-          <p:cNvSpPr txBox="1"/>
+          <p:cNvSpPr txBox="1">
+            <a:spLocks noGrp="1"/>
+          </p:cNvSpPr>
           <p:nvPr>
-            <p:ph idx="1" type="body"/>
+            <p:ph type="body" idx="1"/>
           </p:nvPr>
         </p:nvSpPr>
         <p:spPr>
@@ -1059,12 +1097,12 @@
           </a:prstGeom>
         </p:spPr>
         <p:txBody>
-          <a:bodyPr anchorCtr="0" anchor="t" bIns="91425" lIns="91425" spcFirstLastPara="1" rIns="91425" wrap="square" tIns="91425">
+          <a:bodyPr spcFirstLastPara="1" wrap="square" lIns="91425" tIns="91425" rIns="91425" bIns="91425" anchor="t" anchorCtr="0">
             <a:noAutofit/>
           </a:bodyPr>
           <a:lstStyle/>
           <a:p>
-            <a:pPr indent="0" lvl="0" marL="0" rtl="0" algn="l">
+            <a:pPr marL="0" lvl="0" indent="0" algn="l" rtl="0">
               <a:spcBef>
                 <a:spcPts val="0"/>
               </a:spcBef>
@@ -1073,9 +1111,6 @@
               </a:spcAft>
               <a:buNone/>
             </a:pPr>
-            <a:r>
-              <a:t/>
-            </a:r>
             <a:endParaRPr/>
           </a:p>
         </p:txBody>
@@ -1089,11 +1124,11 @@
 </file>
 
 <file path=ppt/notesSlides/notesSlide5.xml><?xml version="1.0" encoding="utf-8"?>
-<p:notes xmlns:a="http://schemas.openxmlformats.org/drawingml/2006/main" xmlns:r="http://schemas.openxmlformats.org/officeDocument/2006/relationships" xmlns:mc="http://schemas.openxmlformats.org/markup-compatibility/2006" xmlns:mv="urn:schemas-microsoft-com:mac:vml" xmlns:p="http://schemas.openxmlformats.org/presentationml/2006/main" xmlns:c="http://schemas.openxmlformats.org/drawingml/2006/chart" xmlns:dgm="http://schemas.openxmlformats.org/drawingml/2006/diagram" xmlns:o="urn:schemas-microsoft-com:office:office" xmlns:v="urn:schemas-microsoft-com:vml" xmlns:pvml="urn:schemas-microsoft-com:office:powerpoint" xmlns:com="http://schemas.openxmlformats.org/drawingml/2006/compatibility" xmlns:p14="http://schemas.microsoft.com/office/powerpoint/2010/main" xmlns:p15="http://schemas.microsoft.com/office/powerpoint/2012/main" xmlns:ahyp="http://schemas.microsoft.com/office/drawing/2018/hyperlinkcolor" showMasterPhAnim="0" showMasterSp="0">
+<p:notes xmlns:a="http://schemas.openxmlformats.org/drawingml/2006/main" xmlns:r="http://schemas.openxmlformats.org/officeDocument/2006/relationships" xmlns:p="http://schemas.openxmlformats.org/presentationml/2006/main" showMasterSp="0" showMasterPhAnim="0">
   <p:cSld>
     <p:spTree>
       <p:nvGrpSpPr>
-        <p:cNvPr id="83" name="Shape 83"/>
+        <p:cNvPr id="1" name="Shape 83"/>
         <p:cNvGrpSpPr/>
         <p:nvPr/>
       </p:nvGrpSpPr>
@@ -1108,20 +1143,26 @@
       <p:sp>
         <p:nvSpPr>
           <p:cNvPr id="84" name="Google Shape;84;g1c1014ab4e7_0_88:notes"/>
-          <p:cNvSpPr/>
+          <p:cNvSpPr>
+            <a:spLocks noGrp="1" noRot="1" noChangeAspect="1"/>
+          </p:cNvSpPr>
           <p:nvPr>
-            <p:ph idx="2" type="sldImg"/>
+            <p:ph type="sldImg" idx="2"/>
           </p:nvPr>
         </p:nvSpPr>
         <p:spPr>
           <a:xfrm>
-            <a:off x="381300" y="685800"/>
+            <a:off x="381000" y="685800"/>
             <a:ext cx="6096000" cy="3429000"/>
           </a:xfrm>
           <a:custGeom>
-            <a:rect b="b" l="l" r="r" t="t"/>
+            <a:avLst/>
+            <a:gdLst/>
+            <a:ahLst/>
+            <a:cxnLst/>
+            <a:rect l="l" t="t" r="r" b="b"/>
             <a:pathLst>
-              <a:path extrusionOk="0" h="120000" w="120000">
+              <a:path w="120000" h="120000" extrusionOk="0">
                 <a:moveTo>
                   <a:pt x="0" y="0"/>
                 </a:moveTo>
@@ -1143,9 +1184,11 @@
       <p:sp>
         <p:nvSpPr>
           <p:cNvPr id="85" name="Google Shape;85;g1c1014ab4e7_0_88:notes"/>
-          <p:cNvSpPr txBox="1"/>
+          <p:cNvSpPr txBox="1">
+            <a:spLocks noGrp="1"/>
+          </p:cNvSpPr>
           <p:nvPr>
-            <p:ph idx="1" type="body"/>
+            <p:ph type="body" idx="1"/>
           </p:nvPr>
         </p:nvSpPr>
         <p:spPr>
@@ -1158,12 +1201,12 @@
           </a:prstGeom>
         </p:spPr>
         <p:txBody>
-          <a:bodyPr anchorCtr="0" anchor="t" bIns="91425" lIns="91425" spcFirstLastPara="1" rIns="91425" wrap="square" tIns="91425">
+          <a:bodyPr spcFirstLastPara="1" wrap="square" lIns="91425" tIns="91425" rIns="91425" bIns="91425" anchor="t" anchorCtr="0">
             <a:noAutofit/>
           </a:bodyPr>
           <a:lstStyle/>
           <a:p>
-            <a:pPr indent="0" lvl="0" marL="0" rtl="0" algn="l">
+            <a:pPr marL="0" lvl="0" indent="0" algn="l" rtl="0">
               <a:spcBef>
                 <a:spcPts val="0"/>
               </a:spcBef>
@@ -1172,9 +1215,6 @@
               </a:spcAft>
               <a:buNone/>
             </a:pPr>
-            <a:r>
-              <a:t/>
-            </a:r>
             <a:endParaRPr/>
           </a:p>
         </p:txBody>
@@ -1188,11 +1228,11 @@
 </file>
 
 <file path=ppt/notesSlides/notesSlide6.xml><?xml version="1.0" encoding="utf-8"?>
-<p:notes xmlns:a="http://schemas.openxmlformats.org/drawingml/2006/main" xmlns:r="http://schemas.openxmlformats.org/officeDocument/2006/relationships" xmlns:mc="http://schemas.openxmlformats.org/markup-compatibility/2006" xmlns:mv="urn:schemas-microsoft-com:mac:vml" xmlns:p="http://schemas.openxmlformats.org/presentationml/2006/main" xmlns:c="http://schemas.openxmlformats.org/drawingml/2006/chart" xmlns:dgm="http://schemas.openxmlformats.org/drawingml/2006/diagram" xmlns:o="urn:schemas-microsoft-com:office:office" xmlns:v="urn:schemas-microsoft-com:vml" xmlns:pvml="urn:schemas-microsoft-com:office:powerpoint" xmlns:com="http://schemas.openxmlformats.org/drawingml/2006/compatibility" xmlns:p14="http://schemas.microsoft.com/office/powerpoint/2010/main" xmlns:p15="http://schemas.microsoft.com/office/powerpoint/2012/main" xmlns:ahyp="http://schemas.microsoft.com/office/drawing/2018/hyperlinkcolor" showMasterPhAnim="0" showMasterSp="0">
+<p:notes xmlns:a="http://schemas.openxmlformats.org/drawingml/2006/main" xmlns:r="http://schemas.openxmlformats.org/officeDocument/2006/relationships" xmlns:p="http://schemas.openxmlformats.org/presentationml/2006/main" showMasterSp="0" showMasterPhAnim="0">
   <p:cSld>
     <p:spTree>
       <p:nvGrpSpPr>
-        <p:cNvPr id="91" name="Shape 91"/>
+        <p:cNvPr id="1" name="Shape 91"/>
         <p:cNvGrpSpPr/>
         <p:nvPr/>
       </p:nvGrpSpPr>
@@ -1207,20 +1247,26 @@
       <p:sp>
         <p:nvSpPr>
           <p:cNvPr id="92" name="Google Shape;92;g1c1014ab4e7_0_105:notes"/>
-          <p:cNvSpPr/>
+          <p:cNvSpPr>
+            <a:spLocks noGrp="1" noRot="1" noChangeAspect="1"/>
+          </p:cNvSpPr>
           <p:nvPr>
-            <p:ph idx="2" type="sldImg"/>
+            <p:ph type="sldImg" idx="2"/>
           </p:nvPr>
         </p:nvSpPr>
         <p:spPr>
           <a:xfrm>
-            <a:off x="381300" y="685800"/>
+            <a:off x="381000" y="685800"/>
             <a:ext cx="6096000" cy="3429000"/>
           </a:xfrm>
           <a:custGeom>
-            <a:rect b="b" l="l" r="r" t="t"/>
+            <a:avLst/>
+            <a:gdLst/>
+            <a:ahLst/>
+            <a:cxnLst/>
+            <a:rect l="l" t="t" r="r" b="b"/>
             <a:pathLst>
-              <a:path extrusionOk="0" h="120000" w="120000">
+              <a:path w="120000" h="120000" extrusionOk="0">
                 <a:moveTo>
                   <a:pt x="0" y="0"/>
                 </a:moveTo>
@@ -1242,9 +1288,11 @@
       <p:sp>
         <p:nvSpPr>
           <p:cNvPr id="93" name="Google Shape;93;g1c1014ab4e7_0_105:notes"/>
-          <p:cNvSpPr txBox="1"/>
+          <p:cNvSpPr txBox="1">
+            <a:spLocks noGrp="1"/>
+          </p:cNvSpPr>
           <p:nvPr>
-            <p:ph idx="1" type="body"/>
+            <p:ph type="body" idx="1"/>
           </p:nvPr>
         </p:nvSpPr>
         <p:spPr>
@@ -1257,12 +1305,12 @@
           </a:prstGeom>
         </p:spPr>
         <p:txBody>
-          <a:bodyPr anchorCtr="0" anchor="t" bIns="91425" lIns="91425" spcFirstLastPara="1" rIns="91425" wrap="square" tIns="91425">
+          <a:bodyPr spcFirstLastPara="1" wrap="square" lIns="91425" tIns="91425" rIns="91425" bIns="91425" anchor="t" anchorCtr="0">
             <a:noAutofit/>
           </a:bodyPr>
           <a:lstStyle/>
           <a:p>
-            <a:pPr indent="0" lvl="0" marL="0" rtl="0" algn="l">
+            <a:pPr marL="0" lvl="0" indent="0" algn="l" rtl="0">
               <a:spcBef>
                 <a:spcPts val="0"/>
               </a:spcBef>
@@ -1271,9 +1319,6 @@
               </a:spcAft>
               <a:buNone/>
             </a:pPr>
-            <a:r>
-              <a:t/>
-            </a:r>
             <a:endParaRPr/>
           </a:p>
         </p:txBody>
@@ -1287,11 +1332,11 @@
 </file>
 
 <file path=ppt/notesSlides/notesSlide7.xml><?xml version="1.0" encoding="utf-8"?>
-<p:notes xmlns:a="http://schemas.openxmlformats.org/drawingml/2006/main" xmlns:r="http://schemas.openxmlformats.org/officeDocument/2006/relationships" xmlns:mc="http://schemas.openxmlformats.org/markup-compatibility/2006" xmlns:mv="urn:schemas-microsoft-com:mac:vml" xmlns:p="http://schemas.openxmlformats.org/presentationml/2006/main" xmlns:c="http://schemas.openxmlformats.org/drawingml/2006/chart" xmlns:dgm="http://schemas.openxmlformats.org/drawingml/2006/diagram" xmlns:o="urn:schemas-microsoft-com:office:office" xmlns:v="urn:schemas-microsoft-com:vml" xmlns:pvml="urn:schemas-microsoft-com:office:powerpoint" xmlns:com="http://schemas.openxmlformats.org/drawingml/2006/compatibility" xmlns:p14="http://schemas.microsoft.com/office/powerpoint/2010/main" xmlns:p15="http://schemas.microsoft.com/office/powerpoint/2012/main" xmlns:ahyp="http://schemas.microsoft.com/office/drawing/2018/hyperlinkcolor" showMasterPhAnim="0" showMasterSp="0">
+<p:notes xmlns:a="http://schemas.openxmlformats.org/drawingml/2006/main" xmlns:r="http://schemas.openxmlformats.org/officeDocument/2006/relationships" xmlns:p="http://schemas.openxmlformats.org/presentationml/2006/main" showMasterSp="0" showMasterPhAnim="0">
   <p:cSld>
     <p:spTree>
       <p:nvGrpSpPr>
-        <p:cNvPr id="106" name="Shape 106"/>
+        <p:cNvPr id="1" name="Shape 106"/>
         <p:cNvGrpSpPr/>
         <p:nvPr/>
       </p:nvGrpSpPr>
@@ -1306,20 +1351,26 @@
       <p:sp>
         <p:nvSpPr>
           <p:cNvPr id="107" name="Google Shape;107;g1c1014ab4e7_0_80:notes"/>
-          <p:cNvSpPr/>
+          <p:cNvSpPr>
+            <a:spLocks noGrp="1" noRot="1" noChangeAspect="1"/>
+          </p:cNvSpPr>
           <p:nvPr>
-            <p:ph idx="2" type="sldImg"/>
+            <p:ph type="sldImg" idx="2"/>
           </p:nvPr>
         </p:nvSpPr>
         <p:spPr>
           <a:xfrm>
-            <a:off x="381300" y="685800"/>
+            <a:off x="381000" y="685800"/>
             <a:ext cx="6096000" cy="3429000"/>
           </a:xfrm>
           <a:custGeom>
-            <a:rect b="b" l="l" r="r" t="t"/>
+            <a:avLst/>
+            <a:gdLst/>
+            <a:ahLst/>
+            <a:cxnLst/>
+            <a:rect l="l" t="t" r="r" b="b"/>
             <a:pathLst>
-              <a:path extrusionOk="0" h="120000" w="120000">
+              <a:path w="120000" h="120000" extrusionOk="0">
                 <a:moveTo>
                   <a:pt x="0" y="0"/>
                 </a:moveTo>
@@ -1341,9 +1392,11 @@
       <p:sp>
         <p:nvSpPr>
           <p:cNvPr id="108" name="Google Shape;108;g1c1014ab4e7_0_80:notes"/>
-          <p:cNvSpPr txBox="1"/>
+          <p:cNvSpPr txBox="1">
+            <a:spLocks noGrp="1"/>
+          </p:cNvSpPr>
           <p:nvPr>
-            <p:ph idx="1" type="body"/>
+            <p:ph type="body" idx="1"/>
           </p:nvPr>
         </p:nvSpPr>
         <p:spPr>
@@ -1356,12 +1409,12 @@
           </a:prstGeom>
         </p:spPr>
         <p:txBody>
-          <a:bodyPr anchorCtr="0" anchor="t" bIns="91425" lIns="91425" spcFirstLastPara="1" rIns="91425" wrap="square" tIns="91425">
+          <a:bodyPr spcFirstLastPara="1" wrap="square" lIns="91425" tIns="91425" rIns="91425" bIns="91425" anchor="t" anchorCtr="0">
             <a:noAutofit/>
           </a:bodyPr>
           <a:lstStyle/>
           <a:p>
-            <a:pPr indent="0" lvl="0" marL="0" rtl="0" algn="l">
+            <a:pPr marL="0" lvl="0" indent="0" algn="l" rtl="0">
               <a:spcBef>
                 <a:spcPts val="0"/>
               </a:spcBef>
@@ -1370,9 +1423,6 @@
               </a:spcAft>
               <a:buNone/>
             </a:pPr>
-            <a:r>
-              <a:t/>
-            </a:r>
             <a:endParaRPr/>
           </a:p>
         </p:txBody>
@@ -1386,11 +1436,11 @@
 </file>
 
 <file path=ppt/slideLayouts/slideLayout1.xml><?xml version="1.0" encoding="utf-8"?>
-<p:sldLayout xmlns:a="http://schemas.openxmlformats.org/drawingml/2006/main" xmlns:r="http://schemas.openxmlformats.org/officeDocument/2006/relationships" xmlns:mc="http://schemas.openxmlformats.org/markup-compatibility/2006" xmlns:mv="urn:schemas-microsoft-com:mac:vml" xmlns:p="http://schemas.openxmlformats.org/presentationml/2006/main" xmlns:c="http://schemas.openxmlformats.org/drawingml/2006/chart" xmlns:dgm="http://schemas.openxmlformats.org/drawingml/2006/diagram" xmlns:o="urn:schemas-microsoft-com:office:office" xmlns:v="urn:schemas-microsoft-com:vml" xmlns:pvml="urn:schemas-microsoft-com:office:powerpoint" xmlns:com="http://schemas.openxmlformats.org/drawingml/2006/compatibility" xmlns:p14="http://schemas.microsoft.com/office/powerpoint/2010/main" xmlns:p15="http://schemas.microsoft.com/office/powerpoint/2012/main" xmlns:ahyp="http://schemas.microsoft.com/office/drawing/2018/hyperlinkcolor" matchingName="Title slide" type="title">
+<p:sldLayout xmlns:a="http://schemas.openxmlformats.org/drawingml/2006/main" xmlns:r="http://schemas.openxmlformats.org/officeDocument/2006/relationships" xmlns:p="http://schemas.openxmlformats.org/presentationml/2006/main" matchingName="Title slide" type="title">
   <p:cSld name="TITLE">
     <p:spTree>
       <p:nvGrpSpPr>
-        <p:cNvPr id="9" name="Shape 9"/>
+        <p:cNvPr id="1" name="Shape 9"/>
         <p:cNvGrpSpPr/>
         <p:nvPr/>
       </p:nvGrpSpPr>
@@ -1405,7 +1455,9 @@
       <p:sp>
         <p:nvSpPr>
           <p:cNvPr id="10" name="Google Shape;10;p2"/>
-          <p:cNvSpPr txBox="1"/>
+          <p:cNvSpPr txBox="1">
+            <a:spLocks noGrp="1"/>
+          </p:cNvSpPr>
           <p:nvPr>
             <p:ph type="ctrTitle"/>
           </p:nvPr>
@@ -1420,7 +1472,7 @@
           </a:prstGeom>
         </p:spPr>
         <p:txBody>
-          <a:bodyPr anchorCtr="0" anchor="b" bIns="91425" lIns="91425" spcFirstLastPara="1" rIns="91425" wrap="square" tIns="91425">
+          <a:bodyPr spcFirstLastPara="1" wrap="square" lIns="91425" tIns="91425" rIns="91425" bIns="91425" anchor="b" anchorCtr="0">
             <a:normAutofit/>
           </a:bodyPr>
           <a:lstStyle>
@@ -1524,15 +1576,19 @@
               <a:defRPr sz="5200"/>
             </a:lvl9pPr>
           </a:lstStyle>
-          <a:p/>
+          <a:p>
+            <a:endParaRPr/>
+          </a:p>
         </p:txBody>
       </p:sp>
       <p:sp>
         <p:nvSpPr>
           <p:cNvPr id="11" name="Google Shape;11;p2"/>
-          <p:cNvSpPr txBox="1"/>
+          <p:cNvSpPr txBox="1">
+            <a:spLocks noGrp="1"/>
+          </p:cNvSpPr>
           <p:nvPr>
-            <p:ph idx="1" type="subTitle"/>
+            <p:ph type="subTitle" idx="1"/>
           </p:nvPr>
         </p:nvSpPr>
         <p:spPr>
@@ -1545,7 +1601,7 @@
           </a:prstGeom>
         </p:spPr>
         <p:txBody>
-          <a:bodyPr anchorCtr="0" anchor="t" bIns="91425" lIns="91425" spcFirstLastPara="1" rIns="91425" wrap="square" tIns="91425">
+          <a:bodyPr spcFirstLastPara="1" wrap="square" lIns="91425" tIns="91425" rIns="91425" bIns="91425" anchor="t" anchorCtr="0">
             <a:normAutofit/>
           </a:bodyPr>
           <a:lstStyle>
@@ -1676,15 +1732,19 @@
               <a:defRPr sz="2800"/>
             </a:lvl9pPr>
           </a:lstStyle>
-          <a:p/>
+          <a:p>
+            <a:endParaRPr/>
+          </a:p>
         </p:txBody>
       </p:sp>
       <p:sp>
         <p:nvSpPr>
           <p:cNvPr id="12" name="Google Shape;12;p2"/>
-          <p:cNvSpPr txBox="1"/>
+          <p:cNvSpPr txBox="1">
+            <a:spLocks noGrp="1"/>
+          </p:cNvSpPr>
           <p:nvPr>
-            <p:ph idx="12" type="sldNum"/>
+            <p:ph type="sldNum" idx="12"/>
           </p:nvPr>
         </p:nvSpPr>
         <p:spPr>
@@ -1697,7 +1757,7 @@
           </a:prstGeom>
         </p:spPr>
         <p:txBody>
-          <a:bodyPr anchorCtr="0" anchor="ctr" bIns="91425" lIns="91425" spcFirstLastPara="1" rIns="91425" wrap="square" tIns="91425">
+          <a:bodyPr spcFirstLastPara="1" wrap="square" lIns="91425" tIns="91425" rIns="91425" bIns="91425" anchor="ctr" anchorCtr="0">
             <a:normAutofit/>
           </a:bodyPr>
           <a:lstStyle>
@@ -1739,7 +1799,7 @@
             </a:lvl9pPr>
           </a:lstStyle>
           <a:p>
-            <a:pPr indent="0" lvl="0" marL="0" rtl="0" algn="r">
+            <a:pPr marL="0" lvl="0" indent="0" algn="r" rtl="0">
               <a:spcBef>
                 <a:spcPts val="0"/>
               </a:spcBef>
@@ -1765,11 +1825,11 @@
 </file>
 
 <file path=ppt/slideLayouts/slideLayout10.xml><?xml version="1.0" encoding="utf-8"?>
-<p:sldLayout xmlns:a="http://schemas.openxmlformats.org/drawingml/2006/main" xmlns:r="http://schemas.openxmlformats.org/officeDocument/2006/relationships" xmlns:mc="http://schemas.openxmlformats.org/markup-compatibility/2006" xmlns:mv="urn:schemas-microsoft-com:mac:vml" xmlns:p="http://schemas.openxmlformats.org/presentationml/2006/main" xmlns:c="http://schemas.openxmlformats.org/drawingml/2006/chart" xmlns:dgm="http://schemas.openxmlformats.org/drawingml/2006/diagram" xmlns:o="urn:schemas-microsoft-com:office:office" xmlns:v="urn:schemas-microsoft-com:vml" xmlns:pvml="urn:schemas-microsoft-com:office:powerpoint" xmlns:com="http://schemas.openxmlformats.org/drawingml/2006/compatibility" xmlns:p14="http://schemas.microsoft.com/office/powerpoint/2010/main" xmlns:p15="http://schemas.microsoft.com/office/powerpoint/2012/main" xmlns:ahyp="http://schemas.microsoft.com/office/drawing/2018/hyperlinkcolor" matchingName="Big number">
+<p:sldLayout xmlns:a="http://schemas.openxmlformats.org/drawingml/2006/main" xmlns:r="http://schemas.openxmlformats.org/officeDocument/2006/relationships" xmlns:p="http://schemas.openxmlformats.org/presentationml/2006/main" matchingName="Big number">
   <p:cSld name="BIG_NUMBER">
     <p:spTree>
       <p:nvGrpSpPr>
-        <p:cNvPr id="44" name="Shape 44"/>
+        <p:cNvPr id="1" name="Shape 44"/>
         <p:cNvGrpSpPr/>
         <p:nvPr/>
       </p:nvGrpSpPr>
@@ -1784,9 +1844,11 @@
       <p:sp>
         <p:nvSpPr>
           <p:cNvPr id="45" name="Google Shape;45;p11"/>
-          <p:cNvSpPr txBox="1"/>
+          <p:cNvSpPr txBox="1">
+            <a:spLocks noGrp="1"/>
+          </p:cNvSpPr>
           <p:nvPr>
-            <p:ph hasCustomPrompt="1" type="title"/>
+            <p:ph type="title" hasCustomPrompt="1"/>
           </p:nvPr>
         </p:nvSpPr>
         <p:spPr>
@@ -1799,7 +1861,7 @@
           </a:prstGeom>
         </p:spPr>
         <p:txBody>
-          <a:bodyPr anchorCtr="0" anchor="b" bIns="91425" lIns="91425" spcFirstLastPara="1" rIns="91425" wrap="square" tIns="91425">
+          <a:bodyPr spcFirstLastPara="1" wrap="square" lIns="91425" tIns="91425" rIns="91425" bIns="91425" anchor="b" anchorCtr="0">
             <a:normAutofit/>
           </a:bodyPr>
           <a:lstStyle>
@@ -1913,9 +1975,11 @@
       <p:sp>
         <p:nvSpPr>
           <p:cNvPr id="46" name="Google Shape;46;p11"/>
-          <p:cNvSpPr txBox="1"/>
+          <p:cNvSpPr txBox="1">
+            <a:spLocks noGrp="1"/>
+          </p:cNvSpPr>
           <p:nvPr>
-            <p:ph idx="1" type="body"/>
+            <p:ph type="body" idx="1"/>
           </p:nvPr>
         </p:nvSpPr>
         <p:spPr>
@@ -1928,11 +1992,11 @@
           </a:prstGeom>
         </p:spPr>
         <p:txBody>
-          <a:bodyPr anchorCtr="0" anchor="t" bIns="91425" lIns="91425" spcFirstLastPara="1" rIns="91425" wrap="square" tIns="91425">
+          <a:bodyPr spcFirstLastPara="1" wrap="square" lIns="91425" tIns="91425" rIns="91425" bIns="91425" anchor="t" anchorCtr="0">
             <a:normAutofit/>
           </a:bodyPr>
           <a:lstStyle>
-            <a:lvl1pPr indent="-342900" lvl="0" marL="457200" algn="ctr">
+            <a:lvl1pPr marL="457200" lvl="0" indent="-342900" algn="ctr">
               <a:spcBef>
                 <a:spcPts val="0"/>
               </a:spcBef>
@@ -1943,7 +2007,7 @@
               <a:buChar char="●"/>
               <a:defRPr/>
             </a:lvl1pPr>
-            <a:lvl2pPr indent="-317500" lvl="1" marL="914400" algn="ctr">
+            <a:lvl2pPr marL="914400" lvl="1" indent="-317500" algn="ctr">
               <a:spcBef>
                 <a:spcPts val="0"/>
               </a:spcBef>
@@ -1954,7 +2018,7 @@
               <a:buChar char="○"/>
               <a:defRPr/>
             </a:lvl2pPr>
-            <a:lvl3pPr indent="-317500" lvl="2" marL="1371600" algn="ctr">
+            <a:lvl3pPr marL="1371600" lvl="2" indent="-317500" algn="ctr">
               <a:spcBef>
                 <a:spcPts val="0"/>
               </a:spcBef>
@@ -1965,7 +2029,7 @@
               <a:buChar char="■"/>
               <a:defRPr/>
             </a:lvl3pPr>
-            <a:lvl4pPr indent="-317500" lvl="3" marL="1828800" algn="ctr">
+            <a:lvl4pPr marL="1828800" lvl="3" indent="-317500" algn="ctr">
               <a:spcBef>
                 <a:spcPts val="0"/>
               </a:spcBef>
@@ -1976,7 +2040,7 @@
               <a:buChar char="●"/>
               <a:defRPr/>
             </a:lvl4pPr>
-            <a:lvl5pPr indent="-317500" lvl="4" marL="2286000" algn="ctr">
+            <a:lvl5pPr marL="2286000" lvl="4" indent="-317500" algn="ctr">
               <a:spcBef>
                 <a:spcPts val="0"/>
               </a:spcBef>
@@ -1987,7 +2051,7 @@
               <a:buChar char="○"/>
               <a:defRPr/>
             </a:lvl5pPr>
-            <a:lvl6pPr indent="-317500" lvl="5" marL="2743200" algn="ctr">
+            <a:lvl6pPr marL="2743200" lvl="5" indent="-317500" algn="ctr">
               <a:spcBef>
                 <a:spcPts val="0"/>
               </a:spcBef>
@@ -1998,7 +2062,7 @@
               <a:buChar char="■"/>
               <a:defRPr/>
             </a:lvl6pPr>
-            <a:lvl7pPr indent="-317500" lvl="6" marL="3200400" algn="ctr">
+            <a:lvl7pPr marL="3200400" lvl="6" indent="-317500" algn="ctr">
               <a:spcBef>
                 <a:spcPts val="0"/>
               </a:spcBef>
@@ -2009,7 +2073,7 @@
               <a:buChar char="●"/>
               <a:defRPr/>
             </a:lvl7pPr>
-            <a:lvl8pPr indent="-317500" lvl="7" marL="3657600" algn="ctr">
+            <a:lvl8pPr marL="3657600" lvl="7" indent="-317500" algn="ctr">
               <a:spcBef>
                 <a:spcPts val="0"/>
               </a:spcBef>
@@ -2020,7 +2084,7 @@
               <a:buChar char="○"/>
               <a:defRPr/>
             </a:lvl8pPr>
-            <a:lvl9pPr indent="-317500" lvl="8" marL="4114800" algn="ctr">
+            <a:lvl9pPr marL="4114800" lvl="8" indent="-317500" algn="ctr">
               <a:spcBef>
                 <a:spcPts val="0"/>
               </a:spcBef>
@@ -2032,15 +2096,19 @@
               <a:defRPr/>
             </a:lvl9pPr>
           </a:lstStyle>
-          <a:p/>
+          <a:p>
+            <a:endParaRPr/>
+          </a:p>
         </p:txBody>
       </p:sp>
       <p:sp>
         <p:nvSpPr>
           <p:cNvPr id="47" name="Google Shape;47;p11"/>
-          <p:cNvSpPr txBox="1"/>
+          <p:cNvSpPr txBox="1">
+            <a:spLocks noGrp="1"/>
+          </p:cNvSpPr>
           <p:nvPr>
-            <p:ph idx="12" type="sldNum"/>
+            <p:ph type="sldNum" idx="12"/>
           </p:nvPr>
         </p:nvSpPr>
         <p:spPr>
@@ -2053,7 +2121,7 @@
           </a:prstGeom>
         </p:spPr>
         <p:txBody>
-          <a:bodyPr anchorCtr="0" anchor="ctr" bIns="91425" lIns="91425" spcFirstLastPara="1" rIns="91425" wrap="square" tIns="91425">
+          <a:bodyPr spcFirstLastPara="1" wrap="square" lIns="91425" tIns="91425" rIns="91425" bIns="91425" anchor="ctr" anchorCtr="0">
             <a:normAutofit/>
           </a:bodyPr>
           <a:lstStyle>
@@ -2095,7 +2163,7 @@
             </a:lvl9pPr>
           </a:lstStyle>
           <a:p>
-            <a:pPr indent="0" lvl="0" marL="0" rtl="0" algn="r">
+            <a:pPr marL="0" lvl="0" indent="0" algn="r" rtl="0">
               <a:spcBef>
                 <a:spcPts val="0"/>
               </a:spcBef>
@@ -2121,11 +2189,11 @@
 </file>
 
 <file path=ppt/slideLayouts/slideLayout11.xml><?xml version="1.0" encoding="utf-8"?>
-<p:sldLayout xmlns:a="http://schemas.openxmlformats.org/drawingml/2006/main" xmlns:r="http://schemas.openxmlformats.org/officeDocument/2006/relationships" xmlns:mc="http://schemas.openxmlformats.org/markup-compatibility/2006" xmlns:mv="urn:schemas-microsoft-com:mac:vml" xmlns:p="http://schemas.openxmlformats.org/presentationml/2006/main" xmlns:c="http://schemas.openxmlformats.org/drawingml/2006/chart" xmlns:dgm="http://schemas.openxmlformats.org/drawingml/2006/diagram" xmlns:o="urn:schemas-microsoft-com:office:office" xmlns:v="urn:schemas-microsoft-com:vml" xmlns:pvml="urn:schemas-microsoft-com:office:powerpoint" xmlns:com="http://schemas.openxmlformats.org/drawingml/2006/compatibility" xmlns:p14="http://schemas.microsoft.com/office/powerpoint/2010/main" xmlns:p15="http://schemas.microsoft.com/office/powerpoint/2012/main" xmlns:ahyp="http://schemas.microsoft.com/office/drawing/2018/hyperlinkcolor" matchingName="Blank" type="blank">
+<p:sldLayout xmlns:a="http://schemas.openxmlformats.org/drawingml/2006/main" xmlns:r="http://schemas.openxmlformats.org/officeDocument/2006/relationships" xmlns:p="http://schemas.openxmlformats.org/presentationml/2006/main" matchingName="Blank" type="blank">
   <p:cSld name="BLANK">
     <p:spTree>
       <p:nvGrpSpPr>
-        <p:cNvPr id="48" name="Shape 48"/>
+        <p:cNvPr id="1" name="Shape 48"/>
         <p:cNvGrpSpPr/>
         <p:nvPr/>
       </p:nvGrpSpPr>
@@ -2140,9 +2208,11 @@
       <p:sp>
         <p:nvSpPr>
           <p:cNvPr id="49" name="Google Shape;49;p12"/>
-          <p:cNvSpPr txBox="1"/>
+          <p:cNvSpPr txBox="1">
+            <a:spLocks noGrp="1"/>
+          </p:cNvSpPr>
           <p:nvPr>
-            <p:ph idx="12" type="sldNum"/>
+            <p:ph type="sldNum" idx="12"/>
           </p:nvPr>
         </p:nvSpPr>
         <p:spPr>
@@ -2155,7 +2225,7 @@
           </a:prstGeom>
         </p:spPr>
         <p:txBody>
-          <a:bodyPr anchorCtr="0" anchor="ctr" bIns="91425" lIns="91425" spcFirstLastPara="1" rIns="91425" wrap="square" tIns="91425">
+          <a:bodyPr spcFirstLastPara="1" wrap="square" lIns="91425" tIns="91425" rIns="91425" bIns="91425" anchor="ctr" anchorCtr="0">
             <a:normAutofit/>
           </a:bodyPr>
           <a:lstStyle>
@@ -2197,7 +2267,7 @@
             </a:lvl9pPr>
           </a:lstStyle>
           <a:p>
-            <a:pPr indent="0" lvl="0" marL="0" rtl="0" algn="r">
+            <a:pPr marL="0" lvl="0" indent="0" algn="r" rtl="0">
               <a:spcBef>
                 <a:spcPts val="0"/>
               </a:spcBef>
@@ -2223,11 +2293,11 @@
 </file>
 
 <file path=ppt/slideLayouts/slideLayout2.xml><?xml version="1.0" encoding="utf-8"?>
-<p:sldLayout xmlns:a="http://schemas.openxmlformats.org/drawingml/2006/main" xmlns:r="http://schemas.openxmlformats.org/officeDocument/2006/relationships" xmlns:mc="http://schemas.openxmlformats.org/markup-compatibility/2006" xmlns:mv="urn:schemas-microsoft-com:mac:vml" xmlns:p="http://schemas.openxmlformats.org/presentationml/2006/main" xmlns:c="http://schemas.openxmlformats.org/drawingml/2006/chart" xmlns:dgm="http://schemas.openxmlformats.org/drawingml/2006/diagram" xmlns:o="urn:schemas-microsoft-com:office:office" xmlns:v="urn:schemas-microsoft-com:vml" xmlns:pvml="urn:schemas-microsoft-com:office:powerpoint" xmlns:com="http://schemas.openxmlformats.org/drawingml/2006/compatibility" xmlns:p14="http://schemas.microsoft.com/office/powerpoint/2010/main" xmlns:p15="http://schemas.microsoft.com/office/powerpoint/2012/main" xmlns:ahyp="http://schemas.microsoft.com/office/drawing/2018/hyperlinkcolor" matchingName="Section header" type="secHead">
+<p:sldLayout xmlns:a="http://schemas.openxmlformats.org/drawingml/2006/main" xmlns:r="http://schemas.openxmlformats.org/officeDocument/2006/relationships" xmlns:p="http://schemas.openxmlformats.org/presentationml/2006/main" matchingName="Section header" type="secHead">
   <p:cSld name="SECTION_HEADER">
     <p:spTree>
       <p:nvGrpSpPr>
-        <p:cNvPr id="13" name="Shape 13"/>
+        <p:cNvPr id="1" name="Shape 13"/>
         <p:cNvGrpSpPr/>
         <p:nvPr/>
       </p:nvGrpSpPr>
@@ -2242,7 +2312,9 @@
       <p:sp>
         <p:nvSpPr>
           <p:cNvPr id="14" name="Google Shape;14;p3"/>
-          <p:cNvSpPr txBox="1"/>
+          <p:cNvSpPr txBox="1">
+            <a:spLocks noGrp="1"/>
+          </p:cNvSpPr>
           <p:nvPr>
             <p:ph type="title"/>
           </p:nvPr>
@@ -2257,7 +2329,7 @@
           </a:prstGeom>
         </p:spPr>
         <p:txBody>
-          <a:bodyPr anchorCtr="0" anchor="ctr" bIns="91425" lIns="91425" spcFirstLastPara="1" rIns="91425" wrap="square" tIns="91425">
+          <a:bodyPr spcFirstLastPara="1" wrap="square" lIns="91425" tIns="91425" rIns="91425" bIns="91425" anchor="ctr" anchorCtr="0">
             <a:normAutofit/>
           </a:bodyPr>
           <a:lstStyle>
@@ -2361,15 +2433,19 @@
               <a:defRPr sz="3600"/>
             </a:lvl9pPr>
           </a:lstStyle>
-          <a:p/>
+          <a:p>
+            <a:endParaRPr/>
+          </a:p>
         </p:txBody>
       </p:sp>
       <p:sp>
         <p:nvSpPr>
           <p:cNvPr id="15" name="Google Shape;15;p3"/>
-          <p:cNvSpPr txBox="1"/>
+          <p:cNvSpPr txBox="1">
+            <a:spLocks noGrp="1"/>
+          </p:cNvSpPr>
           <p:nvPr>
-            <p:ph idx="12" type="sldNum"/>
+            <p:ph type="sldNum" idx="12"/>
           </p:nvPr>
         </p:nvSpPr>
         <p:spPr>
@@ -2382,7 +2458,7 @@
           </a:prstGeom>
         </p:spPr>
         <p:txBody>
-          <a:bodyPr anchorCtr="0" anchor="ctr" bIns="91425" lIns="91425" spcFirstLastPara="1" rIns="91425" wrap="square" tIns="91425">
+          <a:bodyPr spcFirstLastPara="1" wrap="square" lIns="91425" tIns="91425" rIns="91425" bIns="91425" anchor="ctr" anchorCtr="0">
             <a:normAutofit/>
           </a:bodyPr>
           <a:lstStyle>
@@ -2424,7 +2500,7 @@
             </a:lvl9pPr>
           </a:lstStyle>
           <a:p>
-            <a:pPr indent="0" lvl="0" marL="0" rtl="0" algn="r">
+            <a:pPr marL="0" lvl="0" indent="0" algn="r" rtl="0">
               <a:spcBef>
                 <a:spcPts val="0"/>
               </a:spcBef>
@@ -2450,11 +2526,11 @@
 </file>
 
 <file path=ppt/slideLayouts/slideLayout3.xml><?xml version="1.0" encoding="utf-8"?>
-<p:sldLayout xmlns:a="http://schemas.openxmlformats.org/drawingml/2006/main" xmlns:r="http://schemas.openxmlformats.org/officeDocument/2006/relationships" xmlns:mc="http://schemas.openxmlformats.org/markup-compatibility/2006" xmlns:mv="urn:schemas-microsoft-com:mac:vml" xmlns:p="http://schemas.openxmlformats.org/presentationml/2006/main" xmlns:c="http://schemas.openxmlformats.org/drawingml/2006/chart" xmlns:dgm="http://schemas.openxmlformats.org/drawingml/2006/diagram" xmlns:o="urn:schemas-microsoft-com:office:office" xmlns:v="urn:schemas-microsoft-com:vml" xmlns:pvml="urn:schemas-microsoft-com:office:powerpoint" xmlns:com="http://schemas.openxmlformats.org/drawingml/2006/compatibility" xmlns:p14="http://schemas.microsoft.com/office/powerpoint/2010/main" xmlns:p15="http://schemas.microsoft.com/office/powerpoint/2012/main" xmlns:ahyp="http://schemas.microsoft.com/office/drawing/2018/hyperlinkcolor" matchingName="Title and body" type="tx">
+<p:sldLayout xmlns:a="http://schemas.openxmlformats.org/drawingml/2006/main" xmlns:r="http://schemas.openxmlformats.org/officeDocument/2006/relationships" xmlns:p="http://schemas.openxmlformats.org/presentationml/2006/main" matchingName="Title and body" type="tx">
   <p:cSld name="TITLE_AND_BODY">
     <p:spTree>
       <p:nvGrpSpPr>
-        <p:cNvPr id="16" name="Shape 16"/>
+        <p:cNvPr id="1" name="Shape 16"/>
         <p:cNvGrpSpPr/>
         <p:nvPr/>
       </p:nvGrpSpPr>
@@ -2469,7 +2545,9 @@
       <p:sp>
         <p:nvSpPr>
           <p:cNvPr id="17" name="Google Shape;17;p4"/>
-          <p:cNvSpPr txBox="1"/>
+          <p:cNvSpPr txBox="1">
+            <a:spLocks noGrp="1"/>
+          </p:cNvSpPr>
           <p:nvPr>
             <p:ph type="title"/>
           </p:nvPr>
@@ -2484,7 +2562,7 @@
           </a:prstGeom>
         </p:spPr>
         <p:txBody>
-          <a:bodyPr anchorCtr="0" anchor="t" bIns="91425" lIns="91425" spcFirstLastPara="1" rIns="91425" wrap="square" tIns="91425">
+          <a:bodyPr spcFirstLastPara="1" wrap="square" lIns="91425" tIns="91425" rIns="91425" bIns="91425" anchor="t" anchorCtr="0">
             <a:normAutofit/>
           </a:bodyPr>
           <a:lstStyle>
@@ -2588,15 +2666,19 @@
               <a:defRPr/>
             </a:lvl9pPr>
           </a:lstStyle>
-          <a:p/>
+          <a:p>
+            <a:endParaRPr/>
+          </a:p>
         </p:txBody>
       </p:sp>
       <p:sp>
         <p:nvSpPr>
           <p:cNvPr id="18" name="Google Shape;18;p4"/>
-          <p:cNvSpPr txBox="1"/>
+          <p:cNvSpPr txBox="1">
+            <a:spLocks noGrp="1"/>
+          </p:cNvSpPr>
           <p:nvPr>
-            <p:ph idx="1" type="body"/>
+            <p:ph type="body" idx="1"/>
           </p:nvPr>
         </p:nvSpPr>
         <p:spPr>
@@ -2609,11 +2691,11 @@
           </a:prstGeom>
         </p:spPr>
         <p:txBody>
-          <a:bodyPr anchorCtr="0" anchor="t" bIns="91425" lIns="91425" spcFirstLastPara="1" rIns="91425" wrap="square" tIns="91425">
+          <a:bodyPr spcFirstLastPara="1" wrap="square" lIns="91425" tIns="91425" rIns="91425" bIns="91425" anchor="t" anchorCtr="0">
             <a:normAutofit/>
           </a:bodyPr>
           <a:lstStyle>
-            <a:lvl1pPr indent="-342900" lvl="0" marL="457200">
+            <a:lvl1pPr marL="457200" lvl="0" indent="-342900">
               <a:spcBef>
                 <a:spcPts val="0"/>
               </a:spcBef>
@@ -2624,7 +2706,7 @@
               <a:buChar char="●"/>
               <a:defRPr/>
             </a:lvl1pPr>
-            <a:lvl2pPr indent="-317500" lvl="1" marL="914400">
+            <a:lvl2pPr marL="914400" lvl="1" indent="-317500">
               <a:spcBef>
                 <a:spcPts val="0"/>
               </a:spcBef>
@@ -2635,7 +2717,7 @@
               <a:buChar char="○"/>
               <a:defRPr/>
             </a:lvl2pPr>
-            <a:lvl3pPr indent="-317500" lvl="2" marL="1371600">
+            <a:lvl3pPr marL="1371600" lvl="2" indent="-317500">
               <a:spcBef>
                 <a:spcPts val="0"/>
               </a:spcBef>
@@ -2646,7 +2728,7 @@
               <a:buChar char="■"/>
               <a:defRPr/>
             </a:lvl3pPr>
-            <a:lvl4pPr indent="-317500" lvl="3" marL="1828800">
+            <a:lvl4pPr marL="1828800" lvl="3" indent="-317500">
               <a:spcBef>
                 <a:spcPts val="0"/>
               </a:spcBef>
@@ -2657,7 +2739,7 @@
               <a:buChar char="●"/>
               <a:defRPr/>
             </a:lvl4pPr>
-            <a:lvl5pPr indent="-317500" lvl="4" marL="2286000">
+            <a:lvl5pPr marL="2286000" lvl="4" indent="-317500">
               <a:spcBef>
                 <a:spcPts val="0"/>
               </a:spcBef>
@@ -2668,7 +2750,7 @@
               <a:buChar char="○"/>
               <a:defRPr/>
             </a:lvl5pPr>
-            <a:lvl6pPr indent="-317500" lvl="5" marL="2743200">
+            <a:lvl6pPr marL="2743200" lvl="5" indent="-317500">
               <a:spcBef>
                 <a:spcPts val="0"/>
               </a:spcBef>
@@ -2679,7 +2761,7 @@
               <a:buChar char="■"/>
               <a:defRPr/>
             </a:lvl6pPr>
-            <a:lvl7pPr indent="-317500" lvl="6" marL="3200400">
+            <a:lvl7pPr marL="3200400" lvl="6" indent="-317500">
               <a:spcBef>
                 <a:spcPts val="0"/>
               </a:spcBef>
@@ -2690,7 +2772,7 @@
               <a:buChar char="●"/>
               <a:defRPr/>
             </a:lvl7pPr>
-            <a:lvl8pPr indent="-317500" lvl="7" marL="3657600">
+            <a:lvl8pPr marL="3657600" lvl="7" indent="-317500">
               <a:spcBef>
                 <a:spcPts val="0"/>
               </a:spcBef>
@@ -2701,7 +2783,7 @@
               <a:buChar char="○"/>
               <a:defRPr/>
             </a:lvl8pPr>
-            <a:lvl9pPr indent="-317500" lvl="8" marL="4114800">
+            <a:lvl9pPr marL="4114800" lvl="8" indent="-317500">
               <a:spcBef>
                 <a:spcPts val="0"/>
               </a:spcBef>
@@ -2713,15 +2795,19 @@
               <a:defRPr/>
             </a:lvl9pPr>
           </a:lstStyle>
-          <a:p/>
+          <a:p>
+            <a:endParaRPr/>
+          </a:p>
         </p:txBody>
       </p:sp>
       <p:sp>
         <p:nvSpPr>
           <p:cNvPr id="19" name="Google Shape;19;p4"/>
-          <p:cNvSpPr txBox="1"/>
+          <p:cNvSpPr txBox="1">
+            <a:spLocks noGrp="1"/>
+          </p:cNvSpPr>
           <p:nvPr>
-            <p:ph idx="12" type="sldNum"/>
+            <p:ph type="sldNum" idx="12"/>
           </p:nvPr>
         </p:nvSpPr>
         <p:spPr>
@@ -2734,7 +2820,7 @@
           </a:prstGeom>
         </p:spPr>
         <p:txBody>
-          <a:bodyPr anchorCtr="0" anchor="ctr" bIns="91425" lIns="91425" spcFirstLastPara="1" rIns="91425" wrap="square" tIns="91425">
+          <a:bodyPr spcFirstLastPara="1" wrap="square" lIns="91425" tIns="91425" rIns="91425" bIns="91425" anchor="ctr" anchorCtr="0">
             <a:normAutofit/>
           </a:bodyPr>
           <a:lstStyle>
@@ -2776,7 +2862,7 @@
             </a:lvl9pPr>
           </a:lstStyle>
           <a:p>
-            <a:pPr indent="0" lvl="0" marL="0" rtl="0" algn="r">
+            <a:pPr marL="0" lvl="0" indent="0" algn="r" rtl="0">
               <a:spcBef>
                 <a:spcPts val="0"/>
               </a:spcBef>
@@ -2802,11 +2888,11 @@
 </file>
 
 <file path=ppt/slideLayouts/slideLayout4.xml><?xml version="1.0" encoding="utf-8"?>
-<p:sldLayout xmlns:a="http://schemas.openxmlformats.org/drawingml/2006/main" xmlns:r="http://schemas.openxmlformats.org/officeDocument/2006/relationships" xmlns:mc="http://schemas.openxmlformats.org/markup-compatibility/2006" xmlns:mv="urn:schemas-microsoft-com:mac:vml" xmlns:p="http://schemas.openxmlformats.org/presentationml/2006/main" xmlns:c="http://schemas.openxmlformats.org/drawingml/2006/chart" xmlns:dgm="http://schemas.openxmlformats.org/drawingml/2006/diagram" xmlns:o="urn:schemas-microsoft-com:office:office" xmlns:v="urn:schemas-microsoft-com:vml" xmlns:pvml="urn:schemas-microsoft-com:office:powerpoint" xmlns:com="http://schemas.openxmlformats.org/drawingml/2006/compatibility" xmlns:p14="http://schemas.microsoft.com/office/powerpoint/2010/main" xmlns:p15="http://schemas.microsoft.com/office/powerpoint/2012/main" xmlns:ahyp="http://schemas.microsoft.com/office/drawing/2018/hyperlinkcolor" matchingName="Title and two columns" type="twoColTx">
+<p:sldLayout xmlns:a="http://schemas.openxmlformats.org/drawingml/2006/main" xmlns:r="http://schemas.openxmlformats.org/officeDocument/2006/relationships" xmlns:p="http://schemas.openxmlformats.org/presentationml/2006/main" matchingName="Title and two columns" type="twoColTx">
   <p:cSld name="TITLE_AND_TWO_COLUMNS">
     <p:spTree>
       <p:nvGrpSpPr>
-        <p:cNvPr id="20" name="Shape 20"/>
+        <p:cNvPr id="1" name="Shape 20"/>
         <p:cNvGrpSpPr/>
         <p:nvPr/>
       </p:nvGrpSpPr>
@@ -2821,7 +2907,9 @@
       <p:sp>
         <p:nvSpPr>
           <p:cNvPr id="21" name="Google Shape;21;p5"/>
-          <p:cNvSpPr txBox="1"/>
+          <p:cNvSpPr txBox="1">
+            <a:spLocks noGrp="1"/>
+          </p:cNvSpPr>
           <p:nvPr>
             <p:ph type="title"/>
           </p:nvPr>
@@ -2836,7 +2924,7 @@
           </a:prstGeom>
         </p:spPr>
         <p:txBody>
-          <a:bodyPr anchorCtr="0" anchor="t" bIns="91425" lIns="91425" spcFirstLastPara="1" rIns="91425" wrap="square" tIns="91425">
+          <a:bodyPr spcFirstLastPara="1" wrap="square" lIns="91425" tIns="91425" rIns="91425" bIns="91425" anchor="t" anchorCtr="0">
             <a:normAutofit/>
           </a:bodyPr>
           <a:lstStyle>
@@ -2940,15 +3028,19 @@
               <a:defRPr/>
             </a:lvl9pPr>
           </a:lstStyle>
-          <a:p/>
+          <a:p>
+            <a:endParaRPr/>
+          </a:p>
         </p:txBody>
       </p:sp>
       <p:sp>
         <p:nvSpPr>
           <p:cNvPr id="22" name="Google Shape;22;p5"/>
-          <p:cNvSpPr txBox="1"/>
+          <p:cNvSpPr txBox="1">
+            <a:spLocks noGrp="1"/>
+          </p:cNvSpPr>
           <p:nvPr>
-            <p:ph idx="1" type="body"/>
+            <p:ph type="body" idx="1"/>
           </p:nvPr>
         </p:nvSpPr>
         <p:spPr>
@@ -2961,11 +3053,11 @@
           </a:prstGeom>
         </p:spPr>
         <p:txBody>
-          <a:bodyPr anchorCtr="0" anchor="t" bIns="91425" lIns="91425" spcFirstLastPara="1" rIns="91425" wrap="square" tIns="91425">
+          <a:bodyPr spcFirstLastPara="1" wrap="square" lIns="91425" tIns="91425" rIns="91425" bIns="91425" anchor="t" anchorCtr="0">
             <a:normAutofit/>
           </a:bodyPr>
           <a:lstStyle>
-            <a:lvl1pPr indent="-317500" lvl="0" marL="457200">
+            <a:lvl1pPr marL="457200" lvl="0" indent="-317500">
               <a:spcBef>
                 <a:spcPts val="0"/>
               </a:spcBef>
@@ -2976,7 +3068,7 @@
               <a:buChar char="●"/>
               <a:defRPr sz="1400"/>
             </a:lvl1pPr>
-            <a:lvl2pPr indent="-304800" lvl="1" marL="914400">
+            <a:lvl2pPr marL="914400" lvl="1" indent="-304800">
               <a:spcBef>
                 <a:spcPts val="0"/>
               </a:spcBef>
@@ -2987,7 +3079,7 @@
               <a:buChar char="○"/>
               <a:defRPr sz="1200"/>
             </a:lvl2pPr>
-            <a:lvl3pPr indent="-304800" lvl="2" marL="1371600">
+            <a:lvl3pPr marL="1371600" lvl="2" indent="-304800">
               <a:spcBef>
                 <a:spcPts val="0"/>
               </a:spcBef>
@@ -2998,7 +3090,7 @@
               <a:buChar char="■"/>
               <a:defRPr sz="1200"/>
             </a:lvl3pPr>
-            <a:lvl4pPr indent="-304800" lvl="3" marL="1828800">
+            <a:lvl4pPr marL="1828800" lvl="3" indent="-304800">
               <a:spcBef>
                 <a:spcPts val="0"/>
               </a:spcBef>
@@ -3009,7 +3101,7 @@
               <a:buChar char="●"/>
               <a:defRPr sz="1200"/>
             </a:lvl4pPr>
-            <a:lvl5pPr indent="-304800" lvl="4" marL="2286000">
+            <a:lvl5pPr marL="2286000" lvl="4" indent="-304800">
               <a:spcBef>
                 <a:spcPts val="0"/>
               </a:spcBef>
@@ -3020,7 +3112,7 @@
               <a:buChar char="○"/>
               <a:defRPr sz="1200"/>
             </a:lvl5pPr>
-            <a:lvl6pPr indent="-304800" lvl="5" marL="2743200">
+            <a:lvl6pPr marL="2743200" lvl="5" indent="-304800">
               <a:spcBef>
                 <a:spcPts val="0"/>
               </a:spcBef>
@@ -3031,7 +3123,7 @@
               <a:buChar char="■"/>
               <a:defRPr sz="1200"/>
             </a:lvl6pPr>
-            <a:lvl7pPr indent="-304800" lvl="6" marL="3200400">
+            <a:lvl7pPr marL="3200400" lvl="6" indent="-304800">
               <a:spcBef>
                 <a:spcPts val="0"/>
               </a:spcBef>
@@ -3042,7 +3134,7 @@
               <a:buChar char="●"/>
               <a:defRPr sz="1200"/>
             </a:lvl7pPr>
-            <a:lvl8pPr indent="-304800" lvl="7" marL="3657600">
+            <a:lvl8pPr marL="3657600" lvl="7" indent="-304800">
               <a:spcBef>
                 <a:spcPts val="0"/>
               </a:spcBef>
@@ -3053,7 +3145,7 @@
               <a:buChar char="○"/>
               <a:defRPr sz="1200"/>
             </a:lvl8pPr>
-            <a:lvl9pPr indent="-304800" lvl="8" marL="4114800">
+            <a:lvl9pPr marL="4114800" lvl="8" indent="-304800">
               <a:spcBef>
                 <a:spcPts val="0"/>
               </a:spcBef>
@@ -3065,15 +3157,19 @@
               <a:defRPr sz="1200"/>
             </a:lvl9pPr>
           </a:lstStyle>
-          <a:p/>
+          <a:p>
+            <a:endParaRPr/>
+          </a:p>
         </p:txBody>
       </p:sp>
       <p:sp>
         <p:nvSpPr>
           <p:cNvPr id="23" name="Google Shape;23;p5"/>
-          <p:cNvSpPr txBox="1"/>
+          <p:cNvSpPr txBox="1">
+            <a:spLocks noGrp="1"/>
+          </p:cNvSpPr>
           <p:nvPr>
-            <p:ph idx="2" type="body"/>
+            <p:ph type="body" idx="2"/>
           </p:nvPr>
         </p:nvSpPr>
         <p:spPr>
@@ -3086,11 +3182,11 @@
           </a:prstGeom>
         </p:spPr>
         <p:txBody>
-          <a:bodyPr anchorCtr="0" anchor="t" bIns="91425" lIns="91425" spcFirstLastPara="1" rIns="91425" wrap="square" tIns="91425">
+          <a:bodyPr spcFirstLastPara="1" wrap="square" lIns="91425" tIns="91425" rIns="91425" bIns="91425" anchor="t" anchorCtr="0">
             <a:normAutofit/>
           </a:bodyPr>
           <a:lstStyle>
-            <a:lvl1pPr indent="-317500" lvl="0" marL="457200">
+            <a:lvl1pPr marL="457200" lvl="0" indent="-317500">
               <a:spcBef>
                 <a:spcPts val="0"/>
               </a:spcBef>
@@ -3101,7 +3197,7 @@
               <a:buChar char="●"/>
               <a:defRPr sz="1400"/>
             </a:lvl1pPr>
-            <a:lvl2pPr indent="-304800" lvl="1" marL="914400">
+            <a:lvl2pPr marL="914400" lvl="1" indent="-304800">
               <a:spcBef>
                 <a:spcPts val="0"/>
               </a:spcBef>
@@ -3112,7 +3208,7 @@
               <a:buChar char="○"/>
               <a:defRPr sz="1200"/>
             </a:lvl2pPr>
-            <a:lvl3pPr indent="-304800" lvl="2" marL="1371600">
+            <a:lvl3pPr marL="1371600" lvl="2" indent="-304800">
               <a:spcBef>
                 <a:spcPts val="0"/>
               </a:spcBef>
@@ -3123,7 +3219,7 @@
               <a:buChar char="■"/>
               <a:defRPr sz="1200"/>
             </a:lvl3pPr>
-            <a:lvl4pPr indent="-304800" lvl="3" marL="1828800">
+            <a:lvl4pPr marL="1828800" lvl="3" indent="-304800">
               <a:spcBef>
                 <a:spcPts val="0"/>
               </a:spcBef>
@@ -3134,7 +3230,7 @@
               <a:buChar char="●"/>
               <a:defRPr sz="1200"/>
             </a:lvl4pPr>
-            <a:lvl5pPr indent="-304800" lvl="4" marL="2286000">
+            <a:lvl5pPr marL="2286000" lvl="4" indent="-304800">
               <a:spcBef>
                 <a:spcPts val="0"/>
               </a:spcBef>
@@ -3145,7 +3241,7 @@
               <a:buChar char="○"/>
               <a:defRPr sz="1200"/>
             </a:lvl5pPr>
-            <a:lvl6pPr indent="-304800" lvl="5" marL="2743200">
+            <a:lvl6pPr marL="2743200" lvl="5" indent="-304800">
               <a:spcBef>
                 <a:spcPts val="0"/>
               </a:spcBef>
@@ -3156,7 +3252,7 @@
               <a:buChar char="■"/>
               <a:defRPr sz="1200"/>
             </a:lvl6pPr>
-            <a:lvl7pPr indent="-304800" lvl="6" marL="3200400">
+            <a:lvl7pPr marL="3200400" lvl="6" indent="-304800">
               <a:spcBef>
                 <a:spcPts val="0"/>
               </a:spcBef>
@@ -3167,7 +3263,7 @@
               <a:buChar char="●"/>
               <a:defRPr sz="1200"/>
             </a:lvl7pPr>
-            <a:lvl8pPr indent="-304800" lvl="7" marL="3657600">
+            <a:lvl8pPr marL="3657600" lvl="7" indent="-304800">
               <a:spcBef>
                 <a:spcPts val="0"/>
               </a:spcBef>
@@ -3178,7 +3274,7 @@
               <a:buChar char="○"/>
               <a:defRPr sz="1200"/>
             </a:lvl8pPr>
-            <a:lvl9pPr indent="-304800" lvl="8" marL="4114800">
+            <a:lvl9pPr marL="4114800" lvl="8" indent="-304800">
               <a:spcBef>
                 <a:spcPts val="0"/>
               </a:spcBef>
@@ -3190,15 +3286,19 @@
               <a:defRPr sz="1200"/>
             </a:lvl9pPr>
           </a:lstStyle>
-          <a:p/>
+          <a:p>
+            <a:endParaRPr/>
+          </a:p>
         </p:txBody>
       </p:sp>
       <p:sp>
         <p:nvSpPr>
           <p:cNvPr id="24" name="Google Shape;24;p5"/>
-          <p:cNvSpPr txBox="1"/>
+          <p:cNvSpPr txBox="1">
+            <a:spLocks noGrp="1"/>
+          </p:cNvSpPr>
           <p:nvPr>
-            <p:ph idx="12" type="sldNum"/>
+            <p:ph type="sldNum" idx="12"/>
           </p:nvPr>
         </p:nvSpPr>
         <p:spPr>
@@ -3211,7 +3311,7 @@
           </a:prstGeom>
         </p:spPr>
         <p:txBody>
-          <a:bodyPr anchorCtr="0" anchor="ctr" bIns="91425" lIns="91425" spcFirstLastPara="1" rIns="91425" wrap="square" tIns="91425">
+          <a:bodyPr spcFirstLastPara="1" wrap="square" lIns="91425" tIns="91425" rIns="91425" bIns="91425" anchor="ctr" anchorCtr="0">
             <a:normAutofit/>
           </a:bodyPr>
           <a:lstStyle>
@@ -3253,7 +3353,7 @@
             </a:lvl9pPr>
           </a:lstStyle>
           <a:p>
-            <a:pPr indent="0" lvl="0" marL="0" rtl="0" algn="r">
+            <a:pPr marL="0" lvl="0" indent="0" algn="r" rtl="0">
               <a:spcBef>
                 <a:spcPts val="0"/>
               </a:spcBef>
@@ -3279,11 +3379,11 @@
 </file>
 
 <file path=ppt/slideLayouts/slideLayout5.xml><?xml version="1.0" encoding="utf-8"?>
-<p:sldLayout xmlns:a="http://schemas.openxmlformats.org/drawingml/2006/main" xmlns:r="http://schemas.openxmlformats.org/officeDocument/2006/relationships" xmlns:mc="http://schemas.openxmlformats.org/markup-compatibility/2006" xmlns:mv="urn:schemas-microsoft-com:mac:vml" xmlns:p="http://schemas.openxmlformats.org/presentationml/2006/main" xmlns:c="http://schemas.openxmlformats.org/drawingml/2006/chart" xmlns:dgm="http://schemas.openxmlformats.org/drawingml/2006/diagram" xmlns:o="urn:schemas-microsoft-com:office:office" xmlns:v="urn:schemas-microsoft-com:vml" xmlns:pvml="urn:schemas-microsoft-com:office:powerpoint" xmlns:com="http://schemas.openxmlformats.org/drawingml/2006/compatibility" xmlns:p14="http://schemas.microsoft.com/office/powerpoint/2010/main" xmlns:p15="http://schemas.microsoft.com/office/powerpoint/2012/main" xmlns:ahyp="http://schemas.microsoft.com/office/drawing/2018/hyperlinkcolor" matchingName="Title only" type="titleOnly">
+<p:sldLayout xmlns:a="http://schemas.openxmlformats.org/drawingml/2006/main" xmlns:r="http://schemas.openxmlformats.org/officeDocument/2006/relationships" xmlns:p="http://schemas.openxmlformats.org/presentationml/2006/main" matchingName="Title only" type="titleOnly">
   <p:cSld name="TITLE_ONLY">
     <p:spTree>
       <p:nvGrpSpPr>
-        <p:cNvPr id="25" name="Shape 25"/>
+        <p:cNvPr id="1" name="Shape 25"/>
         <p:cNvGrpSpPr/>
         <p:nvPr/>
       </p:nvGrpSpPr>
@@ -3298,7 +3398,9 @@
       <p:sp>
         <p:nvSpPr>
           <p:cNvPr id="26" name="Google Shape;26;p6"/>
-          <p:cNvSpPr txBox="1"/>
+          <p:cNvSpPr txBox="1">
+            <a:spLocks noGrp="1"/>
+          </p:cNvSpPr>
           <p:nvPr>
             <p:ph type="title"/>
           </p:nvPr>
@@ -3313,7 +3415,7 @@
           </a:prstGeom>
         </p:spPr>
         <p:txBody>
-          <a:bodyPr anchorCtr="0" anchor="t" bIns="91425" lIns="91425" spcFirstLastPara="1" rIns="91425" wrap="square" tIns="91425">
+          <a:bodyPr spcFirstLastPara="1" wrap="square" lIns="91425" tIns="91425" rIns="91425" bIns="91425" anchor="t" anchorCtr="0">
             <a:normAutofit/>
           </a:bodyPr>
           <a:lstStyle>
@@ -3417,15 +3519,19 @@
               <a:defRPr/>
             </a:lvl9pPr>
           </a:lstStyle>
-          <a:p/>
+          <a:p>
+            <a:endParaRPr/>
+          </a:p>
         </p:txBody>
       </p:sp>
       <p:sp>
         <p:nvSpPr>
           <p:cNvPr id="27" name="Google Shape;27;p6"/>
-          <p:cNvSpPr txBox="1"/>
+          <p:cNvSpPr txBox="1">
+            <a:spLocks noGrp="1"/>
+          </p:cNvSpPr>
           <p:nvPr>
-            <p:ph idx="12" type="sldNum"/>
+            <p:ph type="sldNum" idx="12"/>
           </p:nvPr>
         </p:nvSpPr>
         <p:spPr>
@@ -3438,7 +3544,7 @@
           </a:prstGeom>
         </p:spPr>
         <p:txBody>
-          <a:bodyPr anchorCtr="0" anchor="ctr" bIns="91425" lIns="91425" spcFirstLastPara="1" rIns="91425" wrap="square" tIns="91425">
+          <a:bodyPr spcFirstLastPara="1" wrap="square" lIns="91425" tIns="91425" rIns="91425" bIns="91425" anchor="ctr" anchorCtr="0">
             <a:normAutofit/>
           </a:bodyPr>
           <a:lstStyle>
@@ -3480,7 +3586,7 @@
             </a:lvl9pPr>
           </a:lstStyle>
           <a:p>
-            <a:pPr indent="0" lvl="0" marL="0" rtl="0" algn="r">
+            <a:pPr marL="0" lvl="0" indent="0" algn="r" rtl="0">
               <a:spcBef>
                 <a:spcPts val="0"/>
               </a:spcBef>
@@ -3506,11 +3612,11 @@
 </file>
 
 <file path=ppt/slideLayouts/slideLayout6.xml><?xml version="1.0" encoding="utf-8"?>
-<p:sldLayout xmlns:a="http://schemas.openxmlformats.org/drawingml/2006/main" xmlns:r="http://schemas.openxmlformats.org/officeDocument/2006/relationships" xmlns:mc="http://schemas.openxmlformats.org/markup-compatibility/2006" xmlns:mv="urn:schemas-microsoft-com:mac:vml" xmlns:p="http://schemas.openxmlformats.org/presentationml/2006/main" xmlns:c="http://schemas.openxmlformats.org/drawingml/2006/chart" xmlns:dgm="http://schemas.openxmlformats.org/drawingml/2006/diagram" xmlns:o="urn:schemas-microsoft-com:office:office" xmlns:v="urn:schemas-microsoft-com:vml" xmlns:pvml="urn:schemas-microsoft-com:office:powerpoint" xmlns:com="http://schemas.openxmlformats.org/drawingml/2006/compatibility" xmlns:p14="http://schemas.microsoft.com/office/powerpoint/2010/main" xmlns:p15="http://schemas.microsoft.com/office/powerpoint/2012/main" xmlns:ahyp="http://schemas.microsoft.com/office/drawing/2018/hyperlinkcolor" matchingName="One column text">
+<p:sldLayout xmlns:a="http://schemas.openxmlformats.org/drawingml/2006/main" xmlns:r="http://schemas.openxmlformats.org/officeDocument/2006/relationships" xmlns:p="http://schemas.openxmlformats.org/presentationml/2006/main" matchingName="One column text">
   <p:cSld name="ONE_COLUMN_TEXT">
     <p:spTree>
       <p:nvGrpSpPr>
-        <p:cNvPr id="28" name="Shape 28"/>
+        <p:cNvPr id="1" name="Shape 28"/>
         <p:cNvGrpSpPr/>
         <p:nvPr/>
       </p:nvGrpSpPr>
@@ -3525,7 +3631,9 @@
       <p:sp>
         <p:nvSpPr>
           <p:cNvPr id="29" name="Google Shape;29;p7"/>
-          <p:cNvSpPr txBox="1"/>
+          <p:cNvSpPr txBox="1">
+            <a:spLocks noGrp="1"/>
+          </p:cNvSpPr>
           <p:nvPr>
             <p:ph type="title"/>
           </p:nvPr>
@@ -3540,7 +3648,7 @@
           </a:prstGeom>
         </p:spPr>
         <p:txBody>
-          <a:bodyPr anchorCtr="0" anchor="b" bIns="91425" lIns="91425" spcFirstLastPara="1" rIns="91425" wrap="square" tIns="91425">
+          <a:bodyPr spcFirstLastPara="1" wrap="square" lIns="91425" tIns="91425" rIns="91425" bIns="91425" anchor="b" anchorCtr="0">
             <a:normAutofit/>
           </a:bodyPr>
           <a:lstStyle>
@@ -3644,15 +3752,19 @@
               <a:defRPr sz="2400"/>
             </a:lvl9pPr>
           </a:lstStyle>
-          <a:p/>
+          <a:p>
+            <a:endParaRPr/>
+          </a:p>
         </p:txBody>
       </p:sp>
       <p:sp>
         <p:nvSpPr>
           <p:cNvPr id="30" name="Google Shape;30;p7"/>
-          <p:cNvSpPr txBox="1"/>
+          <p:cNvSpPr txBox="1">
+            <a:spLocks noGrp="1"/>
+          </p:cNvSpPr>
           <p:nvPr>
-            <p:ph idx="1" type="body"/>
+            <p:ph type="body" idx="1"/>
           </p:nvPr>
         </p:nvSpPr>
         <p:spPr>
@@ -3665,11 +3777,11 @@
           </a:prstGeom>
         </p:spPr>
         <p:txBody>
-          <a:bodyPr anchorCtr="0" anchor="t" bIns="91425" lIns="91425" spcFirstLastPara="1" rIns="91425" wrap="square" tIns="91425">
+          <a:bodyPr spcFirstLastPara="1" wrap="square" lIns="91425" tIns="91425" rIns="91425" bIns="91425" anchor="t" anchorCtr="0">
             <a:normAutofit/>
           </a:bodyPr>
           <a:lstStyle>
-            <a:lvl1pPr indent="-304800" lvl="0" marL="457200">
+            <a:lvl1pPr marL="457200" lvl="0" indent="-304800">
               <a:spcBef>
                 <a:spcPts val="0"/>
               </a:spcBef>
@@ -3680,7 +3792,7 @@
               <a:buChar char="●"/>
               <a:defRPr sz="1200"/>
             </a:lvl1pPr>
-            <a:lvl2pPr indent="-304800" lvl="1" marL="914400">
+            <a:lvl2pPr marL="914400" lvl="1" indent="-304800">
               <a:spcBef>
                 <a:spcPts val="0"/>
               </a:spcBef>
@@ -3691,7 +3803,7 @@
               <a:buChar char="○"/>
               <a:defRPr sz="1200"/>
             </a:lvl2pPr>
-            <a:lvl3pPr indent="-304800" lvl="2" marL="1371600">
+            <a:lvl3pPr marL="1371600" lvl="2" indent="-304800">
               <a:spcBef>
                 <a:spcPts val="0"/>
               </a:spcBef>
@@ -3702,7 +3814,7 @@
               <a:buChar char="■"/>
               <a:defRPr sz="1200"/>
             </a:lvl3pPr>
-            <a:lvl4pPr indent="-304800" lvl="3" marL="1828800">
+            <a:lvl4pPr marL="1828800" lvl="3" indent="-304800">
               <a:spcBef>
                 <a:spcPts val="0"/>
               </a:spcBef>
@@ -3713,7 +3825,7 @@
               <a:buChar char="●"/>
               <a:defRPr sz="1200"/>
             </a:lvl4pPr>
-            <a:lvl5pPr indent="-304800" lvl="4" marL="2286000">
+            <a:lvl5pPr marL="2286000" lvl="4" indent="-304800">
               <a:spcBef>
                 <a:spcPts val="0"/>
               </a:spcBef>
@@ -3724,7 +3836,7 @@
               <a:buChar char="○"/>
               <a:defRPr sz="1200"/>
             </a:lvl5pPr>
-            <a:lvl6pPr indent="-304800" lvl="5" marL="2743200">
+            <a:lvl6pPr marL="2743200" lvl="5" indent="-304800">
               <a:spcBef>
                 <a:spcPts val="0"/>
               </a:spcBef>
@@ -3735,7 +3847,7 @@
               <a:buChar char="■"/>
               <a:defRPr sz="1200"/>
             </a:lvl6pPr>
-            <a:lvl7pPr indent="-304800" lvl="6" marL="3200400">
+            <a:lvl7pPr marL="3200400" lvl="6" indent="-304800">
               <a:spcBef>
                 <a:spcPts val="0"/>
               </a:spcBef>
@@ -3746,7 +3858,7 @@
               <a:buChar char="●"/>
               <a:defRPr sz="1200"/>
             </a:lvl7pPr>
-            <a:lvl8pPr indent="-304800" lvl="7" marL="3657600">
+            <a:lvl8pPr marL="3657600" lvl="7" indent="-304800">
               <a:spcBef>
                 <a:spcPts val="0"/>
               </a:spcBef>
@@ -3757,7 +3869,7 @@
               <a:buChar char="○"/>
               <a:defRPr sz="1200"/>
             </a:lvl8pPr>
-            <a:lvl9pPr indent="-304800" lvl="8" marL="4114800">
+            <a:lvl9pPr marL="4114800" lvl="8" indent="-304800">
               <a:spcBef>
                 <a:spcPts val="0"/>
               </a:spcBef>
@@ -3769,15 +3881,19 @@
               <a:defRPr sz="1200"/>
             </a:lvl9pPr>
           </a:lstStyle>
-          <a:p/>
+          <a:p>
+            <a:endParaRPr/>
+          </a:p>
         </p:txBody>
       </p:sp>
       <p:sp>
         <p:nvSpPr>
           <p:cNvPr id="31" name="Google Shape;31;p7"/>
-          <p:cNvSpPr txBox="1"/>
+          <p:cNvSpPr txBox="1">
+            <a:spLocks noGrp="1"/>
+          </p:cNvSpPr>
           <p:nvPr>
-            <p:ph idx="12" type="sldNum"/>
+            <p:ph type="sldNum" idx="12"/>
           </p:nvPr>
         </p:nvSpPr>
         <p:spPr>
@@ -3790,7 +3906,7 @@
           </a:prstGeom>
         </p:spPr>
         <p:txBody>
-          <a:bodyPr anchorCtr="0" anchor="ctr" bIns="91425" lIns="91425" spcFirstLastPara="1" rIns="91425" wrap="square" tIns="91425">
+          <a:bodyPr spcFirstLastPara="1" wrap="square" lIns="91425" tIns="91425" rIns="91425" bIns="91425" anchor="ctr" anchorCtr="0">
             <a:normAutofit/>
           </a:bodyPr>
           <a:lstStyle>
@@ -3832,7 +3948,7 @@
             </a:lvl9pPr>
           </a:lstStyle>
           <a:p>
-            <a:pPr indent="0" lvl="0" marL="0" rtl="0" algn="r">
+            <a:pPr marL="0" lvl="0" indent="0" algn="r" rtl="0">
               <a:spcBef>
                 <a:spcPts val="0"/>
               </a:spcBef>
@@ -3858,11 +3974,11 @@
 </file>
 
 <file path=ppt/slideLayouts/slideLayout7.xml><?xml version="1.0" encoding="utf-8"?>
-<p:sldLayout xmlns:a="http://schemas.openxmlformats.org/drawingml/2006/main" xmlns:r="http://schemas.openxmlformats.org/officeDocument/2006/relationships" xmlns:mc="http://schemas.openxmlformats.org/markup-compatibility/2006" xmlns:mv="urn:schemas-microsoft-com:mac:vml" xmlns:p="http://schemas.openxmlformats.org/presentationml/2006/main" xmlns:c="http://schemas.openxmlformats.org/drawingml/2006/chart" xmlns:dgm="http://schemas.openxmlformats.org/drawingml/2006/diagram" xmlns:o="urn:schemas-microsoft-com:office:office" xmlns:v="urn:schemas-microsoft-com:vml" xmlns:pvml="urn:schemas-microsoft-com:office:powerpoint" xmlns:com="http://schemas.openxmlformats.org/drawingml/2006/compatibility" xmlns:p14="http://schemas.microsoft.com/office/powerpoint/2010/main" xmlns:p15="http://schemas.microsoft.com/office/powerpoint/2012/main" xmlns:ahyp="http://schemas.microsoft.com/office/drawing/2018/hyperlinkcolor" matchingName="Main point">
+<p:sldLayout xmlns:a="http://schemas.openxmlformats.org/drawingml/2006/main" xmlns:r="http://schemas.openxmlformats.org/officeDocument/2006/relationships" xmlns:p="http://schemas.openxmlformats.org/presentationml/2006/main" matchingName="Main point">
   <p:cSld name="MAIN_POINT">
     <p:spTree>
       <p:nvGrpSpPr>
-        <p:cNvPr id="32" name="Shape 32"/>
+        <p:cNvPr id="1" name="Shape 32"/>
         <p:cNvGrpSpPr/>
         <p:nvPr/>
       </p:nvGrpSpPr>
@@ -3877,7 +3993,9 @@
       <p:sp>
         <p:nvSpPr>
           <p:cNvPr id="33" name="Google Shape;33;p8"/>
-          <p:cNvSpPr txBox="1"/>
+          <p:cNvSpPr txBox="1">
+            <a:spLocks noGrp="1"/>
+          </p:cNvSpPr>
           <p:nvPr>
             <p:ph type="title"/>
           </p:nvPr>
@@ -3892,7 +4010,7 @@
           </a:prstGeom>
         </p:spPr>
         <p:txBody>
-          <a:bodyPr anchorCtr="0" anchor="ctr" bIns="91425" lIns="91425" spcFirstLastPara="1" rIns="91425" wrap="square" tIns="91425">
+          <a:bodyPr spcFirstLastPara="1" wrap="square" lIns="91425" tIns="91425" rIns="91425" bIns="91425" anchor="ctr" anchorCtr="0">
             <a:normAutofit/>
           </a:bodyPr>
           <a:lstStyle>
@@ -3996,15 +4114,19 @@
               <a:defRPr sz="4800"/>
             </a:lvl9pPr>
           </a:lstStyle>
-          <a:p/>
+          <a:p>
+            <a:endParaRPr/>
+          </a:p>
         </p:txBody>
       </p:sp>
       <p:sp>
         <p:nvSpPr>
           <p:cNvPr id="34" name="Google Shape;34;p8"/>
-          <p:cNvSpPr txBox="1"/>
+          <p:cNvSpPr txBox="1">
+            <a:spLocks noGrp="1"/>
+          </p:cNvSpPr>
           <p:nvPr>
-            <p:ph idx="12" type="sldNum"/>
+            <p:ph type="sldNum" idx="12"/>
           </p:nvPr>
         </p:nvSpPr>
         <p:spPr>
@@ -4017,7 +4139,7 @@
           </a:prstGeom>
         </p:spPr>
         <p:txBody>
-          <a:bodyPr anchorCtr="0" anchor="ctr" bIns="91425" lIns="91425" spcFirstLastPara="1" rIns="91425" wrap="square" tIns="91425">
+          <a:bodyPr spcFirstLastPara="1" wrap="square" lIns="91425" tIns="91425" rIns="91425" bIns="91425" anchor="ctr" anchorCtr="0">
             <a:normAutofit/>
           </a:bodyPr>
           <a:lstStyle>
@@ -4059,7 +4181,7 @@
             </a:lvl9pPr>
           </a:lstStyle>
           <a:p>
-            <a:pPr indent="0" lvl="0" marL="0" rtl="0" algn="r">
+            <a:pPr marL="0" lvl="0" indent="0" algn="r" rtl="0">
               <a:spcBef>
                 <a:spcPts val="0"/>
               </a:spcBef>
@@ -4085,11 +4207,11 @@
 </file>
 
 <file path=ppt/slideLayouts/slideLayout8.xml><?xml version="1.0" encoding="utf-8"?>
-<p:sldLayout xmlns:a="http://schemas.openxmlformats.org/drawingml/2006/main" xmlns:r="http://schemas.openxmlformats.org/officeDocument/2006/relationships" xmlns:mc="http://schemas.openxmlformats.org/markup-compatibility/2006" xmlns:mv="urn:schemas-microsoft-com:mac:vml" xmlns:p="http://schemas.openxmlformats.org/presentationml/2006/main" xmlns:c="http://schemas.openxmlformats.org/drawingml/2006/chart" xmlns:dgm="http://schemas.openxmlformats.org/drawingml/2006/diagram" xmlns:o="urn:schemas-microsoft-com:office:office" xmlns:v="urn:schemas-microsoft-com:vml" xmlns:pvml="urn:schemas-microsoft-com:office:powerpoint" xmlns:com="http://schemas.openxmlformats.org/drawingml/2006/compatibility" xmlns:p14="http://schemas.microsoft.com/office/powerpoint/2010/main" xmlns:p15="http://schemas.microsoft.com/office/powerpoint/2012/main" xmlns:ahyp="http://schemas.microsoft.com/office/drawing/2018/hyperlinkcolor" matchingName="Section title and description">
+<p:sldLayout xmlns:a="http://schemas.openxmlformats.org/drawingml/2006/main" xmlns:r="http://schemas.openxmlformats.org/officeDocument/2006/relationships" xmlns:p="http://schemas.openxmlformats.org/presentationml/2006/main" matchingName="Section title and description">
   <p:cSld name="SECTION_TITLE_AND_DESCRIPTION">
     <p:spTree>
       <p:nvGrpSpPr>
-        <p:cNvPr id="35" name="Shape 35"/>
+        <p:cNvPr id="1" name="Shape 35"/>
         <p:cNvGrpSpPr/>
         <p:nvPr/>
       </p:nvGrpSpPr>
@@ -4123,12 +4245,12 @@
           </a:ln>
         </p:spPr>
         <p:txBody>
-          <a:bodyPr anchorCtr="0" anchor="ctr" bIns="91425" lIns="91425" spcFirstLastPara="1" rIns="91425" wrap="square" tIns="91425">
+          <a:bodyPr spcFirstLastPara="1" wrap="square" lIns="91425" tIns="91425" rIns="91425" bIns="91425" anchor="ctr" anchorCtr="0">
             <a:noAutofit/>
           </a:bodyPr>
           <a:lstStyle/>
           <a:p>
-            <a:pPr indent="0" lvl="0" marL="0" rtl="0" algn="l">
+            <a:pPr marL="0" lvl="0" indent="0" algn="l" rtl="0">
               <a:spcBef>
                 <a:spcPts val="0"/>
               </a:spcBef>
@@ -4137,9 +4259,6 @@
               </a:spcAft>
               <a:buNone/>
             </a:pPr>
-            <a:r>
-              <a:t/>
-            </a:r>
             <a:endParaRPr/>
           </a:p>
         </p:txBody>
@@ -4147,7 +4266,9 @@
       <p:sp>
         <p:nvSpPr>
           <p:cNvPr id="37" name="Google Shape;37;p9"/>
-          <p:cNvSpPr txBox="1"/>
+          <p:cNvSpPr txBox="1">
+            <a:spLocks noGrp="1"/>
+          </p:cNvSpPr>
           <p:nvPr>
             <p:ph type="title"/>
           </p:nvPr>
@@ -4162,7 +4283,7 @@
           </a:prstGeom>
         </p:spPr>
         <p:txBody>
-          <a:bodyPr anchorCtr="0" anchor="b" bIns="91425" lIns="91425" spcFirstLastPara="1" rIns="91425" wrap="square" tIns="91425">
+          <a:bodyPr spcFirstLastPara="1" wrap="square" lIns="91425" tIns="91425" rIns="91425" bIns="91425" anchor="b" anchorCtr="0">
             <a:normAutofit/>
           </a:bodyPr>
           <a:lstStyle>
@@ -4266,15 +4387,19 @@
               <a:defRPr sz="4200"/>
             </a:lvl9pPr>
           </a:lstStyle>
-          <a:p/>
+          <a:p>
+            <a:endParaRPr/>
+          </a:p>
         </p:txBody>
       </p:sp>
       <p:sp>
         <p:nvSpPr>
           <p:cNvPr id="38" name="Google Shape;38;p9"/>
-          <p:cNvSpPr txBox="1"/>
+          <p:cNvSpPr txBox="1">
+            <a:spLocks noGrp="1"/>
+          </p:cNvSpPr>
           <p:nvPr>
-            <p:ph idx="1" type="subTitle"/>
+            <p:ph type="subTitle" idx="1"/>
           </p:nvPr>
         </p:nvSpPr>
         <p:spPr>
@@ -4287,7 +4412,7 @@
           </a:prstGeom>
         </p:spPr>
         <p:txBody>
-          <a:bodyPr anchorCtr="0" anchor="t" bIns="91425" lIns="91425" spcFirstLastPara="1" rIns="91425" wrap="square" tIns="91425">
+          <a:bodyPr spcFirstLastPara="1" wrap="square" lIns="91425" tIns="91425" rIns="91425" bIns="91425" anchor="t" anchorCtr="0">
             <a:normAutofit/>
           </a:bodyPr>
           <a:lstStyle>
@@ -4418,15 +4543,19 @@
               <a:defRPr sz="2100"/>
             </a:lvl9pPr>
           </a:lstStyle>
-          <a:p/>
+          <a:p>
+            <a:endParaRPr/>
+          </a:p>
         </p:txBody>
       </p:sp>
       <p:sp>
         <p:nvSpPr>
           <p:cNvPr id="39" name="Google Shape;39;p9"/>
-          <p:cNvSpPr txBox="1"/>
+          <p:cNvSpPr txBox="1">
+            <a:spLocks noGrp="1"/>
+          </p:cNvSpPr>
           <p:nvPr>
-            <p:ph idx="2" type="body"/>
+            <p:ph type="body" idx="2"/>
           </p:nvPr>
         </p:nvSpPr>
         <p:spPr>
@@ -4439,11 +4568,11 @@
           </a:prstGeom>
         </p:spPr>
         <p:txBody>
-          <a:bodyPr anchorCtr="0" anchor="ctr" bIns="91425" lIns="91425" spcFirstLastPara="1" rIns="91425" wrap="square" tIns="91425">
+          <a:bodyPr spcFirstLastPara="1" wrap="square" lIns="91425" tIns="91425" rIns="91425" bIns="91425" anchor="ctr" anchorCtr="0">
             <a:normAutofit/>
           </a:bodyPr>
           <a:lstStyle>
-            <a:lvl1pPr indent="-342900" lvl="0" marL="457200">
+            <a:lvl1pPr marL="457200" lvl="0" indent="-342900">
               <a:spcBef>
                 <a:spcPts val="0"/>
               </a:spcBef>
@@ -4461,7 +4590,7 @@
                 </a:solidFill>
               </a:defRPr>
             </a:lvl1pPr>
-            <a:lvl2pPr indent="-317500" lvl="1" marL="914400">
+            <a:lvl2pPr marL="914400" lvl="1" indent="-317500">
               <a:spcBef>
                 <a:spcPts val="0"/>
               </a:spcBef>
@@ -4479,7 +4608,7 @@
                 </a:solidFill>
               </a:defRPr>
             </a:lvl2pPr>
-            <a:lvl3pPr indent="-317500" lvl="2" marL="1371600">
+            <a:lvl3pPr marL="1371600" lvl="2" indent="-317500">
               <a:spcBef>
                 <a:spcPts val="0"/>
               </a:spcBef>
@@ -4497,7 +4626,7 @@
                 </a:solidFill>
               </a:defRPr>
             </a:lvl3pPr>
-            <a:lvl4pPr indent="-317500" lvl="3" marL="1828800">
+            <a:lvl4pPr marL="1828800" lvl="3" indent="-317500">
               <a:spcBef>
                 <a:spcPts val="0"/>
               </a:spcBef>
@@ -4515,7 +4644,7 @@
                 </a:solidFill>
               </a:defRPr>
             </a:lvl4pPr>
-            <a:lvl5pPr indent="-317500" lvl="4" marL="2286000">
+            <a:lvl5pPr marL="2286000" lvl="4" indent="-317500">
               <a:spcBef>
                 <a:spcPts val="0"/>
               </a:spcBef>
@@ -4533,7 +4662,7 @@
                 </a:solidFill>
               </a:defRPr>
             </a:lvl5pPr>
-            <a:lvl6pPr indent="-317500" lvl="5" marL="2743200">
+            <a:lvl6pPr marL="2743200" lvl="5" indent="-317500">
               <a:spcBef>
                 <a:spcPts val="0"/>
               </a:spcBef>
@@ -4551,7 +4680,7 @@
                 </a:solidFill>
               </a:defRPr>
             </a:lvl6pPr>
-            <a:lvl7pPr indent="-317500" lvl="6" marL="3200400">
+            <a:lvl7pPr marL="3200400" lvl="6" indent="-317500">
               <a:spcBef>
                 <a:spcPts val="0"/>
               </a:spcBef>
@@ -4569,7 +4698,7 @@
                 </a:solidFill>
               </a:defRPr>
             </a:lvl7pPr>
-            <a:lvl8pPr indent="-317500" lvl="7" marL="3657600">
+            <a:lvl8pPr marL="3657600" lvl="7" indent="-317500">
               <a:spcBef>
                 <a:spcPts val="0"/>
               </a:spcBef>
@@ -4587,7 +4716,7 @@
                 </a:solidFill>
               </a:defRPr>
             </a:lvl8pPr>
-            <a:lvl9pPr indent="-317500" lvl="8" marL="4114800">
+            <a:lvl9pPr marL="4114800" lvl="8" indent="-317500">
               <a:spcBef>
                 <a:spcPts val="0"/>
               </a:spcBef>
@@ -4606,15 +4735,19 @@
               </a:defRPr>
             </a:lvl9pPr>
           </a:lstStyle>
-          <a:p/>
+          <a:p>
+            <a:endParaRPr/>
+          </a:p>
         </p:txBody>
       </p:sp>
       <p:sp>
         <p:nvSpPr>
           <p:cNvPr id="40" name="Google Shape;40;p9"/>
-          <p:cNvSpPr txBox="1"/>
+          <p:cNvSpPr txBox="1">
+            <a:spLocks noGrp="1"/>
+          </p:cNvSpPr>
           <p:nvPr>
-            <p:ph idx="12" type="sldNum"/>
+            <p:ph type="sldNum" idx="12"/>
           </p:nvPr>
         </p:nvSpPr>
         <p:spPr>
@@ -4627,7 +4760,7 @@
           </a:prstGeom>
         </p:spPr>
         <p:txBody>
-          <a:bodyPr anchorCtr="0" anchor="ctr" bIns="91425" lIns="91425" spcFirstLastPara="1" rIns="91425" wrap="square" tIns="91425">
+          <a:bodyPr spcFirstLastPara="1" wrap="square" lIns="91425" tIns="91425" rIns="91425" bIns="91425" anchor="ctr" anchorCtr="0">
             <a:normAutofit/>
           </a:bodyPr>
           <a:lstStyle>
@@ -4669,7 +4802,7 @@
             </a:lvl9pPr>
           </a:lstStyle>
           <a:p>
-            <a:pPr indent="0" lvl="0" marL="0" rtl="0" algn="r">
+            <a:pPr marL="0" lvl="0" indent="0" algn="r" rtl="0">
               <a:spcBef>
                 <a:spcPts val="0"/>
               </a:spcBef>
@@ -4695,11 +4828,11 @@
 </file>
 
 <file path=ppt/slideLayouts/slideLayout9.xml><?xml version="1.0" encoding="utf-8"?>
-<p:sldLayout xmlns:a="http://schemas.openxmlformats.org/drawingml/2006/main" xmlns:r="http://schemas.openxmlformats.org/officeDocument/2006/relationships" xmlns:mc="http://schemas.openxmlformats.org/markup-compatibility/2006" xmlns:mv="urn:schemas-microsoft-com:mac:vml" xmlns:p="http://schemas.openxmlformats.org/presentationml/2006/main" xmlns:c="http://schemas.openxmlformats.org/drawingml/2006/chart" xmlns:dgm="http://schemas.openxmlformats.org/drawingml/2006/diagram" xmlns:o="urn:schemas-microsoft-com:office:office" xmlns:v="urn:schemas-microsoft-com:vml" xmlns:pvml="urn:schemas-microsoft-com:office:powerpoint" xmlns:com="http://schemas.openxmlformats.org/drawingml/2006/compatibility" xmlns:p14="http://schemas.microsoft.com/office/powerpoint/2010/main" xmlns:p15="http://schemas.microsoft.com/office/powerpoint/2012/main" xmlns:ahyp="http://schemas.microsoft.com/office/drawing/2018/hyperlinkcolor" matchingName="Caption">
+<p:sldLayout xmlns:a="http://schemas.openxmlformats.org/drawingml/2006/main" xmlns:r="http://schemas.openxmlformats.org/officeDocument/2006/relationships" xmlns:p="http://schemas.openxmlformats.org/presentationml/2006/main" matchingName="Caption">
   <p:cSld name="CAPTION_ONLY">
     <p:spTree>
       <p:nvGrpSpPr>
-        <p:cNvPr id="41" name="Shape 41"/>
+        <p:cNvPr id="1" name="Shape 41"/>
         <p:cNvGrpSpPr/>
         <p:nvPr/>
       </p:nvGrpSpPr>
@@ -4714,9 +4847,11 @@
       <p:sp>
         <p:nvSpPr>
           <p:cNvPr id="42" name="Google Shape;42;p10"/>
-          <p:cNvSpPr txBox="1"/>
+          <p:cNvSpPr txBox="1">
+            <a:spLocks noGrp="1"/>
+          </p:cNvSpPr>
           <p:nvPr>
-            <p:ph idx="1" type="body"/>
+            <p:ph type="body" idx="1"/>
           </p:nvPr>
         </p:nvSpPr>
         <p:spPr>
@@ -4729,11 +4864,11 @@
           </a:prstGeom>
         </p:spPr>
         <p:txBody>
-          <a:bodyPr anchorCtr="0" anchor="ctr" bIns="91425" lIns="91425" spcFirstLastPara="1" rIns="91425" wrap="square" tIns="91425">
+          <a:bodyPr spcFirstLastPara="1" wrap="square" lIns="91425" tIns="91425" rIns="91425" bIns="91425" anchor="ctr" anchorCtr="0">
             <a:normAutofit/>
           </a:bodyPr>
           <a:lstStyle>
-            <a:lvl1pPr indent="-228600" lvl="0" marL="457200">
+            <a:lvl1pPr marL="457200" lvl="0" indent="-228600">
               <a:lnSpc>
                 <a:spcPct val="100000"/>
               </a:lnSpc>
@@ -4748,15 +4883,19 @@
               <a:defRPr/>
             </a:lvl1pPr>
           </a:lstStyle>
-          <a:p/>
+          <a:p>
+            <a:endParaRPr/>
+          </a:p>
         </p:txBody>
       </p:sp>
       <p:sp>
         <p:nvSpPr>
           <p:cNvPr id="43" name="Google Shape;43;p10"/>
-          <p:cNvSpPr txBox="1"/>
+          <p:cNvSpPr txBox="1">
+            <a:spLocks noGrp="1"/>
+          </p:cNvSpPr>
           <p:nvPr>
-            <p:ph idx="12" type="sldNum"/>
+            <p:ph type="sldNum" idx="12"/>
           </p:nvPr>
         </p:nvSpPr>
         <p:spPr>
@@ -4769,7 +4908,7 @@
           </a:prstGeom>
         </p:spPr>
         <p:txBody>
-          <a:bodyPr anchorCtr="0" anchor="ctr" bIns="91425" lIns="91425" spcFirstLastPara="1" rIns="91425" wrap="square" tIns="91425">
+          <a:bodyPr spcFirstLastPara="1" wrap="square" lIns="91425" tIns="91425" rIns="91425" bIns="91425" anchor="ctr" anchorCtr="0">
             <a:normAutofit/>
           </a:bodyPr>
           <a:lstStyle>
@@ -4811,7 +4950,7 @@
             </a:lvl9pPr>
           </a:lstStyle>
           <a:p>
-            <a:pPr indent="0" lvl="0" marL="0" rtl="0" algn="r">
+            <a:pPr marL="0" lvl="0" indent="0" algn="r" rtl="0">
               <a:spcBef>
                 <a:spcPts val="0"/>
               </a:spcBef>
@@ -4837,18 +4976,19 @@
 </file>
 
 <file path=ppt/slideMasters/slideMaster1.xml><?xml version="1.0" encoding="utf-8"?>
-<p:sldMaster xmlns:a="http://schemas.openxmlformats.org/drawingml/2006/main" xmlns:r="http://schemas.openxmlformats.org/officeDocument/2006/relationships" xmlns:mc="http://schemas.openxmlformats.org/markup-compatibility/2006" xmlns:mv="urn:schemas-microsoft-com:mac:vml" xmlns:p="http://schemas.openxmlformats.org/presentationml/2006/main" xmlns:c="http://schemas.openxmlformats.org/drawingml/2006/chart" xmlns:dgm="http://schemas.openxmlformats.org/drawingml/2006/diagram" xmlns:o="urn:schemas-microsoft-com:office:office" xmlns:v="urn:schemas-microsoft-com:vml" xmlns:pvml="urn:schemas-microsoft-com:office:powerpoint" xmlns:com="http://schemas.openxmlformats.org/drawingml/2006/compatibility" xmlns:p14="http://schemas.microsoft.com/office/powerpoint/2010/main" xmlns:p15="http://schemas.microsoft.com/office/powerpoint/2012/main" xmlns:ahyp="http://schemas.microsoft.com/office/drawing/2018/hyperlinkcolor">
+<p:sldMaster xmlns:a="http://schemas.openxmlformats.org/drawingml/2006/main" xmlns:r="http://schemas.openxmlformats.org/officeDocument/2006/relationships" xmlns:p="http://schemas.openxmlformats.org/presentationml/2006/main">
   <p:cSld name="simple-dark-2">
     <p:bg>
       <p:bgPr>
         <a:solidFill>
           <a:schemeClr val="lt1"/>
         </a:solidFill>
+        <a:effectLst/>
       </p:bgPr>
     </p:bg>
     <p:spTree>
       <p:nvGrpSpPr>
-        <p:cNvPr id="5" name="Shape 5"/>
+        <p:cNvPr id="1" name="Shape 5"/>
         <p:cNvGrpSpPr/>
         <p:nvPr/>
       </p:nvGrpSpPr>
@@ -4863,7 +5003,9 @@
       <p:sp>
         <p:nvSpPr>
           <p:cNvPr id="6" name="Google Shape;6;p1"/>
-          <p:cNvSpPr txBox="1"/>
+          <p:cNvSpPr txBox="1">
+            <a:spLocks noGrp="1"/>
+          </p:cNvSpPr>
           <p:nvPr>
             <p:ph type="title"/>
           </p:nvPr>
@@ -4882,7 +5024,7 @@
           </a:ln>
         </p:spPr>
         <p:txBody>
-          <a:bodyPr anchorCtr="0" anchor="t" bIns="91425" lIns="91425" spcFirstLastPara="1" rIns="91425" wrap="square" tIns="91425">
+          <a:bodyPr spcFirstLastPara="1" wrap="square" lIns="91425" tIns="91425" rIns="91425" bIns="91425" anchor="t" anchorCtr="0">
             <a:normAutofit/>
           </a:bodyPr>
           <a:lstStyle>
@@ -5049,15 +5191,19 @@
               </a:defRPr>
             </a:lvl9pPr>
           </a:lstStyle>
-          <a:p/>
+          <a:p>
+            <a:endParaRPr/>
+          </a:p>
         </p:txBody>
       </p:sp>
       <p:sp>
         <p:nvSpPr>
           <p:cNvPr id="7" name="Google Shape;7;p1"/>
-          <p:cNvSpPr txBox="1"/>
+          <p:cNvSpPr txBox="1">
+            <a:spLocks noGrp="1"/>
+          </p:cNvSpPr>
           <p:nvPr>
-            <p:ph idx="1" type="body"/>
+            <p:ph type="body" idx="1"/>
           </p:nvPr>
         </p:nvSpPr>
         <p:spPr>
@@ -5074,11 +5220,11 @@
           </a:ln>
         </p:spPr>
         <p:txBody>
-          <a:bodyPr anchorCtr="0" anchor="t" bIns="91425" lIns="91425" spcFirstLastPara="1" rIns="91425" wrap="square" tIns="91425">
+          <a:bodyPr spcFirstLastPara="1" wrap="square" lIns="91425" tIns="91425" rIns="91425" bIns="91425" anchor="t" anchorCtr="0">
             <a:normAutofit/>
           </a:bodyPr>
           <a:lstStyle>
-            <a:lvl1pPr indent="-342900" lvl="0" marL="457200">
+            <a:lvl1pPr marL="457200" lvl="0" indent="-342900">
               <a:lnSpc>
                 <a:spcPct val="115000"/>
               </a:lnSpc>
@@ -5099,7 +5245,7 @@
                 </a:solidFill>
               </a:defRPr>
             </a:lvl1pPr>
-            <a:lvl2pPr indent="-317500" lvl="1" marL="914400">
+            <a:lvl2pPr marL="914400" lvl="1" indent="-317500">
               <a:lnSpc>
                 <a:spcPct val="115000"/>
               </a:lnSpc>
@@ -5120,7 +5266,7 @@
                 </a:solidFill>
               </a:defRPr>
             </a:lvl2pPr>
-            <a:lvl3pPr indent="-317500" lvl="2" marL="1371600">
+            <a:lvl3pPr marL="1371600" lvl="2" indent="-317500">
               <a:lnSpc>
                 <a:spcPct val="115000"/>
               </a:lnSpc>
@@ -5141,7 +5287,7 @@
                 </a:solidFill>
               </a:defRPr>
             </a:lvl3pPr>
-            <a:lvl4pPr indent="-317500" lvl="3" marL="1828800">
+            <a:lvl4pPr marL="1828800" lvl="3" indent="-317500">
               <a:lnSpc>
                 <a:spcPct val="115000"/>
               </a:lnSpc>
@@ -5162,7 +5308,7 @@
                 </a:solidFill>
               </a:defRPr>
             </a:lvl4pPr>
-            <a:lvl5pPr indent="-317500" lvl="4" marL="2286000">
+            <a:lvl5pPr marL="2286000" lvl="4" indent="-317500">
               <a:lnSpc>
                 <a:spcPct val="115000"/>
               </a:lnSpc>
@@ -5183,7 +5329,7 @@
                 </a:solidFill>
               </a:defRPr>
             </a:lvl5pPr>
-            <a:lvl6pPr indent="-317500" lvl="5" marL="2743200">
+            <a:lvl6pPr marL="2743200" lvl="5" indent="-317500">
               <a:lnSpc>
                 <a:spcPct val="115000"/>
               </a:lnSpc>
@@ -5204,7 +5350,7 @@
                 </a:solidFill>
               </a:defRPr>
             </a:lvl6pPr>
-            <a:lvl7pPr indent="-317500" lvl="6" marL="3200400">
+            <a:lvl7pPr marL="3200400" lvl="6" indent="-317500">
               <a:lnSpc>
                 <a:spcPct val="115000"/>
               </a:lnSpc>
@@ -5225,7 +5371,7 @@
                 </a:solidFill>
               </a:defRPr>
             </a:lvl7pPr>
-            <a:lvl8pPr indent="-317500" lvl="7" marL="3657600">
+            <a:lvl8pPr marL="3657600" lvl="7" indent="-317500">
               <a:lnSpc>
                 <a:spcPct val="115000"/>
               </a:lnSpc>
@@ -5246,7 +5392,7 @@
                 </a:solidFill>
               </a:defRPr>
             </a:lvl8pPr>
-            <a:lvl9pPr indent="-317500" lvl="8" marL="4114800">
+            <a:lvl9pPr marL="4114800" lvl="8" indent="-317500">
               <a:lnSpc>
                 <a:spcPct val="115000"/>
               </a:lnSpc>
@@ -5268,15 +5414,19 @@
               </a:defRPr>
             </a:lvl9pPr>
           </a:lstStyle>
-          <a:p/>
+          <a:p>
+            <a:endParaRPr/>
+          </a:p>
         </p:txBody>
       </p:sp>
       <p:sp>
         <p:nvSpPr>
           <p:cNvPr id="8" name="Google Shape;8;p1"/>
-          <p:cNvSpPr txBox="1"/>
+          <p:cNvSpPr txBox="1">
+            <a:spLocks noGrp="1"/>
+          </p:cNvSpPr>
           <p:nvPr>
-            <p:ph idx="12" type="sldNum"/>
+            <p:ph type="sldNum" idx="12"/>
           </p:nvPr>
         </p:nvSpPr>
         <p:spPr>
@@ -5293,7 +5443,7 @@
           </a:ln>
         </p:spPr>
         <p:txBody>
-          <a:bodyPr anchorCtr="0" anchor="ctr" bIns="91425" lIns="91425" spcFirstLastPara="1" rIns="91425" wrap="square" tIns="91425">
+          <a:bodyPr spcFirstLastPara="1" wrap="square" lIns="91425" tIns="91425" rIns="91425" bIns="91425" anchor="ctr" anchorCtr="0">
             <a:normAutofit/>
           </a:bodyPr>
           <a:lstStyle>
@@ -5371,7 +5521,7 @@
             </a:lvl9pPr>
           </a:lstStyle>
           <a:p>
-            <a:pPr indent="0" lvl="0" marL="0" rtl="0" algn="r">
+            <a:pPr marL="0" lvl="0" indent="0" algn="r" rtl="0">
               <a:spcBef>
                 <a:spcPts val="0"/>
               </a:spcBef>
@@ -5390,7 +5540,7 @@
       </p:sp>
     </p:spTree>
   </p:cSld>
-  <p:clrMap accent1="accent1" accent2="accent2" accent3="accent3" accent4="accent4" accent5="accent5" accent6="accent6" bg1="lt1" bg2="dk2" tx1="dk1" tx2="lt2" folHlink="folHlink" hlink="hlink"/>
+  <p:clrMap bg1="lt1" tx1="dk1" bg2="dk2" tx2="lt2" accent1="accent1" accent2="accent2" accent3="accent3" accent4="accent4" accent5="accent5" accent6="accent6" hlink="hlink" folHlink="folHlink"/>
   <p:sldLayoutIdLst>
     <p:sldLayoutId id="2147483648" r:id="rId1"/>
     <p:sldLayoutId id="2147483649" r:id="rId2"/>
@@ -5404,10 +5554,10 @@
     <p:sldLayoutId id="2147483657" r:id="rId10"/>
     <p:sldLayoutId id="2147483658" r:id="rId11"/>
   </p:sldLayoutIdLst>
-  <p:hf dt="0" ftr="0" hdr="0" sldNum="0"/>
+  <p:hf sldNum="0" hdr="0" ftr="0" dt="0"/>
   <p:txStyles>
     <p:titleStyle>
-      <a:defPPr lvl="0" marR="0" rtl="0" algn="l">
+      <a:defPPr marR="0" lvl="0" algn="l" rtl="0">
         <a:lnSpc>
           <a:spcPct val="100000"/>
         </a:lnSpc>
@@ -5418,7 +5568,7 @@
           <a:spcPts val="0"/>
         </a:spcAft>
       </a:defPPr>
-      <a:lvl1pPr lvl="0" marR="0" rtl="0" algn="l">
+      <a:lvl1pPr marR="0" lvl="0" algn="l" rtl="0">
         <a:lnSpc>
           <a:spcPct val="100000"/>
         </a:lnSpc>
@@ -5432,7 +5582,7 @@
           <a:srgbClr val="000000"/>
         </a:buClr>
         <a:buFont typeface="Arial"/>
-        <a:defRPr b="0" i="0" sz="1400" u="none" cap="none" strike="noStrike">
+        <a:defRPr sz="1400" b="0" i="0" u="none" strike="noStrike" cap="none">
           <a:solidFill>
             <a:srgbClr val="000000"/>
           </a:solidFill>
@@ -5442,7 +5592,7 @@
           <a:sym typeface="Arial"/>
         </a:defRPr>
       </a:lvl1pPr>
-      <a:lvl2pPr lvl="1" marR="0" rtl="0" algn="l">
+      <a:lvl2pPr marR="0" lvl="1" algn="l" rtl="0">
         <a:lnSpc>
           <a:spcPct val="100000"/>
         </a:lnSpc>
@@ -5456,7 +5606,7 @@
           <a:srgbClr val="000000"/>
         </a:buClr>
         <a:buFont typeface="Arial"/>
-        <a:defRPr b="0" i="0" sz="1400" u="none" cap="none" strike="noStrike">
+        <a:defRPr sz="1400" b="0" i="0" u="none" strike="noStrike" cap="none">
           <a:solidFill>
             <a:srgbClr val="000000"/>
           </a:solidFill>
@@ -5466,7 +5616,7 @@
           <a:sym typeface="Arial"/>
         </a:defRPr>
       </a:lvl2pPr>
-      <a:lvl3pPr lvl="2" marR="0" rtl="0" algn="l">
+      <a:lvl3pPr marR="0" lvl="2" algn="l" rtl="0">
         <a:lnSpc>
           <a:spcPct val="100000"/>
         </a:lnSpc>
@@ -5480,7 +5630,7 @@
           <a:srgbClr val="000000"/>
         </a:buClr>
         <a:buFont typeface="Arial"/>
-        <a:defRPr b="0" i="0" sz="1400" u="none" cap="none" strike="noStrike">
+        <a:defRPr sz="1400" b="0" i="0" u="none" strike="noStrike" cap="none">
           <a:solidFill>
             <a:srgbClr val="000000"/>
           </a:solidFill>
@@ -5490,7 +5640,7 @@
           <a:sym typeface="Arial"/>
         </a:defRPr>
       </a:lvl3pPr>
-      <a:lvl4pPr lvl="3" marR="0" rtl="0" algn="l">
+      <a:lvl4pPr marR="0" lvl="3" algn="l" rtl="0">
         <a:lnSpc>
           <a:spcPct val="100000"/>
         </a:lnSpc>
@@ -5504,7 +5654,7 @@
           <a:srgbClr val="000000"/>
         </a:buClr>
         <a:buFont typeface="Arial"/>
-        <a:defRPr b="0" i="0" sz="1400" u="none" cap="none" strike="noStrike">
+        <a:defRPr sz="1400" b="0" i="0" u="none" strike="noStrike" cap="none">
           <a:solidFill>
             <a:srgbClr val="000000"/>
           </a:solidFill>
@@ -5514,7 +5664,7 @@
           <a:sym typeface="Arial"/>
         </a:defRPr>
       </a:lvl4pPr>
-      <a:lvl5pPr lvl="4" marR="0" rtl="0" algn="l">
+      <a:lvl5pPr marR="0" lvl="4" algn="l" rtl="0">
         <a:lnSpc>
           <a:spcPct val="100000"/>
         </a:lnSpc>
@@ -5528,7 +5678,7 @@
           <a:srgbClr val="000000"/>
         </a:buClr>
         <a:buFont typeface="Arial"/>
-        <a:defRPr b="0" i="0" sz="1400" u="none" cap="none" strike="noStrike">
+        <a:defRPr sz="1400" b="0" i="0" u="none" strike="noStrike" cap="none">
           <a:solidFill>
             <a:srgbClr val="000000"/>
           </a:solidFill>
@@ -5538,7 +5688,7 @@
           <a:sym typeface="Arial"/>
         </a:defRPr>
       </a:lvl5pPr>
-      <a:lvl6pPr lvl="5" marR="0" rtl="0" algn="l">
+      <a:lvl6pPr marR="0" lvl="5" algn="l" rtl="0">
         <a:lnSpc>
           <a:spcPct val="100000"/>
         </a:lnSpc>
@@ -5552,7 +5702,7 @@
           <a:srgbClr val="000000"/>
         </a:buClr>
         <a:buFont typeface="Arial"/>
-        <a:defRPr b="0" i="0" sz="1400" u="none" cap="none" strike="noStrike">
+        <a:defRPr sz="1400" b="0" i="0" u="none" strike="noStrike" cap="none">
           <a:solidFill>
             <a:srgbClr val="000000"/>
           </a:solidFill>
@@ -5562,7 +5712,7 @@
           <a:sym typeface="Arial"/>
         </a:defRPr>
       </a:lvl6pPr>
-      <a:lvl7pPr lvl="6" marR="0" rtl="0" algn="l">
+      <a:lvl7pPr marR="0" lvl="6" algn="l" rtl="0">
         <a:lnSpc>
           <a:spcPct val="100000"/>
         </a:lnSpc>
@@ -5576,7 +5726,7 @@
           <a:srgbClr val="000000"/>
         </a:buClr>
         <a:buFont typeface="Arial"/>
-        <a:defRPr b="0" i="0" sz="1400" u="none" cap="none" strike="noStrike">
+        <a:defRPr sz="1400" b="0" i="0" u="none" strike="noStrike" cap="none">
           <a:solidFill>
             <a:srgbClr val="000000"/>
           </a:solidFill>
@@ -5586,7 +5736,7 @@
           <a:sym typeface="Arial"/>
         </a:defRPr>
       </a:lvl7pPr>
-      <a:lvl8pPr lvl="7" marR="0" rtl="0" algn="l">
+      <a:lvl8pPr marR="0" lvl="7" algn="l" rtl="0">
         <a:lnSpc>
           <a:spcPct val="100000"/>
         </a:lnSpc>
@@ -5600,7 +5750,7 @@
           <a:srgbClr val="000000"/>
         </a:buClr>
         <a:buFont typeface="Arial"/>
-        <a:defRPr b="0" i="0" sz="1400" u="none" cap="none" strike="noStrike">
+        <a:defRPr sz="1400" b="0" i="0" u="none" strike="noStrike" cap="none">
           <a:solidFill>
             <a:srgbClr val="000000"/>
           </a:solidFill>
@@ -5610,7 +5760,7 @@
           <a:sym typeface="Arial"/>
         </a:defRPr>
       </a:lvl8pPr>
-      <a:lvl9pPr lvl="8" marR="0" rtl="0" algn="l">
+      <a:lvl9pPr marR="0" lvl="8" algn="l" rtl="0">
         <a:lnSpc>
           <a:spcPct val="100000"/>
         </a:lnSpc>
@@ -5624,7 +5774,7 @@
           <a:srgbClr val="000000"/>
         </a:buClr>
         <a:buFont typeface="Arial"/>
-        <a:defRPr b="0" i="0" sz="1400" u="none" cap="none" strike="noStrike">
+        <a:defRPr sz="1400" b="0" i="0" u="none" strike="noStrike" cap="none">
           <a:solidFill>
             <a:srgbClr val="000000"/>
           </a:solidFill>
@@ -5636,7 +5786,7 @@
       </a:lvl9pPr>
     </p:titleStyle>
     <p:bodyStyle>
-      <a:defPPr lvl="0" marR="0" rtl="0" algn="l">
+      <a:defPPr marR="0" lvl="0" algn="l" rtl="0">
         <a:lnSpc>
           <a:spcPct val="100000"/>
         </a:lnSpc>
@@ -5647,7 +5797,7 @@
           <a:spcPts val="0"/>
         </a:spcAft>
       </a:defPPr>
-      <a:lvl1pPr lvl="0" marR="0" rtl="0" algn="l">
+      <a:lvl1pPr marR="0" lvl="0" algn="l" rtl="0">
         <a:lnSpc>
           <a:spcPct val="100000"/>
         </a:lnSpc>
@@ -5661,7 +5811,7 @@
           <a:srgbClr val="000000"/>
         </a:buClr>
         <a:buFont typeface="Arial"/>
-        <a:defRPr b="0" i="0" sz="1400" u="none" cap="none" strike="noStrike">
+        <a:defRPr sz="1400" b="0" i="0" u="none" strike="noStrike" cap="none">
           <a:solidFill>
             <a:srgbClr val="000000"/>
           </a:solidFill>
@@ -5671,7 +5821,7 @@
           <a:sym typeface="Arial"/>
         </a:defRPr>
       </a:lvl1pPr>
-      <a:lvl2pPr lvl="1" marR="0" rtl="0" algn="l">
+      <a:lvl2pPr marR="0" lvl="1" algn="l" rtl="0">
         <a:lnSpc>
           <a:spcPct val="100000"/>
         </a:lnSpc>
@@ -5685,7 +5835,7 @@
           <a:srgbClr val="000000"/>
         </a:buClr>
         <a:buFont typeface="Arial"/>
-        <a:defRPr b="0" i="0" sz="1400" u="none" cap="none" strike="noStrike">
+        <a:defRPr sz="1400" b="0" i="0" u="none" strike="noStrike" cap="none">
           <a:solidFill>
             <a:srgbClr val="000000"/>
           </a:solidFill>
@@ -5695,7 +5845,7 @@
           <a:sym typeface="Arial"/>
         </a:defRPr>
       </a:lvl2pPr>
-      <a:lvl3pPr lvl="2" marR="0" rtl="0" algn="l">
+      <a:lvl3pPr marR="0" lvl="2" algn="l" rtl="0">
         <a:lnSpc>
           <a:spcPct val="100000"/>
         </a:lnSpc>
@@ -5709,7 +5859,7 @@
           <a:srgbClr val="000000"/>
         </a:buClr>
         <a:buFont typeface="Arial"/>
-        <a:defRPr b="0" i="0" sz="1400" u="none" cap="none" strike="noStrike">
+        <a:defRPr sz="1400" b="0" i="0" u="none" strike="noStrike" cap="none">
           <a:solidFill>
             <a:srgbClr val="000000"/>
           </a:solidFill>
@@ -5719,7 +5869,7 @@
           <a:sym typeface="Arial"/>
         </a:defRPr>
       </a:lvl3pPr>
-      <a:lvl4pPr lvl="3" marR="0" rtl="0" algn="l">
+      <a:lvl4pPr marR="0" lvl="3" algn="l" rtl="0">
         <a:lnSpc>
           <a:spcPct val="100000"/>
         </a:lnSpc>
@@ -5733,7 +5883,7 @@
           <a:srgbClr val="000000"/>
         </a:buClr>
         <a:buFont typeface="Arial"/>
-        <a:defRPr b="0" i="0" sz="1400" u="none" cap="none" strike="noStrike">
+        <a:defRPr sz="1400" b="0" i="0" u="none" strike="noStrike" cap="none">
           <a:solidFill>
             <a:srgbClr val="000000"/>
           </a:solidFill>
@@ -5743,7 +5893,7 @@
           <a:sym typeface="Arial"/>
         </a:defRPr>
       </a:lvl4pPr>
-      <a:lvl5pPr lvl="4" marR="0" rtl="0" algn="l">
+      <a:lvl5pPr marR="0" lvl="4" algn="l" rtl="0">
         <a:lnSpc>
           <a:spcPct val="100000"/>
         </a:lnSpc>
@@ -5757,7 +5907,7 @@
           <a:srgbClr val="000000"/>
         </a:buClr>
         <a:buFont typeface="Arial"/>
-        <a:defRPr b="0" i="0" sz="1400" u="none" cap="none" strike="noStrike">
+        <a:defRPr sz="1400" b="0" i="0" u="none" strike="noStrike" cap="none">
           <a:solidFill>
             <a:srgbClr val="000000"/>
           </a:solidFill>
@@ -5767,7 +5917,7 @@
           <a:sym typeface="Arial"/>
         </a:defRPr>
       </a:lvl5pPr>
-      <a:lvl6pPr lvl="5" marR="0" rtl="0" algn="l">
+      <a:lvl6pPr marR="0" lvl="5" algn="l" rtl="0">
         <a:lnSpc>
           <a:spcPct val="100000"/>
         </a:lnSpc>
@@ -5781,7 +5931,7 @@
           <a:srgbClr val="000000"/>
         </a:buClr>
         <a:buFont typeface="Arial"/>
-        <a:defRPr b="0" i="0" sz="1400" u="none" cap="none" strike="noStrike">
+        <a:defRPr sz="1400" b="0" i="0" u="none" strike="noStrike" cap="none">
           <a:solidFill>
             <a:srgbClr val="000000"/>
           </a:solidFill>
@@ -5791,7 +5941,7 @@
           <a:sym typeface="Arial"/>
         </a:defRPr>
       </a:lvl6pPr>
-      <a:lvl7pPr lvl="6" marR="0" rtl="0" algn="l">
+      <a:lvl7pPr marR="0" lvl="6" algn="l" rtl="0">
         <a:lnSpc>
           <a:spcPct val="100000"/>
         </a:lnSpc>
@@ -5805,7 +5955,7 @@
           <a:srgbClr val="000000"/>
         </a:buClr>
         <a:buFont typeface="Arial"/>
-        <a:defRPr b="0" i="0" sz="1400" u="none" cap="none" strike="noStrike">
+        <a:defRPr sz="1400" b="0" i="0" u="none" strike="noStrike" cap="none">
           <a:solidFill>
             <a:srgbClr val="000000"/>
           </a:solidFill>
@@ -5815,7 +5965,7 @@
           <a:sym typeface="Arial"/>
         </a:defRPr>
       </a:lvl7pPr>
-      <a:lvl8pPr lvl="7" marR="0" rtl="0" algn="l">
+      <a:lvl8pPr marR="0" lvl="7" algn="l" rtl="0">
         <a:lnSpc>
           <a:spcPct val="100000"/>
         </a:lnSpc>
@@ -5829,7 +5979,7 @@
           <a:srgbClr val="000000"/>
         </a:buClr>
         <a:buFont typeface="Arial"/>
-        <a:defRPr b="0" i="0" sz="1400" u="none" cap="none" strike="noStrike">
+        <a:defRPr sz="1400" b="0" i="0" u="none" strike="noStrike" cap="none">
           <a:solidFill>
             <a:srgbClr val="000000"/>
           </a:solidFill>
@@ -5839,7 +5989,7 @@
           <a:sym typeface="Arial"/>
         </a:defRPr>
       </a:lvl8pPr>
-      <a:lvl9pPr lvl="8" marR="0" rtl="0" algn="l">
+      <a:lvl9pPr marR="0" lvl="8" algn="l" rtl="0">
         <a:lnSpc>
           <a:spcPct val="100000"/>
         </a:lnSpc>
@@ -5853,7 +6003,7 @@
           <a:srgbClr val="000000"/>
         </a:buClr>
         <a:buFont typeface="Arial"/>
-        <a:defRPr b="0" i="0" sz="1400" u="none" cap="none" strike="noStrike">
+        <a:defRPr sz="1400" b="0" i="0" u="none" strike="noStrike" cap="none">
           <a:solidFill>
             <a:srgbClr val="000000"/>
           </a:solidFill>
@@ -5865,7 +6015,7 @@
       </a:lvl9pPr>
     </p:bodyStyle>
     <p:otherStyle>
-      <a:defPPr lvl="0" marR="0" rtl="0" algn="l">
+      <a:defPPr marR="0" lvl="0" algn="l" rtl="0">
         <a:lnSpc>
           <a:spcPct val="100000"/>
         </a:lnSpc>
@@ -5876,7 +6026,7 @@
           <a:spcPts val="0"/>
         </a:spcAft>
       </a:defPPr>
-      <a:lvl1pPr lvl="0" marR="0" rtl="0" algn="l">
+      <a:lvl1pPr marR="0" lvl="0" algn="l" rtl="0">
         <a:lnSpc>
           <a:spcPct val="100000"/>
         </a:lnSpc>
@@ -5890,7 +6040,7 @@
           <a:srgbClr val="000000"/>
         </a:buClr>
         <a:buFont typeface="Arial"/>
-        <a:defRPr b="0" i="0" sz="1400" u="none" cap="none" strike="noStrike">
+        <a:defRPr sz="1400" b="0" i="0" u="none" strike="noStrike" cap="none">
           <a:solidFill>
             <a:srgbClr val="000000"/>
           </a:solidFill>
@@ -5900,7 +6050,7 @@
           <a:sym typeface="Arial"/>
         </a:defRPr>
       </a:lvl1pPr>
-      <a:lvl2pPr lvl="1" marR="0" rtl="0" algn="l">
+      <a:lvl2pPr marR="0" lvl="1" algn="l" rtl="0">
         <a:lnSpc>
           <a:spcPct val="100000"/>
         </a:lnSpc>
@@ -5914,7 +6064,7 @@
           <a:srgbClr val="000000"/>
         </a:buClr>
         <a:buFont typeface="Arial"/>
-        <a:defRPr b="0" i="0" sz="1400" u="none" cap="none" strike="noStrike">
+        <a:defRPr sz="1400" b="0" i="0" u="none" strike="noStrike" cap="none">
           <a:solidFill>
             <a:srgbClr val="000000"/>
           </a:solidFill>
@@ -5924,7 +6074,7 @@
           <a:sym typeface="Arial"/>
         </a:defRPr>
       </a:lvl2pPr>
-      <a:lvl3pPr lvl="2" marR="0" rtl="0" algn="l">
+      <a:lvl3pPr marR="0" lvl="2" algn="l" rtl="0">
         <a:lnSpc>
           <a:spcPct val="100000"/>
         </a:lnSpc>
@@ -5938,7 +6088,7 @@
           <a:srgbClr val="000000"/>
         </a:buClr>
         <a:buFont typeface="Arial"/>
-        <a:defRPr b="0" i="0" sz="1400" u="none" cap="none" strike="noStrike">
+        <a:defRPr sz="1400" b="0" i="0" u="none" strike="noStrike" cap="none">
           <a:solidFill>
             <a:srgbClr val="000000"/>
           </a:solidFill>
@@ -5948,7 +6098,7 @@
           <a:sym typeface="Arial"/>
         </a:defRPr>
       </a:lvl3pPr>
-      <a:lvl4pPr lvl="3" marR="0" rtl="0" algn="l">
+      <a:lvl4pPr marR="0" lvl="3" algn="l" rtl="0">
         <a:lnSpc>
           <a:spcPct val="100000"/>
         </a:lnSpc>
@@ -5962,7 +6112,7 @@
           <a:srgbClr val="000000"/>
         </a:buClr>
         <a:buFont typeface="Arial"/>
-        <a:defRPr b="0" i="0" sz="1400" u="none" cap="none" strike="noStrike">
+        <a:defRPr sz="1400" b="0" i="0" u="none" strike="noStrike" cap="none">
           <a:solidFill>
             <a:srgbClr val="000000"/>
           </a:solidFill>
@@ -5972,7 +6122,7 @@
           <a:sym typeface="Arial"/>
         </a:defRPr>
       </a:lvl4pPr>
-      <a:lvl5pPr lvl="4" marR="0" rtl="0" algn="l">
+      <a:lvl5pPr marR="0" lvl="4" algn="l" rtl="0">
         <a:lnSpc>
           <a:spcPct val="100000"/>
         </a:lnSpc>
@@ -5986,7 +6136,7 @@
           <a:srgbClr val="000000"/>
         </a:buClr>
         <a:buFont typeface="Arial"/>
-        <a:defRPr b="0" i="0" sz="1400" u="none" cap="none" strike="noStrike">
+        <a:defRPr sz="1400" b="0" i="0" u="none" strike="noStrike" cap="none">
           <a:solidFill>
             <a:srgbClr val="000000"/>
           </a:solidFill>
@@ -5996,7 +6146,7 @@
           <a:sym typeface="Arial"/>
         </a:defRPr>
       </a:lvl5pPr>
-      <a:lvl6pPr lvl="5" marR="0" rtl="0" algn="l">
+      <a:lvl6pPr marR="0" lvl="5" algn="l" rtl="0">
         <a:lnSpc>
           <a:spcPct val="100000"/>
         </a:lnSpc>
@@ -6010,7 +6160,7 @@
           <a:srgbClr val="000000"/>
         </a:buClr>
         <a:buFont typeface="Arial"/>
-        <a:defRPr b="0" i="0" sz="1400" u="none" cap="none" strike="noStrike">
+        <a:defRPr sz="1400" b="0" i="0" u="none" strike="noStrike" cap="none">
           <a:solidFill>
             <a:srgbClr val="000000"/>
           </a:solidFill>
@@ -6020,7 +6170,7 @@
           <a:sym typeface="Arial"/>
         </a:defRPr>
       </a:lvl6pPr>
-      <a:lvl7pPr lvl="6" marR="0" rtl="0" algn="l">
+      <a:lvl7pPr marR="0" lvl="6" algn="l" rtl="0">
         <a:lnSpc>
           <a:spcPct val="100000"/>
         </a:lnSpc>
@@ -6034,7 +6184,7 @@
           <a:srgbClr val="000000"/>
         </a:buClr>
         <a:buFont typeface="Arial"/>
-        <a:defRPr b="0" i="0" sz="1400" u="none" cap="none" strike="noStrike">
+        <a:defRPr sz="1400" b="0" i="0" u="none" strike="noStrike" cap="none">
           <a:solidFill>
             <a:srgbClr val="000000"/>
           </a:solidFill>
@@ -6044,7 +6194,7 @@
           <a:sym typeface="Arial"/>
         </a:defRPr>
       </a:lvl7pPr>
-      <a:lvl8pPr lvl="7" marR="0" rtl="0" algn="l">
+      <a:lvl8pPr marR="0" lvl="7" algn="l" rtl="0">
         <a:lnSpc>
           <a:spcPct val="100000"/>
         </a:lnSpc>
@@ -6058,7 +6208,7 @@
           <a:srgbClr val="000000"/>
         </a:buClr>
         <a:buFont typeface="Arial"/>
-        <a:defRPr b="0" i="0" sz="1400" u="none" cap="none" strike="noStrike">
+        <a:defRPr sz="1400" b="0" i="0" u="none" strike="noStrike" cap="none">
           <a:solidFill>
             <a:srgbClr val="000000"/>
           </a:solidFill>
@@ -6068,7 +6218,7 @@
           <a:sym typeface="Arial"/>
         </a:defRPr>
       </a:lvl8pPr>
-      <a:lvl9pPr lvl="8" marR="0" rtl="0" algn="l">
+      <a:lvl9pPr marR="0" lvl="8" algn="l" rtl="0">
         <a:lnSpc>
           <a:spcPct val="100000"/>
         </a:lnSpc>
@@ -6082,7 +6232,7 @@
           <a:srgbClr val="000000"/>
         </a:buClr>
         <a:buFont typeface="Arial"/>
-        <a:defRPr b="0" i="0" sz="1400" u="none" cap="none" strike="noStrike">
+        <a:defRPr sz="1400" b="0" i="0" u="none" strike="noStrike" cap="none">
           <a:solidFill>
             <a:srgbClr val="000000"/>
           </a:solidFill>
@@ -6098,11 +6248,11 @@
 </file>
 
 <file path=ppt/slides/slide1.xml><?xml version="1.0" encoding="utf-8"?>
-<p:sld xmlns:a="http://schemas.openxmlformats.org/drawingml/2006/main" xmlns:r="http://schemas.openxmlformats.org/officeDocument/2006/relationships" xmlns:mc="http://schemas.openxmlformats.org/markup-compatibility/2006" xmlns:mv="urn:schemas-microsoft-com:mac:vml" xmlns:p="http://schemas.openxmlformats.org/presentationml/2006/main" xmlns:c="http://schemas.openxmlformats.org/drawingml/2006/chart" xmlns:dgm="http://schemas.openxmlformats.org/drawingml/2006/diagram" xmlns:o="urn:schemas-microsoft-com:office:office" xmlns:v="urn:schemas-microsoft-com:vml" xmlns:pvml="urn:schemas-microsoft-com:office:powerpoint" xmlns:com="http://schemas.openxmlformats.org/drawingml/2006/compatibility" xmlns:p14="http://schemas.microsoft.com/office/powerpoint/2010/main" xmlns:p15="http://schemas.microsoft.com/office/powerpoint/2012/main" xmlns:ahyp="http://schemas.microsoft.com/office/drawing/2018/hyperlinkcolor">
+<p:sld xmlns:a="http://schemas.openxmlformats.org/drawingml/2006/main" xmlns:r="http://schemas.openxmlformats.org/officeDocument/2006/relationships" xmlns:p="http://schemas.openxmlformats.org/presentationml/2006/main">
   <p:cSld>
     <p:spTree>
       <p:nvGrpSpPr>
-        <p:cNvPr id="53" name="Shape 53"/>
+        <p:cNvPr id="1" name="Shape 53"/>
         <p:cNvGrpSpPr/>
         <p:nvPr/>
       </p:nvGrpSpPr>
@@ -6117,7 +6267,9 @@
       <p:sp>
         <p:nvSpPr>
           <p:cNvPr id="54" name="Google Shape;54;p13"/>
-          <p:cNvSpPr txBox="1"/>
+          <p:cNvSpPr txBox="1">
+            <a:spLocks noGrp="1"/>
+          </p:cNvSpPr>
           <p:nvPr>
             <p:ph type="ctrTitle"/>
           </p:nvPr>
@@ -6132,12 +6284,12 @@
           </a:prstGeom>
         </p:spPr>
         <p:txBody>
-          <a:bodyPr anchorCtr="0" anchor="ctr" bIns="91425" lIns="91425" spcFirstLastPara="1" rIns="91425" wrap="square" tIns="91425">
+          <a:bodyPr spcFirstLastPara="1" wrap="square" lIns="91425" tIns="91425" rIns="91425" bIns="91425" anchor="ctr" anchorCtr="0">
             <a:normAutofit/>
           </a:bodyPr>
           <a:lstStyle/>
           <a:p>
-            <a:pPr indent="0" lvl="0" marL="0" rtl="0" algn="ctr">
+            <a:pPr marL="0" lvl="0" indent="0" algn="ctr" rtl="0">
               <a:spcBef>
                 <a:spcPts val="0"/>
               </a:spcBef>
@@ -6154,20 +6306,58 @@
           </a:p>
         </p:txBody>
       </p:sp>
+      <p:pic>
+        <p:nvPicPr>
+          <p:cNvPr id="3" name="圖片 2">
+            <a:extLst>
+              <a:ext uri="{FF2B5EF4-FFF2-40B4-BE49-F238E27FC236}">
+                <a16:creationId xmlns:a16="http://schemas.microsoft.com/office/drawing/2014/main" id="{079A307E-15D9-9B75-1DC3-F41FF4352D3F}"/>
+              </a:ext>
+            </a:extLst>
+          </p:cNvPr>
+          <p:cNvPicPr>
+            <a:picLocks noChangeAspect="1"/>
+          </p:cNvPicPr>
+          <p:nvPr/>
+        </p:nvPicPr>
+        <p:blipFill>
+          <a:blip r:embed="rId3"/>
+          <a:stretch>
+            <a:fillRect/>
+          </a:stretch>
+        </p:blipFill>
+        <p:spPr>
+          <a:xfrm>
+            <a:off x="7782713" y="0"/>
+            <a:ext cx="1361287" cy="363189"/>
+          </a:xfrm>
+          <a:prstGeom prst="rect">
+            <a:avLst/>
+          </a:prstGeom>
+        </p:spPr>
+      </p:pic>
     </p:spTree>
   </p:cSld>
   <p:clrMapOvr>
     <a:masterClrMapping/>
   </p:clrMapOvr>
+  <mc:AlternateContent xmlns:mc="http://schemas.openxmlformats.org/markup-compatibility/2006">
+    <mc:Choice xmlns:p14="http://schemas.microsoft.com/office/powerpoint/2010/main" Requires="p14">
+      <p:transition spd="slow" p14:dur="2000" advTm="3785"/>
+    </mc:Choice>
+    <mc:Fallback>
+      <p:transition spd="slow" advTm="3785"/>
+    </mc:Fallback>
+  </mc:AlternateContent>
 </p:sld>
 </file>
 
 <file path=ppt/slides/slide2.xml><?xml version="1.0" encoding="utf-8"?>
-<p:sld xmlns:a="http://schemas.openxmlformats.org/drawingml/2006/main" xmlns:r="http://schemas.openxmlformats.org/officeDocument/2006/relationships" xmlns:mc="http://schemas.openxmlformats.org/markup-compatibility/2006" xmlns:mv="urn:schemas-microsoft-com:mac:vml" xmlns:p="http://schemas.openxmlformats.org/presentationml/2006/main" xmlns:c="http://schemas.openxmlformats.org/drawingml/2006/chart" xmlns:dgm="http://schemas.openxmlformats.org/drawingml/2006/diagram" xmlns:o="urn:schemas-microsoft-com:office:office" xmlns:v="urn:schemas-microsoft-com:vml" xmlns:pvml="urn:schemas-microsoft-com:office:powerpoint" xmlns:com="http://schemas.openxmlformats.org/drawingml/2006/compatibility" xmlns:p14="http://schemas.microsoft.com/office/powerpoint/2010/main" xmlns:p15="http://schemas.microsoft.com/office/powerpoint/2012/main" xmlns:ahyp="http://schemas.microsoft.com/office/drawing/2018/hyperlinkcolor">
+<p:sld xmlns:a="http://schemas.openxmlformats.org/drawingml/2006/main" xmlns:r="http://schemas.openxmlformats.org/officeDocument/2006/relationships" xmlns:p="http://schemas.openxmlformats.org/presentationml/2006/main">
   <p:cSld>
     <p:spTree>
       <p:nvGrpSpPr>
-        <p:cNvPr id="58" name="Shape 58"/>
+        <p:cNvPr id="1" name="Shape 58"/>
         <p:cNvGrpSpPr/>
         <p:nvPr/>
       </p:nvGrpSpPr>
@@ -6227,12 +6417,12 @@
           </a:ln>
         </p:spPr>
         <p:txBody>
-          <a:bodyPr anchorCtr="0" anchor="t" bIns="91425" lIns="91425" spcFirstLastPara="1" rIns="91425" wrap="square" tIns="91425">
+          <a:bodyPr spcFirstLastPara="1" wrap="square" lIns="91425" tIns="91425" rIns="91425" bIns="91425" anchor="t" anchorCtr="0">
             <a:spAutoFit/>
           </a:bodyPr>
           <a:lstStyle/>
           <a:p>
-            <a:pPr indent="0" lvl="0" marL="0" rtl="0" algn="ctr">
+            <a:pPr marL="0" lvl="0" indent="0" algn="ctr" rtl="0">
               <a:spcBef>
                 <a:spcPts val="0"/>
               </a:spcBef>
@@ -6262,6 +6452,36 @@
           </a:p>
         </p:txBody>
       </p:sp>
+      <p:pic>
+        <p:nvPicPr>
+          <p:cNvPr id="2" name="圖片 1">
+            <a:extLst>
+              <a:ext uri="{FF2B5EF4-FFF2-40B4-BE49-F238E27FC236}">
+                <a16:creationId xmlns:a16="http://schemas.microsoft.com/office/drawing/2014/main" id="{D95479E7-9A00-3189-E418-D0E617DA6154}"/>
+              </a:ext>
+            </a:extLst>
+          </p:cNvPr>
+          <p:cNvPicPr>
+            <a:picLocks noChangeAspect="1"/>
+          </p:cNvPicPr>
+          <p:nvPr/>
+        </p:nvPicPr>
+        <p:blipFill>
+          <a:blip r:embed="rId5"/>
+          <a:stretch>
+            <a:fillRect/>
+          </a:stretch>
+        </p:blipFill>
+        <p:spPr>
+          <a:xfrm>
+            <a:off x="7782713" y="0"/>
+            <a:ext cx="1361287" cy="363189"/>
+          </a:xfrm>
+          <a:prstGeom prst="rect">
+            <a:avLst/>
+          </a:prstGeom>
+        </p:spPr>
+      </p:pic>
     </p:spTree>
   </p:cSld>
   <p:clrMapOvr>
@@ -6271,11 +6491,11 @@
 </file>
 
 <file path=ppt/slides/slide3.xml><?xml version="1.0" encoding="utf-8"?>
-<p:sld xmlns:a="http://schemas.openxmlformats.org/drawingml/2006/main" xmlns:r="http://schemas.openxmlformats.org/officeDocument/2006/relationships" xmlns:mc="http://schemas.openxmlformats.org/markup-compatibility/2006" xmlns:mv="urn:schemas-microsoft-com:mac:vml" xmlns:p="http://schemas.openxmlformats.org/presentationml/2006/main" xmlns:c="http://schemas.openxmlformats.org/drawingml/2006/chart" xmlns:dgm="http://schemas.openxmlformats.org/drawingml/2006/diagram" xmlns:o="urn:schemas-microsoft-com:office:office" xmlns:v="urn:schemas-microsoft-com:vml" xmlns:pvml="urn:schemas-microsoft-com:office:powerpoint" xmlns:com="http://schemas.openxmlformats.org/drawingml/2006/compatibility" xmlns:p14="http://schemas.microsoft.com/office/powerpoint/2010/main" xmlns:p15="http://schemas.microsoft.com/office/powerpoint/2012/main" xmlns:ahyp="http://schemas.microsoft.com/office/drawing/2018/hyperlinkcolor">
+<p:sld xmlns:a="http://schemas.openxmlformats.org/drawingml/2006/main" xmlns:r="http://schemas.openxmlformats.org/officeDocument/2006/relationships" xmlns:p="http://schemas.openxmlformats.org/presentationml/2006/main">
   <p:cSld>
     <p:spTree>
       <p:nvGrpSpPr>
-        <p:cNvPr id="64" name="Shape 64"/>
+        <p:cNvPr id="1" name="Shape 64"/>
         <p:cNvGrpSpPr/>
         <p:nvPr/>
       </p:nvGrpSpPr>
@@ -6290,7 +6510,9 @@
       <p:sp>
         <p:nvSpPr>
           <p:cNvPr id="65" name="Google Shape;65;p15"/>
-          <p:cNvSpPr txBox="1"/>
+          <p:cNvSpPr txBox="1">
+            <a:spLocks noGrp="1"/>
+          </p:cNvSpPr>
           <p:nvPr>
             <p:ph type="title"/>
           </p:nvPr>
@@ -6305,12 +6527,12 @@
           </a:prstGeom>
         </p:spPr>
         <p:txBody>
-          <a:bodyPr anchorCtr="0" anchor="t" bIns="91425" lIns="91425" spcFirstLastPara="1" rIns="91425" wrap="square" tIns="91425">
+          <a:bodyPr spcFirstLastPara="1" wrap="square" lIns="91425" tIns="91425" rIns="91425" bIns="91425" anchor="t" anchorCtr="0">
             <a:normAutofit fontScale="90000"/>
           </a:bodyPr>
           <a:lstStyle/>
           <a:p>
-            <a:pPr indent="0" lvl="0" marL="0" rtl="0" algn="l">
+            <a:pPr marL="0" lvl="0" indent="0" algn="l" rtl="0">
               <a:spcBef>
                 <a:spcPts val="0"/>
               </a:spcBef>
@@ -6330,9 +6552,11 @@
       <p:sp>
         <p:nvSpPr>
           <p:cNvPr id="66" name="Google Shape;66;p15"/>
-          <p:cNvSpPr txBox="1"/>
+          <p:cNvSpPr txBox="1">
+            <a:spLocks noGrp="1"/>
+          </p:cNvSpPr>
           <p:nvPr>
-            <p:ph idx="1" type="body"/>
+            <p:ph type="body" idx="1"/>
           </p:nvPr>
         </p:nvSpPr>
         <p:spPr>
@@ -6345,12 +6569,12 @@
           </a:prstGeom>
         </p:spPr>
         <p:txBody>
-          <a:bodyPr anchorCtr="0" anchor="t" bIns="91425" lIns="91425" spcFirstLastPara="1" rIns="91425" wrap="square" tIns="91425">
+          <a:bodyPr spcFirstLastPara="1" wrap="square" lIns="91425" tIns="91425" rIns="91425" bIns="91425" anchor="t" anchorCtr="0">
             <a:normAutofit/>
           </a:bodyPr>
           <a:lstStyle/>
           <a:p>
-            <a:pPr indent="-342900" lvl="0" marL="457200" rtl="0" algn="l">
+            <a:pPr marL="457200" lvl="0" indent="-342900" algn="l" rtl="0">
               <a:lnSpc>
                 <a:spcPct val="150000"/>
               </a:lnSpc>
@@ -6372,15 +6596,7 @@
                   <a:schemeClr val="dk1"/>
                 </a:solidFill>
               </a:rPr>
-              <a:t>語音處理（</a:t>
-            </a:r>
-            <a:r>
-              <a:rPr lang="zh-TW">
-                <a:solidFill>
-                  <a:schemeClr val="dk1"/>
-                </a:solidFill>
-              </a:rPr>
-              <a:t>Speech Processing）</a:t>
+              <a:t>語音處理（Speech Processing）</a:t>
             </a:r>
             <a:endParaRPr>
               <a:solidFill>
@@ -6389,7 +6605,7 @@
             </a:endParaRPr>
           </a:p>
           <a:p>
-            <a:pPr indent="-317500" lvl="1" marL="914400" rtl="0" algn="l">
+            <a:pPr marL="914400" lvl="1" indent="-317500" algn="l" rtl="0">
               <a:lnSpc>
                 <a:spcPct val="150000"/>
               </a:lnSpc>
@@ -6427,7 +6643,7 @@
             </a:endParaRPr>
           </a:p>
           <a:p>
-            <a:pPr indent="-342900" lvl="0" marL="457200" rtl="0" algn="l">
+            <a:pPr marL="457200" lvl="0" indent="-342900" algn="l" rtl="0">
               <a:lnSpc>
                 <a:spcPct val="150000"/>
               </a:lnSpc>
@@ -6458,7 +6674,7 @@
             </a:endParaRPr>
           </a:p>
           <a:p>
-            <a:pPr indent="-317500" lvl="1" marL="914400" rtl="0" algn="l">
+            <a:pPr marL="914400" lvl="1" indent="-317500" algn="l" rtl="0">
               <a:lnSpc>
                 <a:spcPct val="150000"/>
               </a:lnSpc>
@@ -6489,7 +6705,7 @@
             </a:endParaRPr>
           </a:p>
           <a:p>
-            <a:pPr indent="-317500" lvl="1" marL="914400" rtl="0" algn="l">
+            <a:pPr marL="914400" lvl="1" indent="-317500" algn="l" rtl="0">
               <a:lnSpc>
                 <a:spcPct val="150000"/>
               </a:lnSpc>
@@ -6527,7 +6743,7 @@
             </a:endParaRPr>
           </a:p>
           <a:p>
-            <a:pPr indent="-342900" lvl="0" marL="457200" rtl="0" algn="l">
+            <a:pPr marL="457200" lvl="0" indent="-342900" algn="l" rtl="0">
               <a:lnSpc>
                 <a:spcPct val="150000"/>
               </a:lnSpc>
@@ -6558,7 +6774,7 @@
             </a:endParaRPr>
           </a:p>
           <a:p>
-            <a:pPr indent="-317500" lvl="1" marL="914400" rtl="0" algn="l">
+            <a:pPr marL="914400" lvl="1" indent="-317500" algn="l" rtl="0">
               <a:lnSpc>
                 <a:spcPct val="150000"/>
               </a:lnSpc>
@@ -6771,30 +6987,30 @@
           </a:xfrm>
           <a:prstGeom prst="rightArrow">
             <a:avLst>
-              <a:gd fmla="val 50000" name="adj1"/>
-              <a:gd fmla="val 50000" name="adj2"/>
+              <a:gd name="adj1" fmla="val 50000"/>
+              <a:gd name="adj2" fmla="val 50000"/>
             </a:avLst>
           </a:prstGeom>
           <a:solidFill>
             <a:schemeClr val="dk1"/>
           </a:solidFill>
-          <a:ln cap="flat" cmpd="sng" w="9525">
+          <a:ln w="9525" cap="flat" cmpd="sng">
             <a:solidFill>
               <a:schemeClr val="dk2"/>
             </a:solidFill>
             <a:prstDash val="solid"/>
             <a:round/>
-            <a:headEnd len="sm" w="sm" type="none"/>
-            <a:tailEnd len="sm" w="sm" type="none"/>
+            <a:headEnd type="none" w="sm" len="sm"/>
+            <a:tailEnd type="none" w="sm" len="sm"/>
           </a:ln>
         </p:spPr>
         <p:txBody>
-          <a:bodyPr anchorCtr="0" anchor="ctr" bIns="91425" lIns="91425" spcFirstLastPara="1" rIns="91425" wrap="square" tIns="91425">
+          <a:bodyPr spcFirstLastPara="1" wrap="square" lIns="91425" tIns="91425" rIns="91425" bIns="91425" anchor="ctr" anchorCtr="0">
             <a:noAutofit/>
           </a:bodyPr>
           <a:lstStyle/>
           <a:p>
-            <a:pPr indent="0" lvl="0" marL="0" rtl="0" algn="l">
+            <a:pPr marL="0" lvl="0" indent="0" algn="l" rtl="0">
               <a:spcBef>
                 <a:spcPts val="0"/>
               </a:spcBef>
@@ -6803,9 +7019,6 @@
               </a:spcAft>
               <a:buNone/>
             </a:pPr>
-            <a:r>
-              <a:t/>
-            </a:r>
             <a:endParaRPr/>
           </a:p>
         </p:txBody>
@@ -6823,30 +7036,30 @@
           </a:xfrm>
           <a:prstGeom prst="rightArrow">
             <a:avLst>
-              <a:gd fmla="val 50000" name="adj1"/>
-              <a:gd fmla="val 50000" name="adj2"/>
+              <a:gd name="adj1" fmla="val 50000"/>
+              <a:gd name="adj2" fmla="val 50000"/>
             </a:avLst>
           </a:prstGeom>
           <a:solidFill>
             <a:schemeClr val="dk1"/>
           </a:solidFill>
-          <a:ln cap="flat" cmpd="sng" w="9525">
+          <a:ln w="9525" cap="flat" cmpd="sng">
             <a:solidFill>
               <a:schemeClr val="dk2"/>
             </a:solidFill>
             <a:prstDash val="solid"/>
             <a:round/>
-            <a:headEnd len="sm" w="sm" type="none"/>
-            <a:tailEnd len="sm" w="sm" type="none"/>
+            <a:headEnd type="none" w="sm" len="sm"/>
+            <a:tailEnd type="none" w="sm" len="sm"/>
           </a:ln>
         </p:spPr>
         <p:txBody>
-          <a:bodyPr anchorCtr="0" anchor="ctr" bIns="91425" lIns="91425" spcFirstLastPara="1" rIns="91425" wrap="square" tIns="91425">
+          <a:bodyPr spcFirstLastPara="1" wrap="square" lIns="91425" tIns="91425" rIns="91425" bIns="91425" anchor="ctr" anchorCtr="0">
             <a:noAutofit/>
           </a:bodyPr>
           <a:lstStyle/>
           <a:p>
-            <a:pPr indent="0" lvl="0" marL="0" rtl="0" algn="l">
+            <a:pPr marL="0" lvl="0" indent="0" algn="l" rtl="0">
               <a:spcBef>
                 <a:spcPts val="0"/>
               </a:spcBef>
@@ -6855,9 +7068,6 @@
               </a:spcAft>
               <a:buNone/>
             </a:pPr>
-            <a:r>
-              <a:t/>
-            </a:r>
             <a:endParaRPr/>
           </a:p>
         </p:txBody>
@@ -6875,30 +7085,30 @@
           </a:xfrm>
           <a:prstGeom prst="rightArrow">
             <a:avLst>
-              <a:gd fmla="val 50000" name="adj1"/>
-              <a:gd fmla="val 50000" name="adj2"/>
+              <a:gd name="adj1" fmla="val 50000"/>
+              <a:gd name="adj2" fmla="val 50000"/>
             </a:avLst>
           </a:prstGeom>
           <a:solidFill>
             <a:schemeClr val="dk1"/>
           </a:solidFill>
-          <a:ln cap="flat" cmpd="sng" w="9525">
+          <a:ln w="9525" cap="flat" cmpd="sng">
             <a:solidFill>
               <a:schemeClr val="dk2"/>
             </a:solidFill>
             <a:prstDash val="solid"/>
             <a:round/>
-            <a:headEnd len="sm" w="sm" type="none"/>
-            <a:tailEnd len="sm" w="sm" type="none"/>
+            <a:headEnd type="none" w="sm" len="sm"/>
+            <a:tailEnd type="none" w="sm" len="sm"/>
           </a:ln>
         </p:spPr>
         <p:txBody>
-          <a:bodyPr anchorCtr="0" anchor="ctr" bIns="91425" lIns="91425" spcFirstLastPara="1" rIns="91425" wrap="square" tIns="91425">
+          <a:bodyPr spcFirstLastPara="1" wrap="square" lIns="91425" tIns="91425" rIns="91425" bIns="91425" anchor="ctr" anchorCtr="0">
             <a:noAutofit/>
           </a:bodyPr>
           <a:lstStyle/>
           <a:p>
-            <a:pPr indent="0" lvl="0" marL="0" rtl="0" algn="l">
+            <a:pPr marL="0" lvl="0" indent="0" algn="l" rtl="0">
               <a:spcBef>
                 <a:spcPts val="0"/>
               </a:spcBef>
@@ -6907,13 +7117,40 @@
               </a:spcAft>
               <a:buNone/>
             </a:pPr>
-            <a:r>
-              <a:t/>
-            </a:r>
             <a:endParaRPr/>
           </a:p>
         </p:txBody>
       </p:sp>
+      <p:pic>
+        <p:nvPicPr>
+          <p:cNvPr id="2" name="圖片 1">
+            <a:extLst>
+              <a:ext uri="{FF2B5EF4-FFF2-40B4-BE49-F238E27FC236}">
+                <a16:creationId xmlns:a16="http://schemas.microsoft.com/office/drawing/2014/main" id="{B7FF8ABE-3392-C80E-0C76-A2E6E7E54A39}"/>
+              </a:ext>
+            </a:extLst>
+          </p:cNvPr>
+          <p:cNvPicPr>
+            <a:picLocks noChangeAspect="1"/>
+          </p:cNvPicPr>
+          <p:nvPr/>
+        </p:nvPicPr>
+        <p:blipFill>
+          <a:blip r:embed="rId6"/>
+          <a:stretch>
+            <a:fillRect/>
+          </a:stretch>
+        </p:blipFill>
+        <p:spPr>
+          <a:xfrm>
+            <a:off x="7782713" y="0"/>
+            <a:ext cx="1361287" cy="363189"/>
+          </a:xfrm>
+          <a:prstGeom prst="rect">
+            <a:avLst/>
+          </a:prstGeom>
+        </p:spPr>
+      </p:pic>
     </p:spTree>
   </p:cSld>
   <p:clrMapOvr>
@@ -6923,11 +7160,11 @@
 </file>
 
 <file path=ppt/slides/slide4.xml><?xml version="1.0" encoding="utf-8"?>
-<p:sld xmlns:a="http://schemas.openxmlformats.org/drawingml/2006/main" xmlns:r="http://schemas.openxmlformats.org/officeDocument/2006/relationships" xmlns:mc="http://schemas.openxmlformats.org/markup-compatibility/2006" xmlns:mv="urn:schemas-microsoft-com:mac:vml" xmlns:p="http://schemas.openxmlformats.org/presentationml/2006/main" xmlns:c="http://schemas.openxmlformats.org/drawingml/2006/chart" xmlns:dgm="http://schemas.openxmlformats.org/drawingml/2006/diagram" xmlns:o="urn:schemas-microsoft-com:office:office" xmlns:v="urn:schemas-microsoft-com:vml" xmlns:pvml="urn:schemas-microsoft-com:office:powerpoint" xmlns:com="http://schemas.openxmlformats.org/drawingml/2006/compatibility" xmlns:p14="http://schemas.microsoft.com/office/powerpoint/2010/main" xmlns:p15="http://schemas.microsoft.com/office/powerpoint/2012/main" xmlns:ahyp="http://schemas.microsoft.com/office/drawing/2018/hyperlinkcolor">
+<p:sld xmlns:a="http://schemas.openxmlformats.org/drawingml/2006/main" xmlns:r="http://schemas.openxmlformats.org/officeDocument/2006/relationships" xmlns:p="http://schemas.openxmlformats.org/presentationml/2006/main">
   <p:cSld>
     <p:spTree>
       <p:nvGrpSpPr>
-        <p:cNvPr id="79" name="Shape 79"/>
+        <p:cNvPr id="1" name="Shape 79"/>
         <p:cNvGrpSpPr/>
         <p:nvPr/>
       </p:nvGrpSpPr>
@@ -6942,7 +7179,9 @@
       <p:sp>
         <p:nvSpPr>
           <p:cNvPr id="80" name="Google Shape;80;p16"/>
-          <p:cNvSpPr txBox="1"/>
+          <p:cNvSpPr txBox="1">
+            <a:spLocks noGrp="1"/>
+          </p:cNvSpPr>
           <p:nvPr>
             <p:ph type="title"/>
           </p:nvPr>
@@ -6957,12 +7196,12 @@
           </a:prstGeom>
         </p:spPr>
         <p:txBody>
-          <a:bodyPr anchorCtr="0" anchor="t" bIns="91425" lIns="91425" spcFirstLastPara="1" rIns="91425" wrap="square" tIns="91425">
+          <a:bodyPr spcFirstLastPara="1" wrap="square" lIns="91425" tIns="91425" rIns="91425" bIns="91425" anchor="t" anchorCtr="0">
             <a:normAutofit/>
           </a:bodyPr>
           <a:lstStyle/>
           <a:p>
-            <a:pPr indent="0" lvl="0" marL="0" rtl="0" algn="l">
+            <a:pPr marL="0" lvl="0" indent="0" algn="l" rtl="0">
               <a:spcBef>
                 <a:spcPts val="0"/>
               </a:spcBef>
@@ -6973,11 +7212,7 @@
             </a:pPr>
             <a:r>
               <a:rPr lang="zh-TW" sz="2500"/>
-              <a:t>文字轉語音系統 - </a:t>
-            </a:r>
-            <a:r>
-              <a:rPr lang="zh-TW" sz="2500"/>
-              <a:t>Text-to-Speech (TTS)</a:t>
+              <a:t>文字轉語音系統 - Text-to-Speech (TTS)</a:t>
             </a:r>
             <a:endParaRPr sz="2500"/>
           </a:p>
@@ -6986,9 +7221,11 @@
       <p:sp>
         <p:nvSpPr>
           <p:cNvPr id="81" name="Google Shape;81;p16"/>
-          <p:cNvSpPr txBox="1"/>
+          <p:cNvSpPr txBox="1">
+            <a:spLocks noGrp="1"/>
+          </p:cNvSpPr>
           <p:nvPr>
-            <p:ph idx="1" type="body"/>
+            <p:ph type="body" idx="1"/>
           </p:nvPr>
         </p:nvSpPr>
         <p:spPr>
@@ -7001,12 +7238,12 @@
           </a:prstGeom>
         </p:spPr>
         <p:txBody>
-          <a:bodyPr anchorCtr="0" anchor="t" bIns="91425" lIns="91425" spcFirstLastPara="1" rIns="91425" wrap="square" tIns="91425">
-            <a:normAutofit fontScale="92500" lnSpcReduction="20000"/>
+          <a:bodyPr spcFirstLastPara="1" wrap="square" lIns="91425" tIns="91425" rIns="91425" bIns="91425" anchor="t" anchorCtr="0">
+            <a:normAutofit fontScale="85000" lnSpcReduction="20000"/>
           </a:bodyPr>
           <a:lstStyle/>
           <a:p>
-            <a:pPr indent="-322580" lvl="0" marL="457200" rtl="0" algn="l">
+            <a:pPr marL="457200" lvl="0" indent="-322580" algn="l" rtl="0">
               <a:lnSpc>
                 <a:spcPct val="150000"/>
               </a:lnSpc>
@@ -7044,7 +7281,7 @@
             </a:endParaRPr>
           </a:p>
           <a:p>
-            <a:pPr indent="-322580" lvl="0" marL="457200" rtl="0" algn="l">
+            <a:pPr marL="457200" lvl="0" indent="-322580" algn="l" rtl="0">
               <a:lnSpc>
                 <a:spcPct val="150000"/>
               </a:lnSpc>
@@ -7075,7 +7312,7 @@
             </a:endParaRPr>
           </a:p>
           <a:p>
-            <a:pPr indent="-322580" lvl="1" marL="914400" rtl="0" algn="l">
+            <a:pPr marL="914400" lvl="1" indent="-322580" algn="l" rtl="0">
               <a:lnSpc>
                 <a:spcPct val="150000"/>
               </a:lnSpc>
@@ -7113,7 +7350,7 @@
             </a:endParaRPr>
           </a:p>
           <a:p>
-            <a:pPr indent="-322580" lvl="0" marL="457200" rtl="0" algn="l">
+            <a:pPr marL="457200" lvl="0" indent="-322580" algn="l" rtl="0">
               <a:lnSpc>
                 <a:spcPct val="150000"/>
               </a:lnSpc>
@@ -7151,7 +7388,7 @@
             </a:endParaRPr>
           </a:p>
           <a:p>
-            <a:pPr indent="-322580" lvl="0" marL="457200" rtl="0" algn="l">
+            <a:pPr marL="457200" lvl="0" indent="-322580" algn="l" rtl="0">
               <a:lnSpc>
                 <a:spcPct val="150000"/>
               </a:lnSpc>
@@ -7182,7 +7419,7 @@
             </a:endParaRPr>
           </a:p>
           <a:p>
-            <a:pPr indent="-322580" lvl="1" marL="914400" rtl="0" algn="l">
+            <a:pPr marL="914400" lvl="1" indent="-322580" algn="l" rtl="0">
               <a:lnSpc>
                 <a:spcPct val="150000"/>
               </a:lnSpc>
@@ -7220,7 +7457,7 @@
             </a:endParaRPr>
           </a:p>
           <a:p>
-            <a:pPr indent="-322580" lvl="0" marL="457200" rtl="0" algn="l">
+            <a:pPr marL="457200" lvl="0" indent="-322580" algn="l" rtl="0">
               <a:lnSpc>
                 <a:spcPct val="150000"/>
               </a:lnSpc>
@@ -7251,7 +7488,7 @@
             </a:endParaRPr>
           </a:p>
           <a:p>
-            <a:pPr indent="-322580" lvl="1" marL="914400" rtl="0" algn="l">
+            <a:pPr marL="914400" lvl="1" indent="-322580" algn="l" rtl="0">
               <a:lnSpc>
                 <a:spcPct val="150000"/>
               </a:lnSpc>
@@ -7311,6 +7548,36 @@
           </a:ln>
         </p:spPr>
       </p:pic>
+      <p:pic>
+        <p:nvPicPr>
+          <p:cNvPr id="2" name="圖片 1">
+            <a:extLst>
+              <a:ext uri="{FF2B5EF4-FFF2-40B4-BE49-F238E27FC236}">
+                <a16:creationId xmlns:a16="http://schemas.microsoft.com/office/drawing/2014/main" id="{51632BF6-30FB-E550-65B8-FBE38D018C8D}"/>
+              </a:ext>
+            </a:extLst>
+          </p:cNvPr>
+          <p:cNvPicPr>
+            <a:picLocks noChangeAspect="1"/>
+          </p:cNvPicPr>
+          <p:nvPr/>
+        </p:nvPicPr>
+        <p:blipFill>
+          <a:blip r:embed="rId4"/>
+          <a:stretch>
+            <a:fillRect/>
+          </a:stretch>
+        </p:blipFill>
+        <p:spPr>
+          <a:xfrm>
+            <a:off x="7782713" y="0"/>
+            <a:ext cx="1361287" cy="363189"/>
+          </a:xfrm>
+          <a:prstGeom prst="rect">
+            <a:avLst/>
+          </a:prstGeom>
+        </p:spPr>
+      </p:pic>
     </p:spTree>
   </p:cSld>
   <p:clrMapOvr>
@@ -7320,11 +7587,11 @@
 </file>
 
 <file path=ppt/slides/slide5.xml><?xml version="1.0" encoding="utf-8"?>
-<p:sld xmlns:a="http://schemas.openxmlformats.org/drawingml/2006/main" xmlns:r="http://schemas.openxmlformats.org/officeDocument/2006/relationships" xmlns:mc="http://schemas.openxmlformats.org/markup-compatibility/2006" xmlns:mv="urn:schemas-microsoft-com:mac:vml" xmlns:p="http://schemas.openxmlformats.org/presentationml/2006/main" xmlns:c="http://schemas.openxmlformats.org/drawingml/2006/chart" xmlns:dgm="http://schemas.openxmlformats.org/drawingml/2006/diagram" xmlns:o="urn:schemas-microsoft-com:office:office" xmlns:v="urn:schemas-microsoft-com:vml" xmlns:pvml="urn:schemas-microsoft-com:office:powerpoint" xmlns:com="http://schemas.openxmlformats.org/drawingml/2006/compatibility" xmlns:p14="http://schemas.microsoft.com/office/powerpoint/2010/main" xmlns:p15="http://schemas.microsoft.com/office/powerpoint/2012/main" xmlns:ahyp="http://schemas.microsoft.com/office/drawing/2018/hyperlinkcolor">
+<p:sld xmlns:a="http://schemas.openxmlformats.org/drawingml/2006/main" xmlns:r="http://schemas.openxmlformats.org/officeDocument/2006/relationships" xmlns:p="http://schemas.openxmlformats.org/presentationml/2006/main">
   <p:cSld>
     <p:spTree>
       <p:nvGrpSpPr>
-        <p:cNvPr id="86" name="Shape 86"/>
+        <p:cNvPr id="1" name="Shape 86"/>
         <p:cNvGrpSpPr/>
         <p:nvPr/>
       </p:nvGrpSpPr>
@@ -7339,7 +7606,9 @@
       <p:sp>
         <p:nvSpPr>
           <p:cNvPr id="87" name="Google Shape;87;p17"/>
-          <p:cNvSpPr txBox="1"/>
+          <p:cNvSpPr txBox="1">
+            <a:spLocks noGrp="1"/>
+          </p:cNvSpPr>
           <p:nvPr>
             <p:ph type="title"/>
           </p:nvPr>
@@ -7354,12 +7623,12 @@
           </a:prstGeom>
         </p:spPr>
         <p:txBody>
-          <a:bodyPr anchorCtr="0" anchor="t" bIns="91425" lIns="91425" spcFirstLastPara="1" rIns="91425" wrap="square" tIns="91425">
+          <a:bodyPr spcFirstLastPara="1" wrap="square" lIns="91425" tIns="91425" rIns="91425" bIns="91425" anchor="t" anchorCtr="0">
             <a:normAutofit fontScale="90000"/>
           </a:bodyPr>
           <a:lstStyle/>
           <a:p>
-            <a:pPr indent="0" lvl="0" marL="0" rtl="0" algn="l">
+            <a:pPr marL="0" lvl="0" indent="0" algn="l" rtl="0">
               <a:spcBef>
                 <a:spcPts val="0"/>
               </a:spcBef>
@@ -7379,9 +7648,11 @@
       <p:sp>
         <p:nvSpPr>
           <p:cNvPr id="88" name="Google Shape;88;p17"/>
-          <p:cNvSpPr txBox="1"/>
+          <p:cNvSpPr txBox="1">
+            <a:spLocks noGrp="1"/>
+          </p:cNvSpPr>
           <p:nvPr>
-            <p:ph idx="1" type="body"/>
+            <p:ph type="body" idx="1"/>
           </p:nvPr>
         </p:nvSpPr>
         <p:spPr>
@@ -7394,12 +7665,12 @@
           </a:prstGeom>
         </p:spPr>
         <p:txBody>
-          <a:bodyPr anchorCtr="0" anchor="t" bIns="91425" lIns="91425" spcFirstLastPara="1" rIns="91425" wrap="square" tIns="91425">
-            <a:normAutofit/>
+          <a:bodyPr spcFirstLastPara="1" wrap="square" lIns="91425" tIns="91425" rIns="91425" bIns="91425" anchor="t" anchorCtr="0">
+            <a:normAutofit lnSpcReduction="10000"/>
           </a:bodyPr>
           <a:lstStyle/>
           <a:p>
-            <a:pPr indent="-330200" lvl="0" marL="457200" rtl="0" algn="l">
+            <a:pPr marL="457200" lvl="0" indent="-330200" algn="l" rtl="0">
               <a:lnSpc>
                 <a:spcPct val="150000"/>
               </a:lnSpc>
@@ -7430,7 +7701,7 @@
             </a:endParaRPr>
           </a:p>
           <a:p>
-            <a:pPr indent="-330200" lvl="1" marL="914400" rtl="0" algn="l">
+            <a:pPr marL="914400" lvl="1" indent="-330200" algn="l" rtl="0">
               <a:lnSpc>
                 <a:spcPct val="150000"/>
               </a:lnSpc>
@@ -7461,7 +7732,7 @@
             </a:endParaRPr>
           </a:p>
           <a:p>
-            <a:pPr indent="-330200" lvl="1" marL="914400" rtl="0" algn="l">
+            <a:pPr marL="914400" lvl="1" indent="-330200" algn="l" rtl="0">
               <a:lnSpc>
                 <a:spcPct val="150000"/>
               </a:lnSpc>
@@ -7492,7 +7763,7 @@
             </a:endParaRPr>
           </a:p>
           <a:p>
-            <a:pPr indent="-330200" lvl="1" marL="914400" rtl="0" algn="l">
+            <a:pPr marL="914400" lvl="1" indent="-330200" algn="l" rtl="0">
               <a:lnSpc>
                 <a:spcPct val="150000"/>
               </a:lnSpc>
@@ -7523,7 +7794,7 @@
             </a:endParaRPr>
           </a:p>
           <a:p>
-            <a:pPr indent="-330200" lvl="0" marL="457200" rtl="0" algn="l">
+            <a:pPr marL="457200" lvl="0" indent="-330200" algn="l" rtl="0">
               <a:lnSpc>
                 <a:spcPct val="150000"/>
               </a:lnSpc>
@@ -7554,7 +7825,7 @@
             </a:endParaRPr>
           </a:p>
           <a:p>
-            <a:pPr indent="-330200" lvl="1" marL="914400" rtl="0" algn="l">
+            <a:pPr marL="914400" lvl="1" indent="-330200" algn="l" rtl="0">
               <a:lnSpc>
                 <a:spcPct val="150000"/>
               </a:lnSpc>
@@ -7585,7 +7856,7 @@
             </a:endParaRPr>
           </a:p>
           <a:p>
-            <a:pPr indent="-330200" lvl="0" marL="457200" rtl="0" algn="l">
+            <a:pPr marL="457200" lvl="0" indent="-330200" algn="l" rtl="0">
               <a:lnSpc>
                 <a:spcPct val="150000"/>
               </a:lnSpc>
@@ -7616,7 +7887,7 @@
             </a:endParaRPr>
           </a:p>
           <a:p>
-            <a:pPr indent="-330200" lvl="1" marL="914400" rtl="0" algn="l">
+            <a:pPr marL="914400" lvl="1" indent="-330200" algn="l" rtl="0">
               <a:lnSpc>
                 <a:spcPct val="150000"/>
               </a:lnSpc>
@@ -7647,7 +7918,7 @@
             </a:endParaRPr>
           </a:p>
           <a:p>
-            <a:pPr indent="-330200" lvl="1" marL="914400" rtl="0" algn="l">
+            <a:pPr marL="914400" lvl="1" indent="-330200" algn="l" rtl="0">
               <a:lnSpc>
                 <a:spcPct val="150000"/>
               </a:lnSpc>
@@ -7678,7 +7949,7 @@
             </a:endParaRPr>
           </a:p>
           <a:p>
-            <a:pPr indent="-330200" lvl="1" marL="914400" rtl="0" algn="l">
+            <a:pPr marL="914400" lvl="1" indent="-330200" algn="l" rtl="0">
               <a:lnSpc>
                 <a:spcPct val="150000"/>
               </a:lnSpc>
@@ -7709,7 +7980,7 @@
             </a:endParaRPr>
           </a:p>
           <a:p>
-            <a:pPr indent="0" lvl="0" marL="0" rtl="0" algn="l">
+            <a:pPr marL="0" lvl="0" indent="0" algn="l" rtl="0">
               <a:lnSpc>
                 <a:spcPct val="115000"/>
               </a:lnSpc>
@@ -7736,7 +8007,7 @@
             </a:endParaRPr>
           </a:p>
           <a:p>
-            <a:pPr indent="0" lvl="0" marL="0" rtl="0" algn="ctr">
+            <a:pPr marL="0" lvl="0" indent="0" algn="ctr" rtl="0">
               <a:lnSpc>
                 <a:spcPct val="150000"/>
               </a:lnSpc>
@@ -7812,12 +8083,12 @@
           </a:ln>
         </p:spPr>
         <p:txBody>
-          <a:bodyPr anchorCtr="0" anchor="t" bIns="91425" lIns="91425" spcFirstLastPara="1" rIns="91425" wrap="square" tIns="91425">
+          <a:bodyPr spcFirstLastPara="1" wrap="square" lIns="91425" tIns="91425" rIns="91425" bIns="91425" anchor="t" anchorCtr="0">
             <a:spAutoFit/>
           </a:bodyPr>
           <a:lstStyle/>
           <a:p>
-            <a:pPr indent="0" lvl="0" marL="0" rtl="0" algn="ctr">
+            <a:pPr marL="0" lvl="0" indent="0" algn="ctr" rtl="0">
               <a:lnSpc>
                 <a:spcPct val="150000"/>
               </a:lnSpc>
@@ -7845,6 +8116,36 @@
           </a:p>
         </p:txBody>
       </p:sp>
+      <p:pic>
+        <p:nvPicPr>
+          <p:cNvPr id="2" name="圖片 1">
+            <a:extLst>
+              <a:ext uri="{FF2B5EF4-FFF2-40B4-BE49-F238E27FC236}">
+                <a16:creationId xmlns:a16="http://schemas.microsoft.com/office/drawing/2014/main" id="{CD5D3831-A9F8-821A-ACE5-C4B7C6B77CB7}"/>
+              </a:ext>
+            </a:extLst>
+          </p:cNvPr>
+          <p:cNvPicPr>
+            <a:picLocks noChangeAspect="1"/>
+          </p:cNvPicPr>
+          <p:nvPr/>
+        </p:nvPicPr>
+        <p:blipFill>
+          <a:blip r:embed="rId4"/>
+          <a:stretch>
+            <a:fillRect/>
+          </a:stretch>
+        </p:blipFill>
+        <p:spPr>
+          <a:xfrm>
+            <a:off x="7782713" y="0"/>
+            <a:ext cx="1361287" cy="363189"/>
+          </a:xfrm>
+          <a:prstGeom prst="rect">
+            <a:avLst/>
+          </a:prstGeom>
+        </p:spPr>
+      </p:pic>
     </p:spTree>
   </p:cSld>
   <p:clrMapOvr>
@@ -7854,11 +8155,11 @@
 </file>
 
 <file path=ppt/slides/slide6.xml><?xml version="1.0" encoding="utf-8"?>
-<p:sld xmlns:a="http://schemas.openxmlformats.org/drawingml/2006/main" xmlns:r="http://schemas.openxmlformats.org/officeDocument/2006/relationships" xmlns:mc="http://schemas.openxmlformats.org/markup-compatibility/2006" xmlns:mv="urn:schemas-microsoft-com:mac:vml" xmlns:p="http://schemas.openxmlformats.org/presentationml/2006/main" xmlns:c="http://schemas.openxmlformats.org/drawingml/2006/chart" xmlns:dgm="http://schemas.openxmlformats.org/drawingml/2006/diagram" xmlns:o="urn:schemas-microsoft-com:office:office" xmlns:v="urn:schemas-microsoft-com:vml" xmlns:pvml="urn:schemas-microsoft-com:office:powerpoint" xmlns:com="http://schemas.openxmlformats.org/drawingml/2006/compatibility" xmlns:p14="http://schemas.microsoft.com/office/powerpoint/2010/main" xmlns:p15="http://schemas.microsoft.com/office/powerpoint/2012/main" xmlns:ahyp="http://schemas.microsoft.com/office/drawing/2018/hyperlinkcolor">
+<p:sld xmlns:a="http://schemas.openxmlformats.org/drawingml/2006/main" xmlns:r="http://schemas.openxmlformats.org/officeDocument/2006/relationships" xmlns:p="http://schemas.openxmlformats.org/presentationml/2006/main">
   <p:cSld>
     <p:spTree>
       <p:nvGrpSpPr>
-        <p:cNvPr id="94" name="Shape 94"/>
+        <p:cNvPr id="1" name="Shape 94"/>
         <p:cNvGrpSpPr/>
         <p:nvPr/>
       </p:nvGrpSpPr>
@@ -7873,7 +8174,9 @@
       <p:sp>
         <p:nvSpPr>
           <p:cNvPr id="95" name="Google Shape;95;p18"/>
-          <p:cNvSpPr txBox="1"/>
+          <p:cNvSpPr txBox="1">
+            <a:spLocks noGrp="1"/>
+          </p:cNvSpPr>
           <p:nvPr>
             <p:ph type="title"/>
           </p:nvPr>
@@ -7888,12 +8191,12 @@
           </a:prstGeom>
         </p:spPr>
         <p:txBody>
-          <a:bodyPr anchorCtr="0" anchor="t" bIns="91425" lIns="91425" spcFirstLastPara="1" rIns="91425" wrap="square" tIns="91425">
+          <a:bodyPr spcFirstLastPara="1" wrap="square" lIns="91425" tIns="91425" rIns="91425" bIns="91425" anchor="t" anchorCtr="0">
             <a:normAutofit fontScale="90000"/>
           </a:bodyPr>
           <a:lstStyle/>
           <a:p>
-            <a:pPr indent="0" lvl="0" marL="0" rtl="0" algn="l">
+            <a:pPr marL="0" lvl="0" indent="0" algn="l" rtl="0">
               <a:spcBef>
                 <a:spcPts val="0"/>
               </a:spcBef>
@@ -7913,9 +8216,11 @@
       <p:sp>
         <p:nvSpPr>
           <p:cNvPr id="96" name="Google Shape;96;p18"/>
-          <p:cNvSpPr txBox="1"/>
+          <p:cNvSpPr txBox="1">
+            <a:spLocks noGrp="1"/>
+          </p:cNvSpPr>
           <p:nvPr>
-            <p:ph idx="1" type="body"/>
+            <p:ph type="body" idx="1"/>
           </p:nvPr>
         </p:nvSpPr>
         <p:spPr>
@@ -7928,12 +8233,12 @@
           </a:prstGeom>
         </p:spPr>
         <p:txBody>
-          <a:bodyPr anchorCtr="0" anchor="ctr" bIns="91425" lIns="91425" spcFirstLastPara="1" rIns="91425" wrap="square" tIns="91425">
+          <a:bodyPr spcFirstLastPara="1" wrap="square" lIns="91425" tIns="91425" rIns="91425" bIns="91425" anchor="ctr" anchorCtr="0">
             <a:normAutofit/>
           </a:bodyPr>
           <a:lstStyle/>
           <a:p>
-            <a:pPr indent="0" lvl="0" marL="0" rtl="0" algn="ctr">
+            <a:pPr marL="0" lvl="0" indent="0" algn="ctr" rtl="0">
               <a:spcBef>
                 <a:spcPts val="0"/>
               </a:spcBef>
@@ -7975,23 +8280,23 @@
           <a:solidFill>
             <a:schemeClr val="dk1"/>
           </a:solidFill>
-          <a:ln cap="flat" cmpd="sng" w="9525">
+          <a:ln w="9525" cap="flat" cmpd="sng">
             <a:solidFill>
               <a:schemeClr val="dk2"/>
             </a:solidFill>
             <a:prstDash val="solid"/>
             <a:round/>
-            <a:headEnd len="sm" w="sm" type="none"/>
-            <a:tailEnd len="sm" w="sm" type="none"/>
+            <a:headEnd type="none" w="sm" len="sm"/>
+            <a:tailEnd type="none" w="sm" len="sm"/>
           </a:ln>
         </p:spPr>
         <p:txBody>
-          <a:bodyPr anchorCtr="0" anchor="ctr" bIns="91425" lIns="91425" spcFirstLastPara="1" rIns="91425" wrap="square" tIns="91425">
+          <a:bodyPr spcFirstLastPara="1" wrap="square" lIns="91425" tIns="91425" rIns="91425" bIns="91425" anchor="ctr" anchorCtr="0">
             <a:noAutofit/>
           </a:bodyPr>
           <a:lstStyle/>
           <a:p>
-            <a:pPr indent="0" lvl="0" marL="0" rtl="0" algn="l">
+            <a:pPr marL="0" lvl="0" indent="0" algn="l" rtl="0">
               <a:spcBef>
                 <a:spcPts val="0"/>
               </a:spcBef>
@@ -8000,9 +8305,6 @@
               </a:spcAft>
               <a:buNone/>
             </a:pPr>
-            <a:r>
-              <a:t/>
-            </a:r>
             <a:endParaRPr>
               <a:highlight>
                 <a:schemeClr val="dk1"/>
@@ -8059,12 +8361,12 @@
           </a:ln>
         </p:spPr>
         <p:txBody>
-          <a:bodyPr anchorCtr="0" anchor="t" bIns="91425" lIns="91425" spcFirstLastPara="1" rIns="91425" wrap="square" tIns="91425">
+          <a:bodyPr spcFirstLastPara="1" wrap="square" lIns="91425" tIns="91425" rIns="91425" bIns="91425" anchor="t" anchorCtr="0">
             <a:spAutoFit/>
           </a:bodyPr>
           <a:lstStyle/>
           <a:p>
-            <a:pPr indent="0" lvl="0" marL="0" rtl="0" algn="ctr">
+            <a:pPr marL="0" lvl="0" indent="0" algn="ctr" rtl="0">
               <a:lnSpc>
                 <a:spcPct val="115000"/>
               </a:lnSpc>
@@ -8109,23 +8411,23 @@
           <a:solidFill>
             <a:schemeClr val="dk1"/>
           </a:solidFill>
-          <a:ln cap="flat" cmpd="sng" w="9525">
+          <a:ln w="9525" cap="flat" cmpd="sng">
             <a:solidFill>
               <a:schemeClr val="dk2"/>
             </a:solidFill>
             <a:prstDash val="solid"/>
             <a:round/>
-            <a:headEnd len="sm" w="sm" type="none"/>
-            <a:tailEnd len="sm" w="sm" type="none"/>
+            <a:headEnd type="none" w="sm" len="sm"/>
+            <a:tailEnd type="none" w="sm" len="sm"/>
           </a:ln>
         </p:spPr>
         <p:txBody>
-          <a:bodyPr anchorCtr="0" anchor="ctr" bIns="91425" lIns="91425" spcFirstLastPara="1" rIns="91425" wrap="square" tIns="91425">
+          <a:bodyPr spcFirstLastPara="1" wrap="square" lIns="91425" tIns="91425" rIns="91425" bIns="91425" anchor="ctr" anchorCtr="0">
             <a:noAutofit/>
           </a:bodyPr>
           <a:lstStyle/>
           <a:p>
-            <a:pPr indent="0" lvl="0" marL="0" rtl="0" algn="l">
+            <a:pPr marL="0" lvl="0" indent="0" algn="l" rtl="0">
               <a:spcBef>
                 <a:spcPts val="0"/>
               </a:spcBef>
@@ -8134,9 +8436,6 @@
               </a:spcAft>
               <a:buNone/>
             </a:pPr>
-            <a:r>
-              <a:t/>
-            </a:r>
             <a:endParaRPr>
               <a:highlight>
                 <a:schemeClr val="dk1"/>
@@ -8165,12 +8464,12 @@
           </a:ln>
         </p:spPr>
         <p:txBody>
-          <a:bodyPr anchorCtr="0" anchor="t" bIns="91425" lIns="91425" spcFirstLastPara="1" rIns="91425" wrap="square" tIns="91425">
+          <a:bodyPr spcFirstLastPara="1" wrap="square" lIns="91425" tIns="91425" rIns="91425" bIns="91425" anchor="t" anchorCtr="0">
             <a:spAutoFit/>
           </a:bodyPr>
           <a:lstStyle/>
           <a:p>
-            <a:pPr indent="0" lvl="0" marL="0" rtl="0" algn="ctr">
+            <a:pPr marL="0" lvl="0" indent="0" algn="ctr" rtl="0">
               <a:spcBef>
                 <a:spcPts val="0"/>
               </a:spcBef>
@@ -8225,7 +8524,7 @@
           <a:blip r:embed="rId5">
             <a:alphaModFix/>
           </a:blip>
-          <a:srcRect b="0" l="0" r="60455" t="0"/>
+          <a:srcRect r="60455"/>
           <a:stretch/>
         </p:blipFill>
         <p:spPr>
@@ -8280,7 +8579,7 @@
           <a:blip r:embed="rId5">
             <a:alphaModFix/>
           </a:blip>
-          <a:srcRect b="0" l="60455" r="0" t="0"/>
+          <a:srcRect l="60455"/>
           <a:stretch/>
         </p:blipFill>
         <p:spPr>
@@ -8297,6 +8596,36 @@
           </a:ln>
         </p:spPr>
       </p:pic>
+      <p:pic>
+        <p:nvPicPr>
+          <p:cNvPr id="2" name="圖片 1">
+            <a:extLst>
+              <a:ext uri="{FF2B5EF4-FFF2-40B4-BE49-F238E27FC236}">
+                <a16:creationId xmlns:a16="http://schemas.microsoft.com/office/drawing/2014/main" id="{747763A6-8C8D-8872-67F2-59898B13B02B}"/>
+              </a:ext>
+            </a:extLst>
+          </p:cNvPr>
+          <p:cNvPicPr>
+            <a:picLocks noChangeAspect="1"/>
+          </p:cNvPicPr>
+          <p:nvPr/>
+        </p:nvPicPr>
+        <p:blipFill>
+          <a:blip r:embed="rId7"/>
+          <a:stretch>
+            <a:fillRect/>
+          </a:stretch>
+        </p:blipFill>
+        <p:spPr>
+          <a:xfrm>
+            <a:off x="7782713" y="0"/>
+            <a:ext cx="1361287" cy="363189"/>
+          </a:xfrm>
+          <a:prstGeom prst="rect">
+            <a:avLst/>
+          </a:prstGeom>
+        </p:spPr>
+      </p:pic>
     </p:spTree>
   </p:cSld>
   <p:clrMapOvr>
@@ -8306,11 +8635,11 @@
 </file>
 
 <file path=ppt/slides/slide7.xml><?xml version="1.0" encoding="utf-8"?>
-<p:sld xmlns:a="http://schemas.openxmlformats.org/drawingml/2006/main" xmlns:r="http://schemas.openxmlformats.org/officeDocument/2006/relationships" xmlns:mc="http://schemas.openxmlformats.org/markup-compatibility/2006" xmlns:mv="urn:schemas-microsoft-com:mac:vml" xmlns:p="http://schemas.openxmlformats.org/presentationml/2006/main" xmlns:c="http://schemas.openxmlformats.org/drawingml/2006/chart" xmlns:dgm="http://schemas.openxmlformats.org/drawingml/2006/diagram" xmlns:o="urn:schemas-microsoft-com:office:office" xmlns:v="urn:schemas-microsoft-com:vml" xmlns:pvml="urn:schemas-microsoft-com:office:powerpoint" xmlns:com="http://schemas.openxmlformats.org/drawingml/2006/compatibility" xmlns:p14="http://schemas.microsoft.com/office/powerpoint/2010/main" xmlns:p15="http://schemas.microsoft.com/office/powerpoint/2012/main" xmlns:ahyp="http://schemas.microsoft.com/office/drawing/2018/hyperlinkcolor">
+<p:sld xmlns:a="http://schemas.openxmlformats.org/drawingml/2006/main" xmlns:r="http://schemas.openxmlformats.org/officeDocument/2006/relationships" xmlns:p="http://schemas.openxmlformats.org/presentationml/2006/main">
   <p:cSld>
     <p:spTree>
       <p:nvGrpSpPr>
-        <p:cNvPr id="109" name="Shape 109"/>
+        <p:cNvPr id="1" name="Shape 109"/>
         <p:cNvGrpSpPr/>
         <p:nvPr/>
       </p:nvGrpSpPr>
@@ -8325,7 +8654,9 @@
       <p:sp>
         <p:nvSpPr>
           <p:cNvPr id="110" name="Google Shape;110;p19"/>
-          <p:cNvSpPr txBox="1"/>
+          <p:cNvSpPr txBox="1">
+            <a:spLocks noGrp="1"/>
+          </p:cNvSpPr>
           <p:nvPr>
             <p:ph type="title"/>
           </p:nvPr>
@@ -8340,12 +8671,12 @@
           </a:prstGeom>
         </p:spPr>
         <p:txBody>
-          <a:bodyPr anchorCtr="0" anchor="t" bIns="91425" lIns="91425" spcFirstLastPara="1" rIns="91425" wrap="square" tIns="91425">
+          <a:bodyPr spcFirstLastPara="1" wrap="square" lIns="91425" tIns="91425" rIns="91425" bIns="91425" anchor="t" anchorCtr="0">
             <a:normAutofit fontScale="90000"/>
           </a:bodyPr>
           <a:lstStyle/>
           <a:p>
-            <a:pPr indent="0" lvl="0" marL="0" rtl="0" algn="l">
+            <a:pPr marL="0" lvl="0" indent="0" algn="l" rtl="0">
               <a:spcBef>
                 <a:spcPts val="0"/>
               </a:spcBef>
@@ -8365,9 +8696,11 @@
       <p:sp>
         <p:nvSpPr>
           <p:cNvPr id="111" name="Google Shape;111;p19"/>
-          <p:cNvSpPr txBox="1"/>
+          <p:cNvSpPr txBox="1">
+            <a:spLocks noGrp="1"/>
+          </p:cNvSpPr>
           <p:nvPr>
-            <p:ph idx="1" type="body"/>
+            <p:ph type="body" idx="1"/>
           </p:nvPr>
         </p:nvSpPr>
         <p:spPr>
@@ -8380,12 +8713,12 @@
           </a:prstGeom>
         </p:spPr>
         <p:txBody>
-          <a:bodyPr anchorCtr="0" anchor="t" bIns="91425" lIns="91425" spcFirstLastPara="1" rIns="91425" wrap="square" tIns="91425">
-            <a:normAutofit/>
+          <a:bodyPr spcFirstLastPara="1" wrap="square" lIns="91425" tIns="91425" rIns="91425" bIns="91425" anchor="t" anchorCtr="0">
+            <a:normAutofit lnSpcReduction="10000"/>
           </a:bodyPr>
           <a:lstStyle/>
           <a:p>
-            <a:pPr indent="-298450" lvl="0" marL="457200" rtl="0" algn="l">
+            <a:pPr marL="457200" lvl="0" indent="-298450" algn="l" rtl="0">
               <a:lnSpc>
                 <a:spcPct val="150000"/>
               </a:lnSpc>
@@ -8410,7 +8743,7 @@
             <a:endParaRPr sz="1100"/>
           </a:p>
           <a:p>
-            <a:pPr indent="-298450" lvl="0" marL="457200" rtl="0" algn="l">
+            <a:pPr marL="457200" lvl="0" indent="-298450" algn="l" rtl="0">
               <a:lnSpc>
                 <a:spcPct val="150000"/>
               </a:lnSpc>
@@ -8430,7 +8763,7 @@
             <a:endParaRPr sz="1100"/>
           </a:p>
           <a:p>
-            <a:pPr indent="-298450" lvl="1" marL="914400" rtl="0" algn="l">
+            <a:pPr marL="914400" lvl="1" indent="-298450" algn="l" rtl="0">
               <a:lnSpc>
                 <a:spcPct val="150000"/>
               </a:lnSpc>
@@ -8459,7 +8792,7 @@
             <a:endParaRPr sz="1100"/>
           </a:p>
           <a:p>
-            <a:pPr indent="-298450" lvl="1" marL="914400" rtl="0" algn="l">
+            <a:pPr marL="914400" lvl="1" indent="-298450" algn="l" rtl="0">
               <a:lnSpc>
                 <a:spcPct val="150000"/>
               </a:lnSpc>
@@ -8488,7 +8821,7 @@
             <a:endParaRPr sz="1100"/>
           </a:p>
           <a:p>
-            <a:pPr indent="-298450" lvl="1" marL="914400" rtl="0" algn="l">
+            <a:pPr marL="914400" lvl="1" indent="-298450" algn="l" rtl="0">
               <a:lnSpc>
                 <a:spcPct val="150000"/>
               </a:lnSpc>
@@ -8517,7 +8850,7 @@
             <a:endParaRPr sz="1100"/>
           </a:p>
           <a:p>
-            <a:pPr indent="-298450" lvl="0" marL="457200" rtl="0" algn="l">
+            <a:pPr marL="457200" lvl="0" indent="-298450" algn="l" rtl="0">
               <a:lnSpc>
                 <a:spcPct val="150000"/>
               </a:lnSpc>
@@ -8537,7 +8870,7 @@
             <a:endParaRPr sz="1100"/>
           </a:p>
           <a:p>
-            <a:pPr indent="-298450" lvl="1" marL="914400" rtl="0" algn="l">
+            <a:pPr marL="914400" lvl="1" indent="-298450" algn="l" rtl="0">
               <a:lnSpc>
                 <a:spcPct val="150000"/>
               </a:lnSpc>
@@ -8566,7 +8899,7 @@
             <a:endParaRPr sz="1100"/>
           </a:p>
           <a:p>
-            <a:pPr indent="-298450" lvl="1" marL="914400" rtl="0" algn="l">
+            <a:pPr marL="914400" lvl="1" indent="-298450" algn="l" rtl="0">
               <a:lnSpc>
                 <a:spcPct val="150000"/>
               </a:lnSpc>
@@ -8595,7 +8928,7 @@
             <a:endParaRPr sz="1100"/>
           </a:p>
           <a:p>
-            <a:pPr indent="-298450" lvl="1" marL="914400" rtl="0" algn="l">
+            <a:pPr marL="914400" lvl="1" indent="-298450" algn="l" rtl="0">
               <a:lnSpc>
                 <a:spcPct val="150000"/>
               </a:lnSpc>
@@ -8624,7 +8957,7 @@
             <a:endParaRPr sz="1100"/>
           </a:p>
           <a:p>
-            <a:pPr indent="-298450" lvl="1" marL="914400" rtl="0" algn="l">
+            <a:pPr marL="914400" lvl="1" indent="-298450" algn="l" rtl="0">
               <a:lnSpc>
                 <a:spcPct val="150000"/>
               </a:lnSpc>
@@ -8654,6 +8987,36 @@
           </a:p>
         </p:txBody>
       </p:sp>
+      <p:pic>
+        <p:nvPicPr>
+          <p:cNvPr id="2" name="圖片 1">
+            <a:extLst>
+              <a:ext uri="{FF2B5EF4-FFF2-40B4-BE49-F238E27FC236}">
+                <a16:creationId xmlns:a16="http://schemas.microsoft.com/office/drawing/2014/main" id="{237AC925-5745-AAC1-41A1-0AFD740C1B27}"/>
+              </a:ext>
+            </a:extLst>
+          </p:cNvPr>
+          <p:cNvPicPr>
+            <a:picLocks noChangeAspect="1"/>
+          </p:cNvPicPr>
+          <p:nvPr/>
+        </p:nvPicPr>
+        <p:blipFill>
+          <a:blip r:embed="rId11"/>
+          <a:stretch>
+            <a:fillRect/>
+          </a:stretch>
+        </p:blipFill>
+        <p:spPr>
+          <a:xfrm>
+            <a:off x="7782713" y="0"/>
+            <a:ext cx="1361287" cy="363189"/>
+          </a:xfrm>
+          <a:prstGeom prst="rect">
+            <a:avLst/>
+          </a:prstGeom>
+        </p:spPr>
+      </p:pic>
     </p:spTree>
   </p:cSld>
   <p:clrMapOvr>
@@ -8663,7 +9026,7 @@
 </file>
 
 <file path=ppt/theme/theme1.xml><?xml version="1.0" encoding="utf-8"?>
-<a:theme xmlns:a="http://schemas.openxmlformats.org/drawingml/2006/main" xmlns:r="http://schemas.openxmlformats.org/officeDocument/2006/relationships" name="Simple Dark">
+<a:theme xmlns:a="http://schemas.openxmlformats.org/drawingml/2006/main" name="Simple Dark">
   <a:themeElements>
     <a:clrScheme name="Simple Dark">
       <a:dk1>
@@ -8938,11 +9301,13 @@
       </a:bgFillStyleLst>
     </a:fmtScheme>
   </a:themeElements>
+  <a:objectDefaults/>
+  <a:extraClrSchemeLst/>
 </a:theme>
 </file>
 
 <file path=ppt/theme/theme2.xml><?xml version="1.0" encoding="utf-8"?>
-<a:theme xmlns:a="http://schemas.openxmlformats.org/drawingml/2006/main" xmlns:r="http://schemas.openxmlformats.org/officeDocument/2006/relationships">
+<a:theme xmlns:a="http://schemas.openxmlformats.org/drawingml/2006/main">
   <a:themeElements>
     <a:clrScheme name="Default">
       <a:dk1>
@@ -9217,5 +9582,7 @@
       </a:bgFillStyleLst>
     </a:fmtScheme>
   </a:themeElements>
+  <a:objectDefaults/>
+  <a:extraClrSchemeLst/>
 </a:theme>
 </file>